--- a/assets/slides/sp24/19-Trees.pptx
+++ b/assets/slides/sp24/19-Trees.pptx
@@ -2,7 +2,7 @@
 <file path=ppt/presentation.xml><?xml version="1.0" encoding="utf-8"?>
 <p:presentation xmlns:a="http://schemas.openxmlformats.org/drawingml/2006/main" xmlns:r="http://schemas.openxmlformats.org/officeDocument/2006/relationships" xmlns:p="http://schemas.openxmlformats.org/presentationml/2006/main" showSpecialPlsOnTitleSld="0" strictFirstAndLastChars="0" saveSubsetFonts="1" autoCompressPictures="0">
   <p:sldMasterIdLst>
-    <p:sldMasterId id="2147484014" r:id="rId1"/>
+    <p:sldMasterId id="2147484034" r:id="rId1"/>
   </p:sldMasterIdLst>
   <p:notesMasterIdLst>
     <p:notesMasterId r:id="rId21"/>
@@ -665,14 +665,14 @@
           </a:ln>
           <a:extLst>
             <a:ext uri="{909E8E84-426E-40dd-AFC4-6F175D3DCCD1}">
-              <a14:hiddenFill xmlns:a14="http://schemas.microsoft.com/office/drawing/2010/main" xmlns="">
+              <a14:hiddenFill xmlns="" xmlns:a14="http://schemas.microsoft.com/office/drawing/2010/main">
                 <a:solidFill>
                   <a:srgbClr val="FFFFFF"/>
                 </a:solidFill>
               </a14:hiddenFill>
             </a:ext>
             <a:ext uri="{91240B29-F687-4f45-9708-019B960494DF}">
-              <a14:hiddenLine xmlns:a14="http://schemas.microsoft.com/office/drawing/2010/main" xmlns="" w="9525">
+              <a14:hiddenLine xmlns="" xmlns:a14="http://schemas.microsoft.com/office/drawing/2010/main" w="9525">
                 <a:solidFill>
                   <a:srgbClr val="000000"/>
                 </a:solidFill>
@@ -740,14 +740,14 @@
           </a:ln>
           <a:extLst>
             <a:ext uri="{909E8E84-426E-40dd-AFC4-6F175D3DCCD1}">
-              <a14:hiddenFill xmlns:a14="http://schemas.microsoft.com/office/drawing/2010/main" xmlns="">
+              <a14:hiddenFill xmlns="" xmlns:a14="http://schemas.microsoft.com/office/drawing/2010/main">
                 <a:solidFill>
                   <a:srgbClr val="FFFFFF"/>
                 </a:solidFill>
               </a14:hiddenFill>
             </a:ext>
             <a:ext uri="{FAA26D3D-D897-4be2-8F04-BA451C77F1D7}">
-              <ma14:placeholderFlag xmlns:ma14="http://schemas.microsoft.com/office/mac/drawingml/2011/main" xmlns="" val="1"/>
+              <ma14:placeholderFlag xmlns="" xmlns:ma14="http://schemas.microsoft.com/office/mac/drawingml/2011/main" val="1"/>
             </a:ext>
           </a:extLst>
         </p:spPr>
@@ -1004,14 +1004,14 @@
           <a:ln/>
           <a:extLst>
             <a:ext uri="{909E8E84-426E-40dd-AFC4-6F175D3DCCD1}">
-              <a14:hiddenFill xmlns:a14="http://schemas.microsoft.com/office/drawing/2010/main" xmlns="">
+              <a14:hiddenFill xmlns="" xmlns:a14="http://schemas.microsoft.com/office/drawing/2010/main">
                 <a:solidFill>
                   <a:srgbClr val="FFFFFF"/>
                 </a:solidFill>
               </a14:hiddenFill>
             </a:ext>
             <a:ext uri="{91240B29-F687-4f45-9708-019B960494DF}">
-              <a14:hiddenLine xmlns:a14="http://schemas.microsoft.com/office/drawing/2010/main" xmlns="" w="9525">
+              <a14:hiddenLine xmlns="" xmlns:a14="http://schemas.microsoft.com/office/drawing/2010/main" w="9525">
                 <a:solidFill>
                   <a:srgbClr val="000000"/>
                 </a:solidFill>
@@ -1179,14 +1179,14 @@
           <a:ln/>
           <a:extLst>
             <a:ext uri="{909E8E84-426E-40dd-AFC4-6F175D3DCCD1}">
-              <a14:hiddenFill xmlns:a14="http://schemas.microsoft.com/office/drawing/2010/main" xmlns="">
+              <a14:hiddenFill xmlns="" xmlns:a14="http://schemas.microsoft.com/office/drawing/2010/main">
                 <a:solidFill>
                   <a:srgbClr val="FFFFFF"/>
                 </a:solidFill>
               </a14:hiddenFill>
             </a:ext>
             <a:ext uri="{91240B29-F687-4f45-9708-019B960494DF}">
-              <a14:hiddenLine xmlns:a14="http://schemas.microsoft.com/office/drawing/2010/main" xmlns="" w="9525">
+              <a14:hiddenLine xmlns="" xmlns:a14="http://schemas.microsoft.com/office/drawing/2010/main" w="9525">
                 <a:solidFill>
                   <a:srgbClr val="000000"/>
                 </a:solidFill>
@@ -1196,7 +1196,7 @@
               </a14:hiddenLine>
             </a:ext>
             <a:ext uri="{FAA26D3D-D897-4be2-8F04-BA451C77F1D7}">
-              <ma14:placeholderFlag xmlns:ma14="http://schemas.microsoft.com/office/mac/drawingml/2011/main" xmlns="" val="1"/>
+              <ma14:placeholderFlag xmlns="" xmlns:ma14="http://schemas.microsoft.com/office/mac/drawingml/2011/main" val="1"/>
             </a:ext>
           </a:extLst>
         </p:spPr>
@@ -1252,14 +1252,14 @@
           <a:ln/>
           <a:extLst>
             <a:ext uri="{909E8E84-426E-40dd-AFC4-6F175D3DCCD1}">
-              <a14:hiddenFill xmlns:a14="http://schemas.microsoft.com/office/drawing/2010/main" xmlns="">
+              <a14:hiddenFill xmlns="" xmlns:a14="http://schemas.microsoft.com/office/drawing/2010/main">
                 <a:solidFill>
                   <a:srgbClr val="FFFFFF"/>
                 </a:solidFill>
               </a14:hiddenFill>
             </a:ext>
             <a:ext uri="{91240B29-F687-4f45-9708-019B960494DF}">
-              <a14:hiddenLine xmlns:a14="http://schemas.microsoft.com/office/drawing/2010/main" xmlns="" w="9525">
+              <a14:hiddenLine xmlns="" xmlns:a14="http://schemas.microsoft.com/office/drawing/2010/main" w="9525">
                 <a:solidFill>
                   <a:srgbClr val="000000"/>
                 </a:solidFill>
@@ -1427,14 +1427,14 @@
           <a:ln/>
           <a:extLst>
             <a:ext uri="{909E8E84-426E-40dd-AFC4-6F175D3DCCD1}">
-              <a14:hiddenFill xmlns:a14="http://schemas.microsoft.com/office/drawing/2010/main" xmlns="">
+              <a14:hiddenFill xmlns="" xmlns:a14="http://schemas.microsoft.com/office/drawing/2010/main">
                 <a:solidFill>
                   <a:srgbClr val="FFFFFF"/>
                 </a:solidFill>
               </a14:hiddenFill>
             </a:ext>
             <a:ext uri="{91240B29-F687-4f45-9708-019B960494DF}">
-              <a14:hiddenLine xmlns:a14="http://schemas.microsoft.com/office/drawing/2010/main" xmlns="" w="9525">
+              <a14:hiddenLine xmlns="" xmlns:a14="http://schemas.microsoft.com/office/drawing/2010/main" w="9525">
                 <a:solidFill>
                   <a:srgbClr val="000000"/>
                 </a:solidFill>
@@ -1444,7 +1444,7 @@
               </a14:hiddenLine>
             </a:ext>
             <a:ext uri="{FAA26D3D-D897-4be2-8F04-BA451C77F1D7}">
-              <ma14:placeholderFlag xmlns:ma14="http://schemas.microsoft.com/office/mac/drawingml/2011/main" xmlns="" val="1"/>
+              <ma14:placeholderFlag xmlns="" xmlns:ma14="http://schemas.microsoft.com/office/mac/drawingml/2011/main" val="1"/>
             </a:ext>
           </a:extLst>
         </p:spPr>
@@ -1505,14 +1505,14 @@
           <a:ln/>
           <a:extLst>
             <a:ext uri="{909E8E84-426E-40dd-AFC4-6F175D3DCCD1}">
-              <a14:hiddenFill xmlns:a14="http://schemas.microsoft.com/office/drawing/2010/main" xmlns="">
+              <a14:hiddenFill xmlns="" xmlns:a14="http://schemas.microsoft.com/office/drawing/2010/main">
                 <a:solidFill>
                   <a:srgbClr val="FFFFFF"/>
                 </a:solidFill>
               </a14:hiddenFill>
             </a:ext>
             <a:ext uri="{91240B29-F687-4f45-9708-019B960494DF}">
-              <a14:hiddenLine xmlns:a14="http://schemas.microsoft.com/office/drawing/2010/main" xmlns="" w="9525">
+              <a14:hiddenLine xmlns="" xmlns:a14="http://schemas.microsoft.com/office/drawing/2010/main" w="9525">
                 <a:solidFill>
                   <a:srgbClr val="000000"/>
                 </a:solidFill>
@@ -1680,14 +1680,14 @@
           <a:ln/>
           <a:extLst>
             <a:ext uri="{909E8E84-426E-40dd-AFC4-6F175D3DCCD1}">
-              <a14:hiddenFill xmlns:a14="http://schemas.microsoft.com/office/drawing/2010/main" xmlns="">
+              <a14:hiddenFill xmlns="" xmlns:a14="http://schemas.microsoft.com/office/drawing/2010/main">
                 <a:solidFill>
                   <a:srgbClr val="FFFFFF"/>
                 </a:solidFill>
               </a14:hiddenFill>
             </a:ext>
             <a:ext uri="{91240B29-F687-4f45-9708-019B960494DF}">
-              <a14:hiddenLine xmlns:a14="http://schemas.microsoft.com/office/drawing/2010/main" xmlns="" w="9525">
+              <a14:hiddenLine xmlns="" xmlns:a14="http://schemas.microsoft.com/office/drawing/2010/main" w="9525">
                 <a:solidFill>
                   <a:srgbClr val="000000"/>
                 </a:solidFill>
@@ -1697,7 +1697,7 @@
               </a14:hiddenLine>
             </a:ext>
             <a:ext uri="{FAA26D3D-D897-4be2-8F04-BA451C77F1D7}">
-              <ma14:placeholderFlag xmlns:ma14="http://schemas.microsoft.com/office/mac/drawingml/2011/main" xmlns="" val="1"/>
+              <ma14:placeholderFlag xmlns="" xmlns:ma14="http://schemas.microsoft.com/office/mac/drawingml/2011/main" val="1"/>
             </a:ext>
           </a:extLst>
         </p:spPr>
@@ -1758,14 +1758,14 @@
           <a:ln/>
           <a:extLst>
             <a:ext uri="{909E8E84-426E-40dd-AFC4-6F175D3DCCD1}">
-              <a14:hiddenFill xmlns:a14="http://schemas.microsoft.com/office/drawing/2010/main" xmlns="">
+              <a14:hiddenFill xmlns="" xmlns:a14="http://schemas.microsoft.com/office/drawing/2010/main">
                 <a:solidFill>
                   <a:srgbClr val="FFFFFF"/>
                 </a:solidFill>
               </a14:hiddenFill>
             </a:ext>
             <a:ext uri="{91240B29-F687-4f45-9708-019B960494DF}">
-              <a14:hiddenLine xmlns:a14="http://schemas.microsoft.com/office/drawing/2010/main" xmlns="" w="9525">
+              <a14:hiddenLine xmlns="" xmlns:a14="http://schemas.microsoft.com/office/drawing/2010/main" w="9525">
                 <a:solidFill>
                   <a:srgbClr val="000000"/>
                 </a:solidFill>
@@ -1933,14 +1933,14 @@
           <a:ln/>
           <a:extLst>
             <a:ext uri="{909E8E84-426E-40dd-AFC4-6F175D3DCCD1}">
-              <a14:hiddenFill xmlns:a14="http://schemas.microsoft.com/office/drawing/2010/main" xmlns="">
+              <a14:hiddenFill xmlns="" xmlns:a14="http://schemas.microsoft.com/office/drawing/2010/main">
                 <a:solidFill>
                   <a:srgbClr val="FFFFFF"/>
                 </a:solidFill>
               </a14:hiddenFill>
             </a:ext>
             <a:ext uri="{91240B29-F687-4f45-9708-019B960494DF}">
-              <a14:hiddenLine xmlns:a14="http://schemas.microsoft.com/office/drawing/2010/main" xmlns="" w="9525">
+              <a14:hiddenLine xmlns="" xmlns:a14="http://schemas.microsoft.com/office/drawing/2010/main" w="9525">
                 <a:solidFill>
                   <a:srgbClr val="000000"/>
                 </a:solidFill>
@@ -1950,7 +1950,7 @@
               </a14:hiddenLine>
             </a:ext>
             <a:ext uri="{FAA26D3D-D897-4be2-8F04-BA451C77F1D7}">
-              <ma14:placeholderFlag xmlns:ma14="http://schemas.microsoft.com/office/mac/drawingml/2011/main" xmlns="" val="1"/>
+              <ma14:placeholderFlag xmlns="" xmlns:ma14="http://schemas.microsoft.com/office/mac/drawingml/2011/main" val="1"/>
             </a:ext>
           </a:extLst>
         </p:spPr>
@@ -2011,14 +2011,14 @@
           <a:ln/>
           <a:extLst>
             <a:ext uri="{909E8E84-426E-40dd-AFC4-6F175D3DCCD1}">
-              <a14:hiddenFill xmlns:a14="http://schemas.microsoft.com/office/drawing/2010/main" xmlns="">
+              <a14:hiddenFill xmlns="" xmlns:a14="http://schemas.microsoft.com/office/drawing/2010/main">
                 <a:solidFill>
                   <a:srgbClr val="FFFFFF"/>
                 </a:solidFill>
               </a14:hiddenFill>
             </a:ext>
             <a:ext uri="{91240B29-F687-4f45-9708-019B960494DF}">
-              <a14:hiddenLine xmlns:a14="http://schemas.microsoft.com/office/drawing/2010/main" xmlns="" w="9525">
+              <a14:hiddenLine xmlns="" xmlns:a14="http://schemas.microsoft.com/office/drawing/2010/main" w="9525">
                 <a:solidFill>
                   <a:srgbClr val="000000"/>
                 </a:solidFill>
@@ -2186,14 +2186,14 @@
           <a:ln/>
           <a:extLst>
             <a:ext uri="{909E8E84-426E-40dd-AFC4-6F175D3DCCD1}">
-              <a14:hiddenFill xmlns:a14="http://schemas.microsoft.com/office/drawing/2010/main" xmlns="">
+              <a14:hiddenFill xmlns="" xmlns:a14="http://schemas.microsoft.com/office/drawing/2010/main">
                 <a:solidFill>
                   <a:srgbClr val="FFFFFF"/>
                 </a:solidFill>
               </a14:hiddenFill>
             </a:ext>
             <a:ext uri="{91240B29-F687-4f45-9708-019B960494DF}">
-              <a14:hiddenLine xmlns:a14="http://schemas.microsoft.com/office/drawing/2010/main" xmlns="" w="9525">
+              <a14:hiddenLine xmlns="" xmlns:a14="http://schemas.microsoft.com/office/drawing/2010/main" w="9525">
                 <a:solidFill>
                   <a:srgbClr val="000000"/>
                 </a:solidFill>
@@ -2203,7 +2203,7 @@
               </a14:hiddenLine>
             </a:ext>
             <a:ext uri="{FAA26D3D-D897-4be2-8F04-BA451C77F1D7}">
-              <ma14:placeholderFlag xmlns:ma14="http://schemas.microsoft.com/office/mac/drawingml/2011/main" xmlns="" val="1"/>
+              <ma14:placeholderFlag xmlns="" xmlns:ma14="http://schemas.microsoft.com/office/mac/drawingml/2011/main" val="1"/>
             </a:ext>
           </a:extLst>
         </p:spPr>
@@ -2264,14 +2264,14 @@
           <a:ln/>
           <a:extLst>
             <a:ext uri="{909E8E84-426E-40dd-AFC4-6F175D3DCCD1}">
-              <a14:hiddenFill xmlns:a14="http://schemas.microsoft.com/office/drawing/2010/main" xmlns="">
+              <a14:hiddenFill xmlns="" xmlns:a14="http://schemas.microsoft.com/office/drawing/2010/main">
                 <a:solidFill>
                   <a:srgbClr val="FFFFFF"/>
                 </a:solidFill>
               </a14:hiddenFill>
             </a:ext>
             <a:ext uri="{91240B29-F687-4f45-9708-019B960494DF}">
-              <a14:hiddenLine xmlns:a14="http://schemas.microsoft.com/office/drawing/2010/main" xmlns="" w="9525">
+              <a14:hiddenLine xmlns="" xmlns:a14="http://schemas.microsoft.com/office/drawing/2010/main" w="9525">
                 <a:solidFill>
                   <a:srgbClr val="000000"/>
                 </a:solidFill>
@@ -2439,14 +2439,14 @@
           <a:ln/>
           <a:extLst>
             <a:ext uri="{909E8E84-426E-40dd-AFC4-6F175D3DCCD1}">
-              <a14:hiddenFill xmlns:a14="http://schemas.microsoft.com/office/drawing/2010/main" xmlns="">
+              <a14:hiddenFill xmlns="" xmlns:a14="http://schemas.microsoft.com/office/drawing/2010/main">
                 <a:solidFill>
                   <a:srgbClr val="FFFFFF"/>
                 </a:solidFill>
               </a14:hiddenFill>
             </a:ext>
             <a:ext uri="{91240B29-F687-4f45-9708-019B960494DF}">
-              <a14:hiddenLine xmlns:a14="http://schemas.microsoft.com/office/drawing/2010/main" xmlns="" w="9525">
+              <a14:hiddenLine xmlns="" xmlns:a14="http://schemas.microsoft.com/office/drawing/2010/main" w="9525">
                 <a:solidFill>
                   <a:srgbClr val="000000"/>
                 </a:solidFill>
@@ -2456,7 +2456,7 @@
               </a14:hiddenLine>
             </a:ext>
             <a:ext uri="{FAA26D3D-D897-4be2-8F04-BA451C77F1D7}">
-              <ma14:placeholderFlag xmlns:ma14="http://schemas.microsoft.com/office/mac/drawingml/2011/main" xmlns="" val="1"/>
+              <ma14:placeholderFlag xmlns="" xmlns:ma14="http://schemas.microsoft.com/office/mac/drawingml/2011/main" val="1"/>
             </a:ext>
           </a:extLst>
         </p:spPr>
@@ -2486,8 +2486,2705 @@
 </file>
 
 <file path=ppt/slideLayouts/slideLayout1.xml><?xml version="1.0" encoding="utf-8"?>
+<p:sldLayout xmlns:a="http://schemas.openxmlformats.org/drawingml/2006/main" xmlns:r="http://schemas.openxmlformats.org/officeDocument/2006/relationships" xmlns:p="http://schemas.openxmlformats.org/presentationml/2006/main" type="obj" preserve="1">
+  <p:cSld name="Title and Content">
+    <p:spTree>
+      <p:nvGrpSpPr>
+        <p:cNvPr id="1" name=""/>
+        <p:cNvGrpSpPr/>
+        <p:nvPr/>
+      </p:nvGrpSpPr>
+      <p:grpSpPr>
+        <a:xfrm>
+          <a:off x="0" y="0"/>
+          <a:ext cx="0" cy="0"/>
+          <a:chOff x="0" y="0"/>
+          <a:chExt cx="0" cy="0"/>
+        </a:xfrm>
+      </p:grpSpPr>
+      <p:sp>
+        <p:nvSpPr>
+          <p:cNvPr id="2" name="Title 1"/>
+          <p:cNvSpPr>
+            <a:spLocks noGrp="1"/>
+          </p:cNvSpPr>
+          <p:nvPr>
+            <p:ph type="title"/>
+          </p:nvPr>
+        </p:nvSpPr>
+        <p:spPr>
+          <a:xfrm>
+            <a:off x="0" y="0"/>
+            <a:ext cx="12192000" cy="914400"/>
+          </a:xfrm>
+        </p:spPr>
+        <p:txBody>
+          <a:bodyPr>
+            <a:normAutofit/>
+          </a:bodyPr>
+          <a:lstStyle>
+            <a:lvl1pPr>
+              <a:defRPr sz="3600" baseline="0"/>
+            </a:lvl1pPr>
+          </a:lstStyle>
+          <a:p>
+            <a:r>
+              <a:rPr lang="en-US" dirty="0"/>
+              <a:t>Click to edit Master title style</a:t>
+            </a:r>
+          </a:p>
+        </p:txBody>
+      </p:sp>
+      <p:sp>
+        <p:nvSpPr>
+          <p:cNvPr id="3" name="Content Placeholder 2"/>
+          <p:cNvSpPr>
+            <a:spLocks noGrp="1"/>
+          </p:cNvSpPr>
+          <p:nvPr>
+            <p:ph idx="1" hasCustomPrompt="1"/>
+          </p:nvPr>
+        </p:nvSpPr>
+        <p:spPr/>
+        <p:txBody>
+          <a:bodyPr/>
+          <a:lstStyle>
+            <a:lvl1pPr>
+              <a:defRPr sz="2400" b="0" i="0" baseline="0">
+                <a:latin typeface="Open Sans Light" panose="020B0606030504020204" pitchFamily="34" charset="0"/>
+                <a:ea typeface="Open Sans Light" panose="020B0606030504020204" pitchFamily="34" charset="0"/>
+                <a:cs typeface="Open Sans Light" panose="020B0606030504020204" pitchFamily="34" charset="0"/>
+              </a:defRPr>
+            </a:lvl1pPr>
+            <a:lvl2pPr>
+              <a:defRPr sz="2400" b="0" i="0" baseline="0">
+                <a:latin typeface="Open Sans Light" panose="020B0606030504020204" pitchFamily="34" charset="0"/>
+                <a:ea typeface="Open Sans Light" panose="020B0606030504020204" pitchFamily="34" charset="0"/>
+                <a:cs typeface="Open Sans Light" panose="020B0606030504020204" pitchFamily="34" charset="0"/>
+              </a:defRPr>
+            </a:lvl2pPr>
+            <a:lvl3pPr>
+              <a:defRPr sz="2200" b="0" i="0" baseline="0">
+                <a:latin typeface="Open Sans Light" panose="020B0606030504020204" pitchFamily="34" charset="0"/>
+                <a:ea typeface="Open Sans Light" panose="020B0606030504020204" pitchFamily="34" charset="0"/>
+                <a:cs typeface="Open Sans Light" panose="020B0606030504020204" pitchFamily="34" charset="0"/>
+              </a:defRPr>
+            </a:lvl3pPr>
+            <a:lvl4pPr>
+              <a:defRPr sz="2000" b="0" i="0" baseline="0">
+                <a:latin typeface="Open Sans Light" panose="020B0606030504020204" pitchFamily="34" charset="0"/>
+                <a:ea typeface="Open Sans Light" panose="020B0606030504020204" pitchFamily="34" charset="0"/>
+                <a:cs typeface="Open Sans Light" panose="020B0606030504020204" pitchFamily="34" charset="0"/>
+              </a:defRPr>
+            </a:lvl4pPr>
+            <a:lvl5pPr>
+              <a:defRPr sz="1800" b="0" i="0" baseline="0">
+                <a:latin typeface="Open Sans Light" panose="020B0606030504020204" pitchFamily="34" charset="0"/>
+                <a:ea typeface="Open Sans Light" panose="020B0606030504020204" pitchFamily="34" charset="0"/>
+                <a:cs typeface="Open Sans Light" panose="020B0606030504020204" pitchFamily="34" charset="0"/>
+              </a:defRPr>
+            </a:lvl5pPr>
+          </a:lstStyle>
+          <a:p>
+            <a:pPr lvl="0"/>
+            <a:r>
+              <a:rPr lang="en-US" dirty="0"/>
+              <a:t>Body Text</a:t>
+            </a:r>
+          </a:p>
+          <a:p>
+            <a:pPr lvl="1"/>
+            <a:r>
+              <a:rPr lang="en-US" dirty="0"/>
+              <a:t>Second Level</a:t>
+            </a:r>
+          </a:p>
+          <a:p>
+            <a:pPr lvl="2"/>
+            <a:r>
+              <a:rPr lang="en-US" dirty="0"/>
+              <a:t>Third Level</a:t>
+            </a:r>
+          </a:p>
+          <a:p>
+            <a:pPr lvl="3"/>
+            <a:r>
+              <a:rPr lang="en-US" dirty="0"/>
+              <a:t>Fourth Level</a:t>
+            </a:r>
+          </a:p>
+          <a:p>
+            <a:pPr lvl="4"/>
+            <a:r>
+              <a:rPr lang="en-US" dirty="0"/>
+              <a:t>Fifth Level</a:t>
+            </a:r>
+          </a:p>
+        </p:txBody>
+      </p:sp>
+      <p:sp>
+        <p:nvSpPr>
+          <p:cNvPr id="8" name="Footer Placeholder 7">
+            <a:extLst>
+              <a:ext uri="{FF2B5EF4-FFF2-40B4-BE49-F238E27FC236}">
+                <a16:creationId xmlns:a16="http://schemas.microsoft.com/office/drawing/2014/main" id="{60F574F4-9EA5-E09D-AA0C-48EE3C3246AC}"/>
+              </a:ext>
+            </a:extLst>
+          </p:cNvPr>
+          <p:cNvSpPr>
+            <a:spLocks noGrp="1"/>
+          </p:cNvSpPr>
+          <p:nvPr>
+            <p:ph type="ftr" sz="quarter" idx="10"/>
+          </p:nvPr>
+        </p:nvSpPr>
+        <p:spPr>
+          <a:xfrm>
+            <a:off x="4038600" y="6434666"/>
+            <a:ext cx="4572000" cy="303743"/>
+          </a:xfrm>
+        </p:spPr>
+        <p:txBody>
+          <a:bodyPr/>
+          <a:lstStyle>
+            <a:lvl1pPr>
+              <a:defRPr b="0" i="0">
+                <a:latin typeface="FreightMicro Pro Book"/>
+              </a:defRPr>
+            </a:lvl1pPr>
+          </a:lstStyle>
+          <a:p>
+            <a:r>
+              <a:rPr lang="en-US" dirty="0"/>
+              <a:t>Michael Ball | UC Berkeley | https://c88c.org | © CC BY-NC-SA</a:t>
+            </a:r>
+          </a:p>
+        </p:txBody>
+      </p:sp>
+    </p:spTree>
+    <p:extLst>
+      <p:ext uri="{BB962C8B-B14F-4D97-AF65-F5344CB8AC3E}">
+        <p14:creationId xmlns:p14="http://schemas.microsoft.com/office/powerpoint/2010/main" val="1288171067"/>
+      </p:ext>
+    </p:extLst>
+  </p:cSld>
+  <p:clrMapOvr>
+    <a:masterClrMapping/>
+  </p:clrMapOvr>
+</p:sldLayout>
+</file>
+
+<file path=ppt/slideLayouts/slideLayout10.xml><?xml version="1.0" encoding="utf-8"?>
+<p:sldLayout xmlns:a="http://schemas.openxmlformats.org/drawingml/2006/main" xmlns:r="http://schemas.openxmlformats.org/officeDocument/2006/relationships" xmlns:p="http://schemas.openxmlformats.org/presentationml/2006/main" type="titleOnly" preserve="1">
+  <p:cSld name="Title Only">
+    <p:spTree>
+      <p:nvGrpSpPr>
+        <p:cNvPr id="1" name=""/>
+        <p:cNvGrpSpPr/>
+        <p:nvPr/>
+      </p:nvGrpSpPr>
+      <p:grpSpPr>
+        <a:xfrm>
+          <a:off x="0" y="0"/>
+          <a:ext cx="0" cy="0"/>
+          <a:chOff x="0" y="0"/>
+          <a:chExt cx="0" cy="0"/>
+        </a:xfrm>
+      </p:grpSpPr>
+      <p:sp>
+        <p:nvSpPr>
+          <p:cNvPr id="2" name="Title 1"/>
+          <p:cNvSpPr>
+            <a:spLocks noGrp="1"/>
+          </p:cNvSpPr>
+          <p:nvPr>
+            <p:ph type="title"/>
+          </p:nvPr>
+        </p:nvSpPr>
+        <p:spPr/>
+        <p:txBody>
+          <a:bodyPr/>
+          <a:lstStyle>
+            <a:lvl1pPr>
+              <a:defRPr sz="2800" baseline="0"/>
+            </a:lvl1pPr>
+          </a:lstStyle>
+          <a:p>
+            <a:r>
+              <a:rPr lang="en-US"/>
+              <a:t>Click to edit Master title style</a:t>
+            </a:r>
+            <a:endParaRPr lang="en-US" dirty="0"/>
+          </a:p>
+        </p:txBody>
+      </p:sp>
+      <p:sp>
+        <p:nvSpPr>
+          <p:cNvPr id="4" name="Footer Placeholder 3">
+            <a:extLst>
+              <a:ext uri="{FF2B5EF4-FFF2-40B4-BE49-F238E27FC236}">
+                <a16:creationId xmlns:a16="http://schemas.microsoft.com/office/drawing/2014/main" id="{686DCF39-8489-B440-287B-604AF733C85B}"/>
+              </a:ext>
+            </a:extLst>
+          </p:cNvPr>
+          <p:cNvSpPr>
+            <a:spLocks noGrp="1"/>
+          </p:cNvSpPr>
+          <p:nvPr>
+            <p:ph type="ftr" sz="quarter" idx="10"/>
+          </p:nvPr>
+        </p:nvSpPr>
+        <p:spPr>
+          <a:xfrm>
+            <a:off x="4038601" y="6500285"/>
+            <a:ext cx="4348655" cy="273049"/>
+          </a:xfrm>
+        </p:spPr>
+        <p:txBody>
+          <a:bodyPr/>
+          <a:lstStyle>
+            <a:lvl1pPr>
+              <a:defRPr b="0" i="0">
+                <a:latin typeface="FreightMicro Pro Book" panose="02000603020000020004" pitchFamily="2" charset="0"/>
+              </a:defRPr>
+            </a:lvl1pPr>
+          </a:lstStyle>
+          <a:p>
+            <a:r>
+              <a:rPr lang="en-US" dirty="0"/>
+              <a:t>Michael Ball | UC Berkeley | https://c88c.org | © CC BY-NC-SA</a:t>
+            </a:r>
+          </a:p>
+        </p:txBody>
+      </p:sp>
+    </p:spTree>
+    <p:extLst>
+      <p:ext uri="{BB962C8B-B14F-4D97-AF65-F5344CB8AC3E}">
+        <p14:creationId xmlns:p14="http://schemas.microsoft.com/office/powerpoint/2010/main" val="153986664"/>
+      </p:ext>
+    </p:extLst>
+  </p:cSld>
+  <p:clrMapOvr>
+    <a:masterClrMapping/>
+  </p:clrMapOvr>
+</p:sldLayout>
+</file>
+
+<file path=ppt/slideLayouts/slideLayout11.xml><?xml version="1.0" encoding="utf-8"?>
+<p:sldLayout xmlns:a="http://schemas.openxmlformats.org/drawingml/2006/main" xmlns:r="http://schemas.openxmlformats.org/officeDocument/2006/relationships" xmlns:p="http://schemas.openxmlformats.org/presentationml/2006/main" type="blank" preserve="1">
+  <p:cSld name="Blank">
+    <p:spTree>
+      <p:nvGrpSpPr>
+        <p:cNvPr id="1" name=""/>
+        <p:cNvGrpSpPr/>
+        <p:nvPr/>
+      </p:nvGrpSpPr>
+      <p:grpSpPr>
+        <a:xfrm>
+          <a:off x="0" y="0"/>
+          <a:ext cx="0" cy="0"/>
+          <a:chOff x="0" y="0"/>
+          <a:chExt cx="0" cy="0"/>
+        </a:xfrm>
+      </p:grpSpPr>
+      <p:sp>
+        <p:nvSpPr>
+          <p:cNvPr id="3" name="Footer Placeholder 7">
+            <a:extLst>
+              <a:ext uri="{FF2B5EF4-FFF2-40B4-BE49-F238E27FC236}">
+                <a16:creationId xmlns:a16="http://schemas.microsoft.com/office/drawing/2014/main" id="{ECA42F45-1436-E397-BC1C-20EF043ED087}"/>
+              </a:ext>
+            </a:extLst>
+          </p:cNvPr>
+          <p:cNvSpPr>
+            <a:spLocks noGrp="1"/>
+          </p:cNvSpPr>
+          <p:nvPr>
+            <p:ph type="ftr" sz="quarter" idx="10"/>
+          </p:nvPr>
+        </p:nvSpPr>
+        <p:spPr>
+          <a:xfrm>
+            <a:off x="4038601" y="6483351"/>
+            <a:ext cx="4348655" cy="365125"/>
+          </a:xfrm>
+        </p:spPr>
+        <p:txBody>
+          <a:bodyPr/>
+          <a:lstStyle>
+            <a:lvl1pPr>
+              <a:defRPr b="0" i="0">
+                <a:latin typeface="FreightMicro Pro Book" panose="02000603020000020004" pitchFamily="2" charset="0"/>
+              </a:defRPr>
+            </a:lvl1pPr>
+          </a:lstStyle>
+          <a:p>
+            <a:r>
+              <a:rPr lang="en-US"/>
+              <a:t>Michael Ball | UC Berkeley | https://c88c.org | © CC BY-NC-SA</a:t>
+            </a:r>
+          </a:p>
+        </p:txBody>
+      </p:sp>
+    </p:spTree>
+    <p:extLst>
+      <p:ext uri="{BB962C8B-B14F-4D97-AF65-F5344CB8AC3E}">
+        <p14:creationId xmlns:p14="http://schemas.microsoft.com/office/powerpoint/2010/main" val="3242692601"/>
+      </p:ext>
+    </p:extLst>
+  </p:cSld>
+  <p:clrMapOvr>
+    <a:masterClrMapping/>
+  </p:clrMapOvr>
+</p:sldLayout>
+</file>
+
+<file path=ppt/slideLayouts/slideLayout12.xml><?xml version="1.0" encoding="utf-8"?>
+<p:sldLayout xmlns:a="http://schemas.openxmlformats.org/drawingml/2006/main" xmlns:r="http://schemas.openxmlformats.org/officeDocument/2006/relationships" xmlns:p="http://schemas.openxmlformats.org/presentationml/2006/main" type="txAndTwoObj" preserve="1">
+  <p:cSld name="Title, Text, and 2 Content">
+    <p:spTree>
+      <p:nvGrpSpPr>
+        <p:cNvPr id="1" name=""/>
+        <p:cNvGrpSpPr/>
+        <p:nvPr/>
+      </p:nvGrpSpPr>
+      <p:grpSpPr>
+        <a:xfrm>
+          <a:off x="0" y="0"/>
+          <a:ext cx="0" cy="0"/>
+          <a:chOff x="0" y="0"/>
+          <a:chExt cx="0" cy="0"/>
+        </a:xfrm>
+      </p:grpSpPr>
+      <p:sp>
+        <p:nvSpPr>
+          <p:cNvPr id="2" name="Title 1"/>
+          <p:cNvSpPr>
+            <a:spLocks noGrp="1"/>
+          </p:cNvSpPr>
+          <p:nvPr>
+            <p:ph type="title"/>
+          </p:nvPr>
+        </p:nvSpPr>
+        <p:spPr>
+          <a:xfrm>
+            <a:off x="533400" y="215900"/>
+            <a:ext cx="10261600" cy="736600"/>
+          </a:xfrm>
+        </p:spPr>
+        <p:txBody>
+          <a:bodyPr/>
+          <a:lstStyle>
+            <a:lvl1pPr>
+              <a:defRPr sz="2800" baseline="0"/>
+            </a:lvl1pPr>
+          </a:lstStyle>
+          <a:p>
+            <a:r>
+              <a:rPr lang="en-US"/>
+              <a:t>Click to edit Master title style</a:t>
+            </a:r>
+            <a:endParaRPr lang="en-US" dirty="0"/>
+          </a:p>
+        </p:txBody>
+      </p:sp>
+      <p:sp>
+        <p:nvSpPr>
+          <p:cNvPr id="3" name="Text Placeholder 2"/>
+          <p:cNvSpPr>
+            <a:spLocks noGrp="1"/>
+          </p:cNvSpPr>
+          <p:nvPr>
+            <p:ph type="body" sz="half" idx="1"/>
+          </p:nvPr>
+        </p:nvSpPr>
+        <p:spPr>
+          <a:xfrm>
+            <a:off x="533400" y="1066800"/>
+            <a:ext cx="5359400" cy="5257800"/>
+          </a:xfrm>
+        </p:spPr>
+        <p:txBody>
+          <a:bodyPr/>
+          <a:lstStyle/>
+          <a:p>
+            <a:pPr lvl="0"/>
+            <a:r>
+              <a:rPr lang="en-US"/>
+              <a:t>Click to edit Master text styles</a:t>
+            </a:r>
+          </a:p>
+          <a:p>
+            <a:pPr lvl="1"/>
+            <a:r>
+              <a:rPr lang="en-US"/>
+              <a:t>Second level</a:t>
+            </a:r>
+          </a:p>
+          <a:p>
+            <a:pPr lvl="2"/>
+            <a:r>
+              <a:rPr lang="en-US"/>
+              <a:t>Third level</a:t>
+            </a:r>
+          </a:p>
+          <a:p>
+            <a:pPr lvl="3"/>
+            <a:r>
+              <a:rPr lang="en-US"/>
+              <a:t>Fourth level</a:t>
+            </a:r>
+          </a:p>
+          <a:p>
+            <a:pPr lvl="4"/>
+            <a:r>
+              <a:rPr lang="en-US"/>
+              <a:t>Fifth level</a:t>
+            </a:r>
+            <a:endParaRPr lang="en-US" dirty="0"/>
+          </a:p>
+        </p:txBody>
+      </p:sp>
+      <p:sp>
+        <p:nvSpPr>
+          <p:cNvPr id="4" name="Content Placeholder 3"/>
+          <p:cNvSpPr>
+            <a:spLocks noGrp="1"/>
+          </p:cNvSpPr>
+          <p:nvPr>
+            <p:ph sz="quarter" idx="2"/>
+          </p:nvPr>
+        </p:nvSpPr>
+        <p:spPr>
+          <a:xfrm>
+            <a:off x="6096000" y="1066801"/>
+            <a:ext cx="5562600" cy="2552700"/>
+          </a:xfrm>
+        </p:spPr>
+        <p:txBody>
+          <a:bodyPr/>
+          <a:lstStyle>
+            <a:lvl1pPr>
+              <a:defRPr sz="2667"/>
+            </a:lvl1pPr>
+            <a:lvl2pPr>
+              <a:defRPr sz="2667"/>
+            </a:lvl2pPr>
+            <a:lvl3pPr>
+              <a:defRPr sz="2400"/>
+            </a:lvl3pPr>
+            <a:lvl4pPr>
+              <a:defRPr sz="2400"/>
+            </a:lvl4pPr>
+            <a:lvl5pPr>
+              <a:defRPr sz="2400"/>
+            </a:lvl5pPr>
+          </a:lstStyle>
+          <a:p>
+            <a:pPr lvl="0"/>
+            <a:r>
+              <a:rPr lang="en-US"/>
+              <a:t>Click to edit Master text styles</a:t>
+            </a:r>
+          </a:p>
+          <a:p>
+            <a:pPr lvl="1"/>
+            <a:r>
+              <a:rPr lang="en-US"/>
+              <a:t>Second level</a:t>
+            </a:r>
+          </a:p>
+          <a:p>
+            <a:pPr lvl="2"/>
+            <a:r>
+              <a:rPr lang="en-US"/>
+              <a:t>Third level</a:t>
+            </a:r>
+          </a:p>
+          <a:p>
+            <a:pPr lvl="3"/>
+            <a:r>
+              <a:rPr lang="en-US"/>
+              <a:t>Fourth level</a:t>
+            </a:r>
+          </a:p>
+          <a:p>
+            <a:pPr lvl="4"/>
+            <a:r>
+              <a:rPr lang="en-US"/>
+              <a:t>Fifth level</a:t>
+            </a:r>
+            <a:endParaRPr lang="en-US" dirty="0"/>
+          </a:p>
+        </p:txBody>
+      </p:sp>
+      <p:sp>
+        <p:nvSpPr>
+          <p:cNvPr id="5" name="Content Placeholder 4"/>
+          <p:cNvSpPr>
+            <a:spLocks noGrp="1"/>
+          </p:cNvSpPr>
+          <p:nvPr>
+            <p:ph sz="quarter" idx="3"/>
+          </p:nvPr>
+        </p:nvSpPr>
+        <p:spPr>
+          <a:xfrm>
+            <a:off x="6096000" y="3771901"/>
+            <a:ext cx="5562600" cy="2552700"/>
+          </a:xfrm>
+        </p:spPr>
+        <p:txBody>
+          <a:bodyPr/>
+          <a:lstStyle>
+            <a:lvl1pPr>
+              <a:defRPr sz="2667"/>
+            </a:lvl1pPr>
+            <a:lvl2pPr>
+              <a:defRPr sz="2667"/>
+            </a:lvl2pPr>
+            <a:lvl3pPr>
+              <a:defRPr sz="2400"/>
+            </a:lvl3pPr>
+            <a:lvl4pPr>
+              <a:defRPr sz="2400"/>
+            </a:lvl4pPr>
+            <a:lvl5pPr>
+              <a:defRPr sz="2400"/>
+            </a:lvl5pPr>
+          </a:lstStyle>
+          <a:p>
+            <a:pPr lvl="0"/>
+            <a:r>
+              <a:rPr lang="en-US"/>
+              <a:t>Click to edit Master text styles</a:t>
+            </a:r>
+          </a:p>
+          <a:p>
+            <a:pPr lvl="1"/>
+            <a:r>
+              <a:rPr lang="en-US"/>
+              <a:t>Second level</a:t>
+            </a:r>
+          </a:p>
+          <a:p>
+            <a:pPr lvl="2"/>
+            <a:r>
+              <a:rPr lang="en-US"/>
+              <a:t>Third level</a:t>
+            </a:r>
+          </a:p>
+          <a:p>
+            <a:pPr lvl="3"/>
+            <a:r>
+              <a:rPr lang="en-US"/>
+              <a:t>Fourth level</a:t>
+            </a:r>
+          </a:p>
+          <a:p>
+            <a:pPr lvl="4"/>
+            <a:r>
+              <a:rPr lang="en-US"/>
+              <a:t>Fifth level</a:t>
+            </a:r>
+            <a:endParaRPr lang="en-US" dirty="0"/>
+          </a:p>
+        </p:txBody>
+      </p:sp>
+      <p:sp>
+        <p:nvSpPr>
+          <p:cNvPr id="7" name="Footer Placeholder 6">
+            <a:extLst>
+              <a:ext uri="{FF2B5EF4-FFF2-40B4-BE49-F238E27FC236}">
+                <a16:creationId xmlns:a16="http://schemas.microsoft.com/office/drawing/2014/main" id="{09B8C7DD-E937-7C7A-0125-F53589ECA244}"/>
+              </a:ext>
+            </a:extLst>
+          </p:cNvPr>
+          <p:cNvSpPr>
+            <a:spLocks noGrp="1"/>
+          </p:cNvSpPr>
+          <p:nvPr>
+            <p:ph type="ftr" sz="quarter" idx="10"/>
+          </p:nvPr>
+        </p:nvSpPr>
+        <p:spPr/>
+        <p:txBody>
+          <a:bodyPr/>
+          <a:lstStyle>
+            <a:lvl1pPr>
+              <a:defRPr b="0" i="0">
+                <a:latin typeface="FreightMicro Pro Book" panose="02000603020000020004" pitchFamily="2" charset="0"/>
+              </a:defRPr>
+            </a:lvl1pPr>
+          </a:lstStyle>
+          <a:p>
+            <a:r>
+              <a:rPr lang="en-US"/>
+              <a:t>Michael Ball | UC Berkeley | https://c88c.org | © CC BY-NC-SA</a:t>
+            </a:r>
+          </a:p>
+        </p:txBody>
+      </p:sp>
+    </p:spTree>
+    <p:extLst>
+      <p:ext uri="{BB962C8B-B14F-4D97-AF65-F5344CB8AC3E}">
+        <p14:creationId xmlns:p14="http://schemas.microsoft.com/office/powerpoint/2010/main" val="2896692826"/>
+      </p:ext>
+    </p:extLst>
+  </p:cSld>
+  <p:clrMapOvr>
+    <a:masterClrMapping/>
+  </p:clrMapOvr>
+</p:sldLayout>
+</file>
+
+<file path=ppt/slideLayouts/slideLayout13.xml><?xml version="1.0" encoding="utf-8"?>
+<p:sldLayout xmlns:a="http://schemas.openxmlformats.org/drawingml/2006/main" xmlns:r="http://schemas.openxmlformats.org/officeDocument/2006/relationships" xmlns:p="http://schemas.openxmlformats.org/presentationml/2006/main" type="picTx" preserve="1">
+  <p:cSld name="Picture with Caption">
+    <p:spTree>
+      <p:nvGrpSpPr>
+        <p:cNvPr id="1" name=""/>
+        <p:cNvGrpSpPr/>
+        <p:nvPr/>
+      </p:nvGrpSpPr>
+      <p:grpSpPr>
+        <a:xfrm>
+          <a:off x="0" y="0"/>
+          <a:ext cx="0" cy="0"/>
+          <a:chOff x="0" y="0"/>
+          <a:chExt cx="0" cy="0"/>
+        </a:xfrm>
+      </p:grpSpPr>
+      <p:sp>
+        <p:nvSpPr>
+          <p:cNvPr id="2" name="Title 1"/>
+          <p:cNvSpPr>
+            <a:spLocks noGrp="1"/>
+          </p:cNvSpPr>
+          <p:nvPr>
+            <p:ph type="title"/>
+          </p:nvPr>
+        </p:nvSpPr>
+        <p:spPr>
+          <a:xfrm>
+            <a:off x="2389717" y="4800600"/>
+            <a:ext cx="7315200" cy="566739"/>
+          </a:xfrm>
+        </p:spPr>
+        <p:txBody>
+          <a:bodyPr anchor="b"/>
+          <a:lstStyle>
+            <a:lvl1pPr algn="l">
+              <a:defRPr sz="844" b="1"/>
+            </a:lvl1pPr>
+          </a:lstStyle>
+          <a:p>
+            <a:r>
+              <a:rPr lang="en-US"/>
+              <a:t>Click to edit Master title style</a:t>
+            </a:r>
+          </a:p>
+        </p:txBody>
+      </p:sp>
+      <p:sp>
+        <p:nvSpPr>
+          <p:cNvPr id="3" name="Picture Placeholder 2"/>
+          <p:cNvSpPr>
+            <a:spLocks noGrp="1"/>
+          </p:cNvSpPr>
+          <p:nvPr>
+            <p:ph type="pic" idx="1"/>
+          </p:nvPr>
+        </p:nvSpPr>
+        <p:spPr>
+          <a:xfrm>
+            <a:off x="1320800" y="1143007"/>
+            <a:ext cx="9855200" cy="3584575"/>
+          </a:xfrm>
+        </p:spPr>
+        <p:txBody>
+          <a:bodyPr/>
+          <a:lstStyle>
+            <a:lvl1pPr marL="0" indent="0">
+              <a:buNone/>
+              <a:defRPr sz="1351"/>
+            </a:lvl1pPr>
+            <a:lvl2pPr marL="192877" indent="0">
+              <a:buNone/>
+              <a:defRPr sz="1181"/>
+            </a:lvl2pPr>
+            <a:lvl3pPr marL="385753" indent="0">
+              <a:buNone/>
+              <a:defRPr sz="1013"/>
+            </a:lvl3pPr>
+            <a:lvl4pPr marL="578630" indent="0">
+              <a:buNone/>
+              <a:defRPr sz="844"/>
+            </a:lvl4pPr>
+            <a:lvl5pPr marL="771506" indent="0">
+              <a:buNone/>
+              <a:defRPr sz="844"/>
+            </a:lvl5pPr>
+            <a:lvl6pPr marL="964383" indent="0">
+              <a:buNone/>
+              <a:defRPr sz="844"/>
+            </a:lvl6pPr>
+            <a:lvl7pPr marL="1157259" indent="0">
+              <a:buNone/>
+              <a:defRPr sz="844"/>
+            </a:lvl7pPr>
+            <a:lvl8pPr marL="1350136" indent="0">
+              <a:buNone/>
+              <a:defRPr sz="844"/>
+            </a:lvl8pPr>
+            <a:lvl9pPr marL="1543012" indent="0">
+              <a:buNone/>
+              <a:defRPr sz="844"/>
+            </a:lvl9pPr>
+          </a:lstStyle>
+          <a:p>
+            <a:pPr lvl="0"/>
+            <a:r>
+              <a:rPr lang="en-US" noProof="0"/>
+              <a:t>Click icon to add picture</a:t>
+            </a:r>
+          </a:p>
+        </p:txBody>
+      </p:sp>
+      <p:sp>
+        <p:nvSpPr>
+          <p:cNvPr id="4" name="Text Placeholder 3"/>
+          <p:cNvSpPr>
+            <a:spLocks noGrp="1"/>
+          </p:cNvSpPr>
+          <p:nvPr>
+            <p:ph type="body" sz="half" idx="2"/>
+          </p:nvPr>
+        </p:nvSpPr>
+        <p:spPr>
+          <a:xfrm>
+            <a:off x="2389717" y="5367338"/>
+            <a:ext cx="7315200" cy="804863"/>
+          </a:xfrm>
+        </p:spPr>
+        <p:txBody>
+          <a:bodyPr/>
+          <a:lstStyle>
+            <a:lvl1pPr marL="0" indent="0">
+              <a:buNone/>
+              <a:defRPr sz="591"/>
+            </a:lvl1pPr>
+            <a:lvl2pPr marL="192877" indent="0">
+              <a:buNone/>
+              <a:defRPr sz="507"/>
+            </a:lvl2pPr>
+            <a:lvl3pPr marL="385753" indent="0">
+              <a:buNone/>
+              <a:defRPr sz="421"/>
+            </a:lvl3pPr>
+            <a:lvl4pPr marL="578630" indent="0">
+              <a:buNone/>
+              <a:defRPr sz="380"/>
+            </a:lvl4pPr>
+            <a:lvl5pPr marL="771506" indent="0">
+              <a:buNone/>
+              <a:defRPr sz="380"/>
+            </a:lvl5pPr>
+            <a:lvl6pPr marL="964383" indent="0">
+              <a:buNone/>
+              <a:defRPr sz="380"/>
+            </a:lvl6pPr>
+            <a:lvl7pPr marL="1157259" indent="0">
+              <a:buNone/>
+              <a:defRPr sz="380"/>
+            </a:lvl7pPr>
+            <a:lvl8pPr marL="1350136" indent="0">
+              <a:buNone/>
+              <a:defRPr sz="380"/>
+            </a:lvl8pPr>
+            <a:lvl9pPr marL="1543012" indent="0">
+              <a:buNone/>
+              <a:defRPr sz="380"/>
+            </a:lvl9pPr>
+          </a:lstStyle>
+          <a:p>
+            <a:pPr lvl="0"/>
+            <a:r>
+              <a:rPr lang="en-US"/>
+              <a:t>Click to edit Master text styles</a:t>
+            </a:r>
+          </a:p>
+        </p:txBody>
+      </p:sp>
+      <p:sp>
+        <p:nvSpPr>
+          <p:cNvPr id="6" name="Footer Placeholder 5">
+            <a:extLst>
+              <a:ext uri="{FF2B5EF4-FFF2-40B4-BE49-F238E27FC236}">
+                <a16:creationId xmlns:a16="http://schemas.microsoft.com/office/drawing/2014/main" id="{BFA8BDE8-F90A-0148-46CF-5751E5EEBD98}"/>
+              </a:ext>
+            </a:extLst>
+          </p:cNvPr>
+          <p:cNvSpPr>
+            <a:spLocks noGrp="1"/>
+          </p:cNvSpPr>
+          <p:nvPr>
+            <p:ph type="ftr" sz="quarter" idx="10"/>
+          </p:nvPr>
+        </p:nvSpPr>
+        <p:spPr/>
+        <p:txBody>
+          <a:bodyPr/>
+          <a:lstStyle>
+            <a:lvl1pPr>
+              <a:defRPr b="0" i="0">
+                <a:latin typeface="FreightMicro Pro Book" panose="02000603020000020004" pitchFamily="2" charset="0"/>
+              </a:defRPr>
+            </a:lvl1pPr>
+          </a:lstStyle>
+          <a:p>
+            <a:r>
+              <a:rPr lang="en-US"/>
+              <a:t>Michael Ball | UC Berkeley | https://c88c.org | © CC BY-NC-SA</a:t>
+            </a:r>
+          </a:p>
+        </p:txBody>
+      </p:sp>
+    </p:spTree>
+    <p:extLst>
+      <p:ext uri="{BB962C8B-B14F-4D97-AF65-F5344CB8AC3E}">
+        <p14:creationId xmlns:p14="http://schemas.microsoft.com/office/powerpoint/2010/main" val="1066195427"/>
+      </p:ext>
+    </p:extLst>
+  </p:cSld>
+  <p:clrMapOvr>
+    <a:masterClrMapping/>
+  </p:clrMapOvr>
+</p:sldLayout>
+</file>
+
+<file path=ppt/slideLayouts/slideLayout14.xml><?xml version="1.0" encoding="utf-8"?>
+<p:sldLayout xmlns:a="http://schemas.openxmlformats.org/drawingml/2006/main" xmlns:r="http://schemas.openxmlformats.org/officeDocument/2006/relationships" xmlns:p="http://schemas.openxmlformats.org/presentationml/2006/main" preserve="1" userDrawn="1">
+  <p:cSld name="1_Comparison">
+    <p:spTree>
+      <p:nvGrpSpPr>
+        <p:cNvPr id="1" name=""/>
+        <p:cNvGrpSpPr/>
+        <p:nvPr/>
+      </p:nvGrpSpPr>
+      <p:grpSpPr>
+        <a:xfrm>
+          <a:off x="0" y="0"/>
+          <a:ext cx="0" cy="0"/>
+          <a:chOff x="0" y="0"/>
+          <a:chExt cx="0" cy="0"/>
+        </a:xfrm>
+      </p:grpSpPr>
+      <p:sp>
+        <p:nvSpPr>
+          <p:cNvPr id="3" name="Text Placeholder 2"/>
+          <p:cNvSpPr>
+            <a:spLocks noGrp="1"/>
+          </p:cNvSpPr>
+          <p:nvPr>
+            <p:ph type="body" idx="1"/>
+          </p:nvPr>
+        </p:nvSpPr>
+        <p:spPr>
+          <a:xfrm>
+            <a:off x="533400" y="1143000"/>
+            <a:ext cx="5463117" cy="639763"/>
+          </a:xfrm>
+        </p:spPr>
+        <p:txBody>
+          <a:bodyPr anchor="b"/>
+          <a:lstStyle>
+            <a:lvl1pPr marL="0" indent="0">
+              <a:buNone/>
+              <a:defRPr sz="1013" b="0"/>
+            </a:lvl1pPr>
+            <a:lvl2pPr marL="192877" indent="0">
+              <a:buNone/>
+              <a:defRPr sz="844" b="1"/>
+            </a:lvl2pPr>
+            <a:lvl3pPr marL="385753" indent="0">
+              <a:buNone/>
+              <a:defRPr sz="760" b="1"/>
+            </a:lvl3pPr>
+            <a:lvl4pPr marL="578630" indent="0">
+              <a:buNone/>
+              <a:defRPr sz="675" b="1"/>
+            </a:lvl4pPr>
+            <a:lvl5pPr marL="771506" indent="0">
+              <a:buNone/>
+              <a:defRPr sz="675" b="1"/>
+            </a:lvl5pPr>
+            <a:lvl6pPr marL="964383" indent="0">
+              <a:buNone/>
+              <a:defRPr sz="675" b="1"/>
+            </a:lvl6pPr>
+            <a:lvl7pPr marL="1157259" indent="0">
+              <a:buNone/>
+              <a:defRPr sz="675" b="1"/>
+            </a:lvl7pPr>
+            <a:lvl8pPr marL="1350136" indent="0">
+              <a:buNone/>
+              <a:defRPr sz="675" b="1"/>
+            </a:lvl8pPr>
+            <a:lvl9pPr marL="1543012" indent="0">
+              <a:buNone/>
+              <a:defRPr sz="675" b="1"/>
+            </a:lvl9pPr>
+          </a:lstStyle>
+          <a:p>
+            <a:pPr lvl="0"/>
+            <a:r>
+              <a:rPr lang="en-US"/>
+              <a:t>Click to edit Master text styles</a:t>
+            </a:r>
+          </a:p>
+        </p:txBody>
+      </p:sp>
+      <p:sp>
+        <p:nvSpPr>
+          <p:cNvPr id="4" name="Content Placeholder 3"/>
+          <p:cNvSpPr>
+            <a:spLocks noGrp="1"/>
+          </p:cNvSpPr>
+          <p:nvPr>
+            <p:ph sz="half" idx="2"/>
+          </p:nvPr>
+        </p:nvSpPr>
+        <p:spPr>
+          <a:xfrm>
+            <a:off x="531284" y="1782762"/>
+            <a:ext cx="5463117" cy="4465639"/>
+          </a:xfrm>
+        </p:spPr>
+        <p:txBody>
+          <a:bodyPr/>
+          <a:lstStyle>
+            <a:lvl1pPr>
+              <a:defRPr sz="1013"/>
+            </a:lvl1pPr>
+            <a:lvl2pPr>
+              <a:defRPr sz="760"/>
+            </a:lvl2pPr>
+            <a:lvl3pPr>
+              <a:defRPr sz="760"/>
+            </a:lvl3pPr>
+            <a:lvl4pPr>
+              <a:defRPr sz="591"/>
+            </a:lvl4pPr>
+            <a:lvl5pPr>
+              <a:defRPr sz="591"/>
+            </a:lvl5pPr>
+            <a:lvl6pPr>
+              <a:defRPr sz="675"/>
+            </a:lvl6pPr>
+            <a:lvl7pPr>
+              <a:defRPr sz="675"/>
+            </a:lvl7pPr>
+            <a:lvl8pPr>
+              <a:defRPr sz="675"/>
+            </a:lvl8pPr>
+            <a:lvl9pPr>
+              <a:defRPr sz="675"/>
+            </a:lvl9pPr>
+          </a:lstStyle>
+          <a:p>
+            <a:pPr lvl="0"/>
+            <a:r>
+              <a:rPr lang="en-US"/>
+              <a:t>Click to edit Master text styles</a:t>
+            </a:r>
+          </a:p>
+          <a:p>
+            <a:pPr lvl="1"/>
+            <a:r>
+              <a:rPr lang="en-US"/>
+              <a:t>Second level</a:t>
+            </a:r>
+          </a:p>
+          <a:p>
+            <a:pPr lvl="2"/>
+            <a:r>
+              <a:rPr lang="en-US"/>
+              <a:t>Third level</a:t>
+            </a:r>
+          </a:p>
+          <a:p>
+            <a:pPr lvl="3"/>
+            <a:r>
+              <a:rPr lang="en-US"/>
+              <a:t>Fourth level</a:t>
+            </a:r>
+          </a:p>
+          <a:p>
+            <a:pPr lvl="4"/>
+            <a:r>
+              <a:rPr lang="en-US"/>
+              <a:t>Fifth level</a:t>
+            </a:r>
+            <a:endParaRPr lang="en-US" dirty="0"/>
+          </a:p>
+        </p:txBody>
+      </p:sp>
+      <p:sp>
+        <p:nvSpPr>
+          <p:cNvPr id="5" name="Text Placeholder 4"/>
+          <p:cNvSpPr>
+            <a:spLocks noGrp="1"/>
+          </p:cNvSpPr>
+          <p:nvPr>
+            <p:ph type="body" sz="quarter" idx="3"/>
+          </p:nvPr>
+        </p:nvSpPr>
+        <p:spPr>
+          <a:xfrm>
+            <a:off x="6193368" y="1143000"/>
+            <a:ext cx="5463117" cy="639763"/>
+          </a:xfrm>
+        </p:spPr>
+        <p:txBody>
+          <a:bodyPr anchor="b"/>
+          <a:lstStyle>
+            <a:lvl1pPr marL="0" indent="0">
+              <a:buNone/>
+              <a:defRPr sz="1013" b="0"/>
+            </a:lvl1pPr>
+            <a:lvl2pPr marL="192877" indent="0">
+              <a:buNone/>
+              <a:defRPr sz="844" b="1"/>
+            </a:lvl2pPr>
+            <a:lvl3pPr marL="385753" indent="0">
+              <a:buNone/>
+              <a:defRPr sz="760" b="1"/>
+            </a:lvl3pPr>
+            <a:lvl4pPr marL="578630" indent="0">
+              <a:buNone/>
+              <a:defRPr sz="675" b="1"/>
+            </a:lvl4pPr>
+            <a:lvl5pPr marL="771506" indent="0">
+              <a:buNone/>
+              <a:defRPr sz="675" b="1"/>
+            </a:lvl5pPr>
+            <a:lvl6pPr marL="964383" indent="0">
+              <a:buNone/>
+              <a:defRPr sz="675" b="1"/>
+            </a:lvl6pPr>
+            <a:lvl7pPr marL="1157259" indent="0">
+              <a:buNone/>
+              <a:defRPr sz="675" b="1"/>
+            </a:lvl7pPr>
+            <a:lvl8pPr marL="1350136" indent="0">
+              <a:buNone/>
+              <a:defRPr sz="675" b="1"/>
+            </a:lvl8pPr>
+            <a:lvl9pPr marL="1543012" indent="0">
+              <a:buNone/>
+              <a:defRPr sz="675" b="1"/>
+            </a:lvl9pPr>
+          </a:lstStyle>
+          <a:p>
+            <a:pPr lvl="0"/>
+            <a:r>
+              <a:rPr lang="en-US"/>
+              <a:t>Click to edit Master text styles</a:t>
+            </a:r>
+          </a:p>
+        </p:txBody>
+      </p:sp>
+      <p:sp>
+        <p:nvSpPr>
+          <p:cNvPr id="6" name="Content Placeholder 5"/>
+          <p:cNvSpPr>
+            <a:spLocks noGrp="1"/>
+          </p:cNvSpPr>
+          <p:nvPr>
+            <p:ph sz="quarter" idx="4"/>
+          </p:nvPr>
+        </p:nvSpPr>
+        <p:spPr>
+          <a:xfrm>
+            <a:off x="6193368" y="1782762"/>
+            <a:ext cx="5463117" cy="4465639"/>
+          </a:xfrm>
+        </p:spPr>
+        <p:txBody>
+          <a:bodyPr/>
+          <a:lstStyle>
+            <a:lvl1pPr>
+              <a:defRPr sz="1013"/>
+            </a:lvl1pPr>
+            <a:lvl2pPr>
+              <a:defRPr sz="760"/>
+            </a:lvl2pPr>
+            <a:lvl3pPr>
+              <a:defRPr sz="760"/>
+            </a:lvl3pPr>
+            <a:lvl4pPr>
+              <a:defRPr sz="591"/>
+            </a:lvl4pPr>
+            <a:lvl5pPr>
+              <a:defRPr sz="591"/>
+            </a:lvl5pPr>
+            <a:lvl6pPr>
+              <a:defRPr sz="675"/>
+            </a:lvl6pPr>
+            <a:lvl7pPr>
+              <a:defRPr sz="675"/>
+            </a:lvl7pPr>
+            <a:lvl8pPr>
+              <a:defRPr sz="675"/>
+            </a:lvl8pPr>
+            <a:lvl9pPr>
+              <a:defRPr sz="675"/>
+            </a:lvl9pPr>
+          </a:lstStyle>
+          <a:p>
+            <a:pPr lvl="0"/>
+            <a:r>
+              <a:rPr lang="en-US"/>
+              <a:t>Click to edit Master text styles</a:t>
+            </a:r>
+          </a:p>
+          <a:p>
+            <a:pPr lvl="1"/>
+            <a:r>
+              <a:rPr lang="en-US"/>
+              <a:t>Second level</a:t>
+            </a:r>
+          </a:p>
+          <a:p>
+            <a:pPr lvl="2"/>
+            <a:r>
+              <a:rPr lang="en-US"/>
+              <a:t>Third level</a:t>
+            </a:r>
+          </a:p>
+          <a:p>
+            <a:pPr lvl="3"/>
+            <a:r>
+              <a:rPr lang="en-US"/>
+              <a:t>Fourth level</a:t>
+            </a:r>
+          </a:p>
+          <a:p>
+            <a:pPr lvl="4"/>
+            <a:r>
+              <a:rPr lang="en-US"/>
+              <a:t>Fifth level</a:t>
+            </a:r>
+            <a:endParaRPr lang="en-US" dirty="0"/>
+          </a:p>
+        </p:txBody>
+      </p:sp>
+      <p:sp>
+        <p:nvSpPr>
+          <p:cNvPr id="11" name="Title 1">
+            <a:extLst>
+              <a:ext uri="{FF2B5EF4-FFF2-40B4-BE49-F238E27FC236}">
+                <a16:creationId xmlns:a16="http://schemas.microsoft.com/office/drawing/2014/main" id="{11473C0D-F6C2-9B49-8D89-9F3EF0BD469A}"/>
+              </a:ext>
+            </a:extLst>
+          </p:cNvPr>
+          <p:cNvSpPr>
+            <a:spLocks noGrp="1"/>
+          </p:cNvSpPr>
+          <p:nvPr>
+            <p:ph type="title"/>
+          </p:nvPr>
+        </p:nvSpPr>
+        <p:spPr>
+          <a:xfrm>
+            <a:off x="533400" y="228600"/>
+            <a:ext cx="10210800" cy="736600"/>
+          </a:xfrm>
+        </p:spPr>
+        <p:txBody>
+          <a:bodyPr/>
+          <a:lstStyle>
+            <a:lvl1pPr>
+              <a:defRPr sz="2800" baseline="0"/>
+            </a:lvl1pPr>
+          </a:lstStyle>
+          <a:p>
+            <a:r>
+              <a:rPr lang="en-US"/>
+              <a:t>Click to edit Master title style</a:t>
+            </a:r>
+            <a:endParaRPr lang="en-US" dirty="0"/>
+          </a:p>
+        </p:txBody>
+      </p:sp>
+      <p:sp>
+        <p:nvSpPr>
+          <p:cNvPr id="7" name="Footer Placeholder 6">
+            <a:extLst>
+              <a:ext uri="{FF2B5EF4-FFF2-40B4-BE49-F238E27FC236}">
+                <a16:creationId xmlns:a16="http://schemas.microsoft.com/office/drawing/2014/main" id="{B8EDAE3B-4F9B-E1D9-6A36-666A736E6FC0}"/>
+              </a:ext>
+            </a:extLst>
+          </p:cNvPr>
+          <p:cNvSpPr>
+            <a:spLocks noGrp="1"/>
+          </p:cNvSpPr>
+          <p:nvPr>
+            <p:ph type="ftr" sz="quarter" idx="10"/>
+          </p:nvPr>
+        </p:nvSpPr>
+        <p:spPr/>
+        <p:txBody>
+          <a:bodyPr/>
+          <a:lstStyle>
+            <a:lvl1pPr>
+              <a:defRPr b="0" i="0">
+                <a:latin typeface="FreightMicro Pro Book" panose="02000603020000020004" pitchFamily="2" charset="0"/>
+              </a:defRPr>
+            </a:lvl1pPr>
+          </a:lstStyle>
+          <a:p>
+            <a:r>
+              <a:rPr lang="en-US"/>
+              <a:t>Michael Ball | UC Berkeley | https://c88c.org | © CC BY-NC-SA</a:t>
+            </a:r>
+          </a:p>
+        </p:txBody>
+      </p:sp>
+    </p:spTree>
+    <p:extLst>
+      <p:ext uri="{BB962C8B-B14F-4D97-AF65-F5344CB8AC3E}">
+        <p14:creationId xmlns:p14="http://schemas.microsoft.com/office/powerpoint/2010/main" val="3283031989"/>
+      </p:ext>
+    </p:extLst>
+  </p:cSld>
+  <p:clrMapOvr>
+    <a:masterClrMapping/>
+  </p:clrMapOvr>
+</p:sldLayout>
+</file>
+
+<file path=ppt/slideLayouts/slideLayout15.xml><?xml version="1.0" encoding="utf-8"?>
+<p:sldLayout xmlns:a="http://schemas.openxmlformats.org/drawingml/2006/main" xmlns:r="http://schemas.openxmlformats.org/officeDocument/2006/relationships" xmlns:p="http://schemas.openxmlformats.org/presentationml/2006/main" type="tx" preserve="1">
+  <p:cSld name="1_Title Slide">
+    <p:spTree>
+      <p:nvGrpSpPr>
+        <p:cNvPr id="1" name=""/>
+        <p:cNvGrpSpPr/>
+        <p:nvPr/>
+      </p:nvGrpSpPr>
+      <p:grpSpPr>
+        <a:xfrm>
+          <a:off x="0" y="0"/>
+          <a:ext cx="0" cy="0"/>
+          <a:chOff x="0" y="0"/>
+          <a:chExt cx="0" cy="0"/>
+        </a:xfrm>
+      </p:grpSpPr>
+      <p:sp>
+        <p:nvSpPr>
+          <p:cNvPr id="50" name="PlaceHolder 1"/>
+          <p:cNvSpPr>
+            <a:spLocks noGrp="1"/>
+          </p:cNvSpPr>
+          <p:nvPr>
+            <p:ph type="title"/>
+          </p:nvPr>
+        </p:nvSpPr>
+        <p:spPr>
+          <a:xfrm>
+            <a:off x="914400" y="228600"/>
+            <a:ext cx="10260960" cy="736200"/>
+          </a:xfrm>
+          <a:prstGeom prst="rect">
+            <a:avLst/>
+          </a:prstGeom>
+        </p:spPr>
+        <p:txBody>
+          <a:bodyPr lIns="0" tIns="0" rIns="0" bIns="0" anchor="ctr"/>
+          <a:lstStyle>
+            <a:lvl1pPr>
+              <a:defRPr b="0" i="0">
+                <a:latin typeface="Open Sans Light" pitchFamily="2" charset="0"/>
+              </a:defRPr>
+            </a:lvl1pPr>
+          </a:lstStyle>
+          <a:p>
+            <a:r>
+              <a:rPr lang="en-US" sz="788" b="0" strike="noStrike" spc="-1" dirty="0">
+                <a:solidFill>
+                  <a:srgbClr val="000000"/>
+                </a:solidFill>
+                <a:uFill>
+                  <a:solidFill>
+                    <a:srgbClr val="FFFFFF"/>
+                  </a:solidFill>
+                </a:uFill>
+                <a:latin typeface="Arial"/>
+              </a:rPr>
+              <a:t>Click to edit Master title style</a:t>
+            </a:r>
+          </a:p>
+        </p:txBody>
+      </p:sp>
+      <p:sp>
+        <p:nvSpPr>
+          <p:cNvPr id="51" name="PlaceHolder 2"/>
+          <p:cNvSpPr>
+            <a:spLocks noGrp="1"/>
+          </p:cNvSpPr>
+          <p:nvPr>
+            <p:ph type="subTitle"/>
+          </p:nvPr>
+        </p:nvSpPr>
+        <p:spPr>
+          <a:xfrm>
+            <a:off x="914400" y="1066680"/>
+            <a:ext cx="10159680" cy="5257440"/>
+          </a:xfrm>
+          <a:prstGeom prst="rect">
+            <a:avLst/>
+          </a:prstGeom>
+        </p:spPr>
+        <p:txBody>
+          <a:bodyPr lIns="0" tIns="0" rIns="0" bIns="0" anchor="ctr"/>
+          <a:lstStyle>
+            <a:lvl1pPr>
+              <a:defRPr b="0" i="0">
+                <a:latin typeface="Open Sans Light" pitchFamily="2" charset="0"/>
+              </a:defRPr>
+            </a:lvl1pPr>
+          </a:lstStyle>
+          <a:p>
+            <a:pPr algn="ctr"/>
+            <a:r>
+              <a:rPr lang="en-US" sz="1800" b="0" strike="noStrike" spc="-1" dirty="0">
+                <a:solidFill>
+                  <a:srgbClr val="000000"/>
+                </a:solidFill>
+                <a:uFill>
+                  <a:solidFill>
+                    <a:srgbClr val="FFFFFF"/>
+                  </a:solidFill>
+                </a:uFill>
+                <a:latin typeface="Arial"/>
+              </a:rPr>
+              <a:t>Click to edit Master subtitle style</a:t>
+            </a:r>
+          </a:p>
+        </p:txBody>
+      </p:sp>
+      <p:sp>
+        <p:nvSpPr>
+          <p:cNvPr id="3" name="Footer Placeholder 2">
+            <a:extLst>
+              <a:ext uri="{FF2B5EF4-FFF2-40B4-BE49-F238E27FC236}">
+                <a16:creationId xmlns:a16="http://schemas.microsoft.com/office/drawing/2014/main" id="{87452491-A029-4B13-92F1-12DB3B77C8B1}"/>
+              </a:ext>
+            </a:extLst>
+          </p:cNvPr>
+          <p:cNvSpPr>
+            <a:spLocks noGrp="1"/>
+          </p:cNvSpPr>
+          <p:nvPr>
+            <p:ph type="ftr" sz="quarter" idx="10"/>
+          </p:nvPr>
+        </p:nvSpPr>
+        <p:spPr/>
+        <p:txBody>
+          <a:bodyPr/>
+          <a:lstStyle>
+            <a:lvl1pPr>
+              <a:defRPr b="0" i="0">
+                <a:latin typeface="FreightMicro Pro Book" panose="02000603020000020004" pitchFamily="2" charset="0"/>
+              </a:defRPr>
+            </a:lvl1pPr>
+          </a:lstStyle>
+          <a:p>
+            <a:r>
+              <a:rPr lang="en-US"/>
+              <a:t>Michael Ball | UC Berkeley | https://c88c.org | © CC BY-NC-SA</a:t>
+            </a:r>
+          </a:p>
+        </p:txBody>
+      </p:sp>
+    </p:spTree>
+    <p:extLst>
+      <p:ext uri="{BB962C8B-B14F-4D97-AF65-F5344CB8AC3E}">
+        <p14:creationId xmlns:p14="http://schemas.microsoft.com/office/powerpoint/2010/main" val="2236954396"/>
+      </p:ext>
+    </p:extLst>
+  </p:cSld>
+  <p:clrMapOvr>
+    <a:masterClrMapping/>
+  </p:clrMapOvr>
+</p:sldLayout>
+</file>
+
+<file path=ppt/slideLayouts/slideLayout16.xml><?xml version="1.0" encoding="utf-8"?>
+<p:sldLayout xmlns:a="http://schemas.openxmlformats.org/drawingml/2006/main" xmlns:r="http://schemas.openxmlformats.org/officeDocument/2006/relationships" xmlns:p="http://schemas.openxmlformats.org/presentationml/2006/main" preserve="1" userDrawn="1">
+  <p:cSld name="1_CITN">
+    <p:spTree>
+      <p:nvGrpSpPr>
+        <p:cNvPr id="1" name=""/>
+        <p:cNvGrpSpPr/>
+        <p:nvPr/>
+      </p:nvGrpSpPr>
+      <p:grpSpPr>
+        <a:xfrm>
+          <a:off x="0" y="0"/>
+          <a:ext cx="0" cy="0"/>
+          <a:chOff x="0" y="0"/>
+          <a:chExt cx="0" cy="0"/>
+        </a:xfrm>
+      </p:grpSpPr>
+      <p:sp>
+        <p:nvSpPr>
+          <p:cNvPr id="2" name="Title 1">
+            <a:extLst>
+              <a:ext uri="{FF2B5EF4-FFF2-40B4-BE49-F238E27FC236}">
+                <a16:creationId xmlns:a16="http://schemas.microsoft.com/office/drawing/2014/main" id="{CE0E1852-78FC-D3F3-C972-F219664A4F94}"/>
+              </a:ext>
+            </a:extLst>
+          </p:cNvPr>
+          <p:cNvSpPr>
+            <a:spLocks noGrp="1"/>
+          </p:cNvSpPr>
+          <p:nvPr>
+            <p:ph type="title" hasCustomPrompt="1"/>
+          </p:nvPr>
+        </p:nvSpPr>
+        <p:spPr/>
+        <p:txBody>
+          <a:bodyPr/>
+          <a:lstStyle/>
+          <a:p>
+            <a:r>
+              <a:rPr lang="en-US" dirty="0"/>
+              <a:t>CITN</a:t>
+            </a:r>
+          </a:p>
+        </p:txBody>
+      </p:sp>
+      <p:sp>
+        <p:nvSpPr>
+          <p:cNvPr id="5" name="Text Placeholder 4">
+            <a:extLst>
+              <a:ext uri="{FF2B5EF4-FFF2-40B4-BE49-F238E27FC236}">
+                <a16:creationId xmlns:a16="http://schemas.microsoft.com/office/drawing/2014/main" id="{997D5024-0F78-8518-088C-2091FD4977F0}"/>
+              </a:ext>
+            </a:extLst>
+          </p:cNvPr>
+          <p:cNvSpPr>
+            <a:spLocks noGrp="1"/>
+          </p:cNvSpPr>
+          <p:nvPr>
+            <p:ph type="body" sz="quarter" idx="11"/>
+          </p:nvPr>
+        </p:nvSpPr>
+        <p:spPr>
+          <a:xfrm>
+            <a:off x="381000" y="1066800"/>
+            <a:ext cx="7924800" cy="5257800"/>
+          </a:xfrm>
+        </p:spPr>
+        <p:txBody>
+          <a:bodyPr>
+            <a:normAutofit/>
+          </a:bodyPr>
+          <a:lstStyle>
+            <a:lvl1pPr marL="0" indent="0" algn="just">
+              <a:buNone/>
+              <a:defRPr sz="2000"/>
+            </a:lvl1pPr>
+            <a:lvl2pPr marL="192877" indent="0" algn="just">
+              <a:buNone/>
+              <a:defRPr/>
+            </a:lvl2pPr>
+            <a:lvl3pPr marL="385753" indent="0" algn="just">
+              <a:buNone/>
+              <a:defRPr/>
+            </a:lvl3pPr>
+            <a:lvl4pPr marL="578630" indent="0" algn="just">
+              <a:buNone/>
+              <a:defRPr/>
+            </a:lvl4pPr>
+            <a:lvl5pPr marL="771506" indent="0" algn="just">
+              <a:buNone/>
+              <a:defRPr/>
+            </a:lvl5pPr>
+          </a:lstStyle>
+          <a:p>
+            <a:pPr lvl="0"/>
+            <a:r>
+              <a:rPr lang="en-US"/>
+              <a:t>Click to edit Master text styles</a:t>
+            </a:r>
+          </a:p>
+          <a:p>
+            <a:pPr lvl="1"/>
+            <a:r>
+              <a:rPr lang="en-US"/>
+              <a:t>Second level</a:t>
+            </a:r>
+          </a:p>
+        </p:txBody>
+      </p:sp>
+      <p:sp>
+        <p:nvSpPr>
+          <p:cNvPr id="7" name="Picture Placeholder 6">
+            <a:extLst>
+              <a:ext uri="{FF2B5EF4-FFF2-40B4-BE49-F238E27FC236}">
+                <a16:creationId xmlns:a16="http://schemas.microsoft.com/office/drawing/2014/main" id="{908115F0-EE99-B62A-B436-CE068D384E25}"/>
+              </a:ext>
+            </a:extLst>
+          </p:cNvPr>
+          <p:cNvSpPr>
+            <a:spLocks noGrp="1"/>
+          </p:cNvSpPr>
+          <p:nvPr>
+            <p:ph type="pic" sz="quarter" idx="12"/>
+          </p:nvPr>
+        </p:nvSpPr>
+        <p:spPr>
+          <a:xfrm>
+            <a:off x="8458200" y="152400"/>
+            <a:ext cx="3276600" cy="2286000"/>
+          </a:xfrm>
+        </p:spPr>
+        <p:txBody>
+          <a:bodyPr/>
+          <a:lstStyle/>
+          <a:p>
+            <a:r>
+              <a:rPr lang="en-US"/>
+              <a:t>Click icon to add picture</a:t>
+            </a:r>
+          </a:p>
+        </p:txBody>
+      </p:sp>
+      <p:sp>
+        <p:nvSpPr>
+          <p:cNvPr id="6" name="Footer Placeholder 5">
+            <a:extLst>
+              <a:ext uri="{FF2B5EF4-FFF2-40B4-BE49-F238E27FC236}">
+                <a16:creationId xmlns:a16="http://schemas.microsoft.com/office/drawing/2014/main" id="{F3DAD039-3F0B-EE63-8523-7285720D1B2D}"/>
+              </a:ext>
+            </a:extLst>
+          </p:cNvPr>
+          <p:cNvSpPr>
+            <a:spLocks noGrp="1"/>
+          </p:cNvSpPr>
+          <p:nvPr>
+            <p:ph type="ftr" sz="quarter" idx="13"/>
+          </p:nvPr>
+        </p:nvSpPr>
+        <p:spPr/>
+        <p:txBody>
+          <a:bodyPr/>
+          <a:lstStyle>
+            <a:lvl1pPr>
+              <a:defRPr b="1" i="0">
+                <a:latin typeface="American Typewriter Condensed" panose="02090606020004020304" pitchFamily="18" charset="77"/>
+              </a:defRPr>
+            </a:lvl1pPr>
+          </a:lstStyle>
+          <a:p>
+            <a:r>
+              <a:rPr lang="en-US" dirty="0"/>
+              <a:t>Michael Ball | UC Berkeley | https://c88c.org | © CC BY-NC-SA</a:t>
+            </a:r>
+          </a:p>
+        </p:txBody>
+      </p:sp>
+    </p:spTree>
+    <p:extLst>
+      <p:ext uri="{BB962C8B-B14F-4D97-AF65-F5344CB8AC3E}">
+        <p14:creationId xmlns:p14="http://schemas.microsoft.com/office/powerpoint/2010/main" val="2706053744"/>
+      </p:ext>
+    </p:extLst>
+  </p:cSld>
+  <p:clrMapOvr>
+    <a:masterClrMapping/>
+  </p:clrMapOvr>
+</p:sldLayout>
+</file>
+
+<file path=ppt/slideLayouts/slideLayout17.xml><?xml version="1.0" encoding="utf-8"?>
+<p:sldLayout xmlns:a="http://schemas.openxmlformats.org/drawingml/2006/main" xmlns:r="http://schemas.openxmlformats.org/officeDocument/2006/relationships" xmlns:p="http://schemas.openxmlformats.org/presentationml/2006/main" preserve="1" userDrawn="1">
+  <p:cSld name="1_Code">
+    <p:spTree>
+      <p:nvGrpSpPr>
+        <p:cNvPr id="1" name=""/>
+        <p:cNvGrpSpPr/>
+        <p:nvPr/>
+      </p:nvGrpSpPr>
+      <p:grpSpPr>
+        <a:xfrm>
+          <a:off x="0" y="0"/>
+          <a:ext cx="0" cy="0"/>
+          <a:chOff x="0" y="0"/>
+          <a:chExt cx="0" cy="0"/>
+        </a:xfrm>
+      </p:grpSpPr>
+      <p:sp>
+        <p:nvSpPr>
+          <p:cNvPr id="2" name="Title 1">
+            <a:extLst>
+              <a:ext uri="{FF2B5EF4-FFF2-40B4-BE49-F238E27FC236}">
+                <a16:creationId xmlns:a16="http://schemas.microsoft.com/office/drawing/2014/main" id="{5639E935-D3CA-F2F6-7481-6CC2EA5CE39E}"/>
+              </a:ext>
+            </a:extLst>
+          </p:cNvPr>
+          <p:cNvSpPr>
+            <a:spLocks noGrp="1"/>
+          </p:cNvSpPr>
+          <p:nvPr>
+            <p:ph type="title"/>
+          </p:nvPr>
+        </p:nvSpPr>
+        <p:spPr/>
+        <p:txBody>
+          <a:bodyPr/>
+          <a:lstStyle/>
+          <a:p>
+            <a:r>
+              <a:rPr lang="en-US"/>
+              <a:t>Click to edit Master title style</a:t>
+            </a:r>
+          </a:p>
+        </p:txBody>
+      </p:sp>
+      <p:sp>
+        <p:nvSpPr>
+          <p:cNvPr id="4" name="Content Placeholder 2">
+            <a:extLst>
+              <a:ext uri="{FF2B5EF4-FFF2-40B4-BE49-F238E27FC236}">
+                <a16:creationId xmlns:a16="http://schemas.microsoft.com/office/drawing/2014/main" id="{3B82928C-C2C6-56F3-58DC-18D2AB8BF666}"/>
+              </a:ext>
+            </a:extLst>
+          </p:cNvPr>
+          <p:cNvSpPr>
+            <a:spLocks noGrp="1"/>
+          </p:cNvSpPr>
+          <p:nvPr>
+            <p:ph idx="1"/>
+          </p:nvPr>
+        </p:nvSpPr>
+        <p:spPr>
+          <a:xfrm>
+            <a:off x="533400" y="1066800"/>
+            <a:ext cx="8763000" cy="2514600"/>
+          </a:xfrm>
+        </p:spPr>
+        <p:txBody>
+          <a:bodyPr/>
+          <a:lstStyle>
+            <a:lvl1pPr>
+              <a:defRPr sz="2200" b="0" i="0" baseline="0">
+                <a:latin typeface="Open Sans Light" panose="020B0606030504020204" pitchFamily="34" charset="0"/>
+                <a:ea typeface="Open Sans Light" panose="020B0606030504020204" pitchFamily="34" charset="0"/>
+                <a:cs typeface="Open Sans Light" panose="020B0606030504020204" pitchFamily="34" charset="0"/>
+              </a:defRPr>
+            </a:lvl1pPr>
+            <a:lvl2pPr>
+              <a:defRPr sz="2200" b="0" i="0" baseline="0">
+                <a:latin typeface="Open Sans Light" panose="020B0606030504020204" pitchFamily="34" charset="0"/>
+                <a:ea typeface="Open Sans Light" panose="020B0606030504020204" pitchFamily="34" charset="0"/>
+                <a:cs typeface="Open Sans Light" panose="020B0606030504020204" pitchFamily="34" charset="0"/>
+              </a:defRPr>
+            </a:lvl2pPr>
+            <a:lvl3pPr>
+              <a:defRPr sz="2000" b="0" i="0" baseline="0">
+                <a:latin typeface="Open Sans Light" panose="020B0606030504020204" pitchFamily="34" charset="0"/>
+                <a:ea typeface="Open Sans Light" panose="020B0606030504020204" pitchFamily="34" charset="0"/>
+                <a:cs typeface="Open Sans Light" panose="020B0606030504020204" pitchFamily="34" charset="0"/>
+              </a:defRPr>
+            </a:lvl3pPr>
+            <a:lvl4pPr>
+              <a:defRPr sz="2000" b="0" i="0" baseline="0">
+                <a:latin typeface="Open Sans Light" panose="020B0606030504020204" pitchFamily="34" charset="0"/>
+                <a:ea typeface="Open Sans Light" panose="020B0606030504020204" pitchFamily="34" charset="0"/>
+                <a:cs typeface="Open Sans Light" panose="020B0606030504020204" pitchFamily="34" charset="0"/>
+              </a:defRPr>
+            </a:lvl4pPr>
+            <a:lvl5pPr>
+              <a:defRPr sz="1800" b="0" i="0" baseline="0">
+                <a:latin typeface="Open Sans Light" panose="020B0606030504020204" pitchFamily="34" charset="0"/>
+                <a:ea typeface="Open Sans Light" panose="020B0606030504020204" pitchFamily="34" charset="0"/>
+                <a:cs typeface="Open Sans Light" panose="020B0606030504020204" pitchFamily="34" charset="0"/>
+              </a:defRPr>
+            </a:lvl5pPr>
+          </a:lstStyle>
+          <a:p>
+            <a:pPr lvl="0"/>
+            <a:r>
+              <a:rPr lang="en-US"/>
+              <a:t>Click to edit Master text styles</a:t>
+            </a:r>
+          </a:p>
+          <a:p>
+            <a:pPr lvl="1"/>
+            <a:r>
+              <a:rPr lang="en-US"/>
+              <a:t>Second level</a:t>
+            </a:r>
+          </a:p>
+          <a:p>
+            <a:pPr lvl="2"/>
+            <a:r>
+              <a:rPr lang="en-US"/>
+              <a:t>Third level</a:t>
+            </a:r>
+          </a:p>
+          <a:p>
+            <a:pPr lvl="3"/>
+            <a:r>
+              <a:rPr lang="en-US"/>
+              <a:t>Fourth level</a:t>
+            </a:r>
+          </a:p>
+          <a:p>
+            <a:pPr lvl="4"/>
+            <a:r>
+              <a:rPr lang="en-US"/>
+              <a:t>Fifth level</a:t>
+            </a:r>
+            <a:endParaRPr lang="en-US" dirty="0"/>
+          </a:p>
+        </p:txBody>
+      </p:sp>
+      <p:sp>
+        <p:nvSpPr>
+          <p:cNvPr id="7" name="Text Placeholder 6">
+            <a:extLst>
+              <a:ext uri="{FF2B5EF4-FFF2-40B4-BE49-F238E27FC236}">
+                <a16:creationId xmlns:a16="http://schemas.microsoft.com/office/drawing/2014/main" id="{A0B3683A-E9D6-DD15-0B31-95D169D29D33}"/>
+              </a:ext>
+            </a:extLst>
+          </p:cNvPr>
+          <p:cNvSpPr>
+            <a:spLocks noGrp="1"/>
+          </p:cNvSpPr>
+          <p:nvPr>
+            <p:ph type="body" sz="quarter" idx="11" hasCustomPrompt="1"/>
+          </p:nvPr>
+        </p:nvSpPr>
+        <p:spPr>
+          <a:xfrm>
+            <a:off x="533400" y="3733800"/>
+            <a:ext cx="8763000" cy="2514600"/>
+          </a:xfrm>
+        </p:spPr>
+        <p:txBody>
+          <a:bodyPr/>
+          <a:lstStyle>
+            <a:lvl1pPr marL="0" indent="0">
+              <a:buNone/>
+              <a:defRPr/>
+            </a:lvl1pPr>
+          </a:lstStyle>
+          <a:p>
+            <a:r>
+              <a:rPr lang="en-US" b="0" i="0" dirty="0">
+                <a:latin typeface="Source Code Pro" panose="020B0509030403020204" pitchFamily="49" charset="0"/>
+                <a:ea typeface="Source Code Pro" panose="020B0509030403020204" pitchFamily="49" charset="0"/>
+              </a:rPr>
+              <a:t>Python Code:</a:t>
+            </a:r>
+          </a:p>
+          <a:p>
+            <a:r>
+              <a:rPr lang="en-US" b="0" i="0" dirty="0">
+                <a:latin typeface="Source Code Pro" panose="020B0509030403020204" pitchFamily="49" charset="0"/>
+                <a:ea typeface="Source Code Pro" panose="020B0509030403020204" pitchFamily="49" charset="0"/>
+              </a:rPr>
+              <a:t>&gt;&gt;&gt; </a:t>
+            </a:r>
+          </a:p>
+          <a:p>
+            <a:r>
+              <a:rPr lang="en-US" b="0" i="0" dirty="0">
+                <a:latin typeface="Source Code Pro" panose="020B0509030403020204" pitchFamily="49" charset="0"/>
+                <a:ea typeface="Source Code Pro" panose="020B0509030403020204" pitchFamily="49" charset="0"/>
+              </a:rPr>
+              <a:t>Terminal Commands:</a:t>
+            </a:r>
+            <a:br>
+              <a:rPr lang="en-US" b="0" i="0" dirty="0">
+                <a:latin typeface="Source Code Pro" panose="020B0509030403020204" pitchFamily="49" charset="0"/>
+                <a:ea typeface="Source Code Pro" panose="020B0509030403020204" pitchFamily="49" charset="0"/>
+              </a:rPr>
+            </a:br>
+            <a:r>
+              <a:rPr lang="en-US" b="0" i="0" dirty="0">
+                <a:latin typeface="Source Code Pro" panose="020B0509030403020204" pitchFamily="49" charset="0"/>
+                <a:ea typeface="Source Code Pro" panose="020B0509030403020204" pitchFamily="49" charset="0"/>
+              </a:rPr>
+              <a:t>$ …</a:t>
+            </a:r>
+          </a:p>
+          <a:p>
+            <a:pPr lvl="0"/>
+            <a:endParaRPr lang="en-US" dirty="0"/>
+          </a:p>
+        </p:txBody>
+      </p:sp>
+      <p:sp>
+        <p:nvSpPr>
+          <p:cNvPr id="6" name="Footer Placeholder 5">
+            <a:extLst>
+              <a:ext uri="{FF2B5EF4-FFF2-40B4-BE49-F238E27FC236}">
+                <a16:creationId xmlns:a16="http://schemas.microsoft.com/office/drawing/2014/main" id="{13D56C03-6D79-D18C-760B-B6B4E561C84D}"/>
+              </a:ext>
+            </a:extLst>
+          </p:cNvPr>
+          <p:cNvSpPr>
+            <a:spLocks noGrp="1"/>
+          </p:cNvSpPr>
+          <p:nvPr>
+            <p:ph type="ftr" sz="quarter" idx="12"/>
+          </p:nvPr>
+        </p:nvSpPr>
+        <p:spPr/>
+        <p:txBody>
+          <a:bodyPr/>
+          <a:lstStyle>
+            <a:lvl1pPr>
+              <a:defRPr b="1" i="0">
+                <a:latin typeface="American Typewriter Condensed" panose="02090606020004020304" pitchFamily="18" charset="77"/>
+              </a:defRPr>
+            </a:lvl1pPr>
+          </a:lstStyle>
+          <a:p>
+            <a:r>
+              <a:rPr lang="en-US" dirty="0"/>
+              <a:t>Michael Ball | UC Berkeley | https://c88c.org | © CC BY-NC-SA</a:t>
+            </a:r>
+          </a:p>
+        </p:txBody>
+      </p:sp>
+    </p:spTree>
+    <p:extLst>
+      <p:ext uri="{BB962C8B-B14F-4D97-AF65-F5344CB8AC3E}">
+        <p14:creationId xmlns:p14="http://schemas.microsoft.com/office/powerpoint/2010/main" val="4111879981"/>
+      </p:ext>
+    </p:extLst>
+  </p:cSld>
+  <p:clrMapOvr>
+    <a:masterClrMapping/>
+  </p:clrMapOvr>
+</p:sldLayout>
+</file>
+
+<file path=ppt/slideLayouts/slideLayout18.xml><?xml version="1.0" encoding="utf-8"?>
+<p:sldLayout xmlns:a="http://schemas.openxmlformats.org/drawingml/2006/main" xmlns:r="http://schemas.openxmlformats.org/officeDocument/2006/relationships" xmlns:p="http://schemas.openxmlformats.org/presentationml/2006/main" preserve="1" userDrawn="1">
+  <p:cSld name="2_Comparison">
+    <p:spTree>
+      <p:nvGrpSpPr>
+        <p:cNvPr id="1" name=""/>
+        <p:cNvGrpSpPr/>
+        <p:nvPr/>
+      </p:nvGrpSpPr>
+      <p:grpSpPr>
+        <a:xfrm>
+          <a:off x="0" y="0"/>
+          <a:ext cx="0" cy="0"/>
+          <a:chOff x="0" y="0"/>
+          <a:chExt cx="0" cy="0"/>
+        </a:xfrm>
+      </p:grpSpPr>
+      <p:sp>
+        <p:nvSpPr>
+          <p:cNvPr id="3" name="Text Placeholder 2"/>
+          <p:cNvSpPr>
+            <a:spLocks noGrp="1"/>
+          </p:cNvSpPr>
+          <p:nvPr>
+            <p:ph type="body" idx="1"/>
+          </p:nvPr>
+        </p:nvSpPr>
+        <p:spPr>
+          <a:xfrm>
+            <a:off x="533400" y="1143000"/>
+            <a:ext cx="5463117" cy="639763"/>
+          </a:xfrm>
+        </p:spPr>
+        <p:txBody>
+          <a:bodyPr anchor="b"/>
+          <a:lstStyle>
+            <a:lvl1pPr marL="0" indent="0">
+              <a:buNone/>
+              <a:defRPr sz="1013" b="0"/>
+            </a:lvl1pPr>
+            <a:lvl2pPr marL="192877" indent="0">
+              <a:buNone/>
+              <a:defRPr sz="844" b="1"/>
+            </a:lvl2pPr>
+            <a:lvl3pPr marL="385753" indent="0">
+              <a:buNone/>
+              <a:defRPr sz="760" b="1"/>
+            </a:lvl3pPr>
+            <a:lvl4pPr marL="578630" indent="0">
+              <a:buNone/>
+              <a:defRPr sz="675" b="1"/>
+            </a:lvl4pPr>
+            <a:lvl5pPr marL="771506" indent="0">
+              <a:buNone/>
+              <a:defRPr sz="675" b="1"/>
+            </a:lvl5pPr>
+            <a:lvl6pPr marL="964383" indent="0">
+              <a:buNone/>
+              <a:defRPr sz="675" b="1"/>
+            </a:lvl6pPr>
+            <a:lvl7pPr marL="1157259" indent="0">
+              <a:buNone/>
+              <a:defRPr sz="675" b="1"/>
+            </a:lvl7pPr>
+            <a:lvl8pPr marL="1350136" indent="0">
+              <a:buNone/>
+              <a:defRPr sz="675" b="1"/>
+            </a:lvl8pPr>
+            <a:lvl9pPr marL="1543012" indent="0">
+              <a:buNone/>
+              <a:defRPr sz="675" b="1"/>
+            </a:lvl9pPr>
+          </a:lstStyle>
+          <a:p>
+            <a:pPr lvl="0"/>
+            <a:r>
+              <a:rPr lang="en-US"/>
+              <a:t>Click to edit Master text styles</a:t>
+            </a:r>
+          </a:p>
+        </p:txBody>
+      </p:sp>
+      <p:sp>
+        <p:nvSpPr>
+          <p:cNvPr id="4" name="Content Placeholder 3"/>
+          <p:cNvSpPr>
+            <a:spLocks noGrp="1"/>
+          </p:cNvSpPr>
+          <p:nvPr>
+            <p:ph sz="half" idx="2"/>
+          </p:nvPr>
+        </p:nvSpPr>
+        <p:spPr>
+          <a:xfrm>
+            <a:off x="531284" y="1782762"/>
+            <a:ext cx="5463117" cy="4465639"/>
+          </a:xfrm>
+        </p:spPr>
+        <p:txBody>
+          <a:bodyPr/>
+          <a:lstStyle>
+            <a:lvl1pPr>
+              <a:defRPr sz="1013"/>
+            </a:lvl1pPr>
+            <a:lvl2pPr>
+              <a:defRPr sz="760"/>
+            </a:lvl2pPr>
+            <a:lvl3pPr>
+              <a:defRPr sz="760"/>
+            </a:lvl3pPr>
+            <a:lvl4pPr>
+              <a:defRPr sz="591"/>
+            </a:lvl4pPr>
+            <a:lvl5pPr>
+              <a:defRPr sz="591"/>
+            </a:lvl5pPr>
+            <a:lvl6pPr>
+              <a:defRPr sz="675"/>
+            </a:lvl6pPr>
+            <a:lvl7pPr>
+              <a:defRPr sz="675"/>
+            </a:lvl7pPr>
+            <a:lvl8pPr>
+              <a:defRPr sz="675"/>
+            </a:lvl8pPr>
+            <a:lvl9pPr>
+              <a:defRPr sz="675"/>
+            </a:lvl9pPr>
+          </a:lstStyle>
+          <a:p>
+            <a:pPr lvl="0"/>
+            <a:r>
+              <a:rPr lang="en-US"/>
+              <a:t>Click to edit Master text styles</a:t>
+            </a:r>
+          </a:p>
+          <a:p>
+            <a:pPr lvl="1"/>
+            <a:r>
+              <a:rPr lang="en-US"/>
+              <a:t>Second level</a:t>
+            </a:r>
+          </a:p>
+          <a:p>
+            <a:pPr lvl="2"/>
+            <a:r>
+              <a:rPr lang="en-US"/>
+              <a:t>Third level</a:t>
+            </a:r>
+          </a:p>
+          <a:p>
+            <a:pPr lvl="3"/>
+            <a:r>
+              <a:rPr lang="en-US"/>
+              <a:t>Fourth level</a:t>
+            </a:r>
+          </a:p>
+          <a:p>
+            <a:pPr lvl="4"/>
+            <a:r>
+              <a:rPr lang="en-US"/>
+              <a:t>Fifth level</a:t>
+            </a:r>
+            <a:endParaRPr lang="en-US" dirty="0"/>
+          </a:p>
+        </p:txBody>
+      </p:sp>
+      <p:sp>
+        <p:nvSpPr>
+          <p:cNvPr id="5" name="Text Placeholder 4"/>
+          <p:cNvSpPr>
+            <a:spLocks noGrp="1"/>
+          </p:cNvSpPr>
+          <p:nvPr>
+            <p:ph type="body" sz="quarter" idx="3"/>
+          </p:nvPr>
+        </p:nvSpPr>
+        <p:spPr>
+          <a:xfrm>
+            <a:off x="6193368" y="1143000"/>
+            <a:ext cx="5463117" cy="639763"/>
+          </a:xfrm>
+        </p:spPr>
+        <p:txBody>
+          <a:bodyPr anchor="b"/>
+          <a:lstStyle>
+            <a:lvl1pPr marL="0" indent="0">
+              <a:buNone/>
+              <a:defRPr sz="1013" b="0"/>
+            </a:lvl1pPr>
+            <a:lvl2pPr marL="192877" indent="0">
+              <a:buNone/>
+              <a:defRPr sz="844" b="1"/>
+            </a:lvl2pPr>
+            <a:lvl3pPr marL="385753" indent="0">
+              <a:buNone/>
+              <a:defRPr sz="760" b="1"/>
+            </a:lvl3pPr>
+            <a:lvl4pPr marL="578630" indent="0">
+              <a:buNone/>
+              <a:defRPr sz="675" b="1"/>
+            </a:lvl4pPr>
+            <a:lvl5pPr marL="771506" indent="0">
+              <a:buNone/>
+              <a:defRPr sz="675" b="1"/>
+            </a:lvl5pPr>
+            <a:lvl6pPr marL="964383" indent="0">
+              <a:buNone/>
+              <a:defRPr sz="675" b="1"/>
+            </a:lvl6pPr>
+            <a:lvl7pPr marL="1157259" indent="0">
+              <a:buNone/>
+              <a:defRPr sz="675" b="1"/>
+            </a:lvl7pPr>
+            <a:lvl8pPr marL="1350136" indent="0">
+              <a:buNone/>
+              <a:defRPr sz="675" b="1"/>
+            </a:lvl8pPr>
+            <a:lvl9pPr marL="1543012" indent="0">
+              <a:buNone/>
+              <a:defRPr sz="675" b="1"/>
+            </a:lvl9pPr>
+          </a:lstStyle>
+          <a:p>
+            <a:pPr lvl="0"/>
+            <a:r>
+              <a:rPr lang="en-US"/>
+              <a:t>Click to edit Master text styles</a:t>
+            </a:r>
+          </a:p>
+        </p:txBody>
+      </p:sp>
+      <p:sp>
+        <p:nvSpPr>
+          <p:cNvPr id="6" name="Content Placeholder 5"/>
+          <p:cNvSpPr>
+            <a:spLocks noGrp="1"/>
+          </p:cNvSpPr>
+          <p:nvPr>
+            <p:ph sz="quarter" idx="4"/>
+          </p:nvPr>
+        </p:nvSpPr>
+        <p:spPr>
+          <a:xfrm>
+            <a:off x="6193368" y="1782762"/>
+            <a:ext cx="5463117" cy="4465639"/>
+          </a:xfrm>
+        </p:spPr>
+        <p:txBody>
+          <a:bodyPr/>
+          <a:lstStyle>
+            <a:lvl1pPr>
+              <a:defRPr sz="1013"/>
+            </a:lvl1pPr>
+            <a:lvl2pPr>
+              <a:defRPr sz="760"/>
+            </a:lvl2pPr>
+            <a:lvl3pPr>
+              <a:defRPr sz="760"/>
+            </a:lvl3pPr>
+            <a:lvl4pPr>
+              <a:defRPr sz="591"/>
+            </a:lvl4pPr>
+            <a:lvl5pPr>
+              <a:defRPr sz="591"/>
+            </a:lvl5pPr>
+            <a:lvl6pPr>
+              <a:defRPr sz="675"/>
+            </a:lvl6pPr>
+            <a:lvl7pPr>
+              <a:defRPr sz="675"/>
+            </a:lvl7pPr>
+            <a:lvl8pPr>
+              <a:defRPr sz="675"/>
+            </a:lvl8pPr>
+            <a:lvl9pPr>
+              <a:defRPr sz="675"/>
+            </a:lvl9pPr>
+          </a:lstStyle>
+          <a:p>
+            <a:pPr lvl="0"/>
+            <a:r>
+              <a:rPr lang="en-US"/>
+              <a:t>Click to edit Master text styles</a:t>
+            </a:r>
+          </a:p>
+          <a:p>
+            <a:pPr lvl="1"/>
+            <a:r>
+              <a:rPr lang="en-US"/>
+              <a:t>Second level</a:t>
+            </a:r>
+          </a:p>
+          <a:p>
+            <a:pPr lvl="2"/>
+            <a:r>
+              <a:rPr lang="en-US"/>
+              <a:t>Third level</a:t>
+            </a:r>
+          </a:p>
+          <a:p>
+            <a:pPr lvl="3"/>
+            <a:r>
+              <a:rPr lang="en-US"/>
+              <a:t>Fourth level</a:t>
+            </a:r>
+          </a:p>
+          <a:p>
+            <a:pPr lvl="4"/>
+            <a:r>
+              <a:rPr lang="en-US"/>
+              <a:t>Fifth level</a:t>
+            </a:r>
+            <a:endParaRPr lang="en-US" dirty="0"/>
+          </a:p>
+        </p:txBody>
+      </p:sp>
+      <p:sp>
+        <p:nvSpPr>
+          <p:cNvPr id="11" name="Title 1">
+            <a:extLst>
+              <a:ext uri="{FF2B5EF4-FFF2-40B4-BE49-F238E27FC236}">
+                <a16:creationId xmlns:a16="http://schemas.microsoft.com/office/drawing/2014/main" id="{11473C0D-F6C2-9B49-8D89-9F3EF0BD469A}"/>
+              </a:ext>
+            </a:extLst>
+          </p:cNvPr>
+          <p:cNvSpPr>
+            <a:spLocks noGrp="1"/>
+          </p:cNvSpPr>
+          <p:nvPr>
+            <p:ph type="title"/>
+          </p:nvPr>
+        </p:nvSpPr>
+        <p:spPr>
+          <a:xfrm>
+            <a:off x="0" y="0"/>
+            <a:ext cx="12192000" cy="914400"/>
+          </a:xfrm>
+        </p:spPr>
+        <p:txBody>
+          <a:bodyPr/>
+          <a:lstStyle>
+            <a:lvl1pPr>
+              <a:defRPr sz="2800" baseline="0"/>
+            </a:lvl1pPr>
+          </a:lstStyle>
+          <a:p>
+            <a:r>
+              <a:rPr lang="en-US"/>
+              <a:t>Click to edit Master title style</a:t>
+            </a:r>
+            <a:endParaRPr lang="en-US" dirty="0"/>
+          </a:p>
+        </p:txBody>
+      </p:sp>
+      <p:sp>
+        <p:nvSpPr>
+          <p:cNvPr id="7" name="Footer Placeholder 6">
+            <a:extLst>
+              <a:ext uri="{FF2B5EF4-FFF2-40B4-BE49-F238E27FC236}">
+                <a16:creationId xmlns:a16="http://schemas.microsoft.com/office/drawing/2014/main" id="{0C6EE0E2-0155-74C7-B124-ACD06804185E}"/>
+              </a:ext>
+            </a:extLst>
+          </p:cNvPr>
+          <p:cNvSpPr>
+            <a:spLocks noGrp="1"/>
+          </p:cNvSpPr>
+          <p:nvPr>
+            <p:ph type="ftr" sz="quarter" idx="10"/>
+          </p:nvPr>
+        </p:nvSpPr>
+        <p:spPr/>
+        <p:txBody>
+          <a:bodyPr/>
+          <a:lstStyle>
+            <a:lvl1pPr>
+              <a:defRPr b="1" i="0">
+                <a:latin typeface="American Typewriter Condensed" panose="02090606020004020304" pitchFamily="18" charset="77"/>
+              </a:defRPr>
+            </a:lvl1pPr>
+          </a:lstStyle>
+          <a:p>
+            <a:r>
+              <a:rPr lang="en-US" dirty="0"/>
+              <a:t>Michael Ball | UC Berkeley | https://c88c.org | © CC BY-NC-SA</a:t>
+            </a:r>
+          </a:p>
+        </p:txBody>
+      </p:sp>
+    </p:spTree>
+    <p:extLst>
+      <p:ext uri="{BB962C8B-B14F-4D97-AF65-F5344CB8AC3E}">
+        <p14:creationId xmlns:p14="http://schemas.microsoft.com/office/powerpoint/2010/main" val="2854815945"/>
+      </p:ext>
+    </p:extLst>
+  </p:cSld>
+  <p:clrMapOvr>
+    <a:masterClrMapping/>
+  </p:clrMapOvr>
+</p:sldLayout>
+</file>
+
+<file path=ppt/slideLayouts/slideLayout19.xml><?xml version="1.0" encoding="utf-8"?>
+<p:sldLayout xmlns:a="http://schemas.openxmlformats.org/drawingml/2006/main" xmlns:r="http://schemas.openxmlformats.org/officeDocument/2006/relationships" xmlns:p="http://schemas.openxmlformats.org/presentationml/2006/main" preserve="1" userDrawn="1">
+  <p:cSld name="3_Comparison">
+    <p:spTree>
+      <p:nvGrpSpPr>
+        <p:cNvPr id="1" name=""/>
+        <p:cNvGrpSpPr/>
+        <p:nvPr/>
+      </p:nvGrpSpPr>
+      <p:grpSpPr>
+        <a:xfrm>
+          <a:off x="0" y="0"/>
+          <a:ext cx="0" cy="0"/>
+          <a:chOff x="0" y="0"/>
+          <a:chExt cx="0" cy="0"/>
+        </a:xfrm>
+      </p:grpSpPr>
+      <p:sp>
+        <p:nvSpPr>
+          <p:cNvPr id="3" name="Text Placeholder 2"/>
+          <p:cNvSpPr>
+            <a:spLocks noGrp="1"/>
+          </p:cNvSpPr>
+          <p:nvPr>
+            <p:ph type="body" idx="1"/>
+          </p:nvPr>
+        </p:nvSpPr>
+        <p:spPr>
+          <a:xfrm>
+            <a:off x="533400" y="1143000"/>
+            <a:ext cx="5463117" cy="639763"/>
+          </a:xfrm>
+        </p:spPr>
+        <p:txBody>
+          <a:bodyPr anchor="b"/>
+          <a:lstStyle>
+            <a:lvl1pPr marL="0" indent="0">
+              <a:buNone/>
+              <a:defRPr sz="1013" b="0"/>
+            </a:lvl1pPr>
+            <a:lvl2pPr marL="192877" indent="0">
+              <a:buNone/>
+              <a:defRPr sz="844" b="1"/>
+            </a:lvl2pPr>
+            <a:lvl3pPr marL="385753" indent="0">
+              <a:buNone/>
+              <a:defRPr sz="760" b="1"/>
+            </a:lvl3pPr>
+            <a:lvl4pPr marL="578630" indent="0">
+              <a:buNone/>
+              <a:defRPr sz="675" b="1"/>
+            </a:lvl4pPr>
+            <a:lvl5pPr marL="771506" indent="0">
+              <a:buNone/>
+              <a:defRPr sz="675" b="1"/>
+            </a:lvl5pPr>
+            <a:lvl6pPr marL="964383" indent="0">
+              <a:buNone/>
+              <a:defRPr sz="675" b="1"/>
+            </a:lvl6pPr>
+            <a:lvl7pPr marL="1157259" indent="0">
+              <a:buNone/>
+              <a:defRPr sz="675" b="1"/>
+            </a:lvl7pPr>
+            <a:lvl8pPr marL="1350136" indent="0">
+              <a:buNone/>
+              <a:defRPr sz="675" b="1"/>
+            </a:lvl8pPr>
+            <a:lvl9pPr marL="1543012" indent="0">
+              <a:buNone/>
+              <a:defRPr sz="675" b="1"/>
+            </a:lvl9pPr>
+          </a:lstStyle>
+          <a:p>
+            <a:pPr lvl="0"/>
+            <a:r>
+              <a:rPr lang="en-US"/>
+              <a:t>Click to edit Master text styles</a:t>
+            </a:r>
+          </a:p>
+        </p:txBody>
+      </p:sp>
+      <p:sp>
+        <p:nvSpPr>
+          <p:cNvPr id="4" name="Content Placeholder 3"/>
+          <p:cNvSpPr>
+            <a:spLocks noGrp="1"/>
+          </p:cNvSpPr>
+          <p:nvPr>
+            <p:ph sz="half" idx="2"/>
+          </p:nvPr>
+        </p:nvSpPr>
+        <p:spPr>
+          <a:xfrm>
+            <a:off x="531284" y="1782762"/>
+            <a:ext cx="5463117" cy="4465639"/>
+          </a:xfrm>
+        </p:spPr>
+        <p:txBody>
+          <a:bodyPr/>
+          <a:lstStyle>
+            <a:lvl1pPr>
+              <a:defRPr sz="1013"/>
+            </a:lvl1pPr>
+            <a:lvl2pPr>
+              <a:defRPr sz="760"/>
+            </a:lvl2pPr>
+            <a:lvl3pPr>
+              <a:defRPr sz="760"/>
+            </a:lvl3pPr>
+            <a:lvl4pPr>
+              <a:defRPr sz="591"/>
+            </a:lvl4pPr>
+            <a:lvl5pPr>
+              <a:defRPr sz="591"/>
+            </a:lvl5pPr>
+            <a:lvl6pPr>
+              <a:defRPr sz="675"/>
+            </a:lvl6pPr>
+            <a:lvl7pPr>
+              <a:defRPr sz="675"/>
+            </a:lvl7pPr>
+            <a:lvl8pPr>
+              <a:defRPr sz="675"/>
+            </a:lvl8pPr>
+            <a:lvl9pPr>
+              <a:defRPr sz="675"/>
+            </a:lvl9pPr>
+          </a:lstStyle>
+          <a:p>
+            <a:pPr lvl="0"/>
+            <a:r>
+              <a:rPr lang="en-US"/>
+              <a:t>Click to edit Master text styles</a:t>
+            </a:r>
+          </a:p>
+          <a:p>
+            <a:pPr lvl="1"/>
+            <a:r>
+              <a:rPr lang="en-US"/>
+              <a:t>Second level</a:t>
+            </a:r>
+          </a:p>
+          <a:p>
+            <a:pPr lvl="2"/>
+            <a:r>
+              <a:rPr lang="en-US"/>
+              <a:t>Third level</a:t>
+            </a:r>
+          </a:p>
+          <a:p>
+            <a:pPr lvl="3"/>
+            <a:r>
+              <a:rPr lang="en-US"/>
+              <a:t>Fourth level</a:t>
+            </a:r>
+          </a:p>
+          <a:p>
+            <a:pPr lvl="4"/>
+            <a:r>
+              <a:rPr lang="en-US"/>
+              <a:t>Fifth level</a:t>
+            </a:r>
+            <a:endParaRPr lang="en-US" dirty="0"/>
+          </a:p>
+        </p:txBody>
+      </p:sp>
+      <p:sp>
+        <p:nvSpPr>
+          <p:cNvPr id="5" name="Text Placeholder 4"/>
+          <p:cNvSpPr>
+            <a:spLocks noGrp="1"/>
+          </p:cNvSpPr>
+          <p:nvPr>
+            <p:ph type="body" sz="quarter" idx="3"/>
+          </p:nvPr>
+        </p:nvSpPr>
+        <p:spPr>
+          <a:xfrm>
+            <a:off x="6193368" y="1143000"/>
+            <a:ext cx="5463117" cy="639763"/>
+          </a:xfrm>
+        </p:spPr>
+        <p:txBody>
+          <a:bodyPr anchor="b"/>
+          <a:lstStyle>
+            <a:lvl1pPr marL="0" indent="0">
+              <a:buNone/>
+              <a:defRPr sz="1013" b="0"/>
+            </a:lvl1pPr>
+            <a:lvl2pPr marL="192877" indent="0">
+              <a:buNone/>
+              <a:defRPr sz="844" b="1"/>
+            </a:lvl2pPr>
+            <a:lvl3pPr marL="385753" indent="0">
+              <a:buNone/>
+              <a:defRPr sz="760" b="1"/>
+            </a:lvl3pPr>
+            <a:lvl4pPr marL="578630" indent="0">
+              <a:buNone/>
+              <a:defRPr sz="675" b="1"/>
+            </a:lvl4pPr>
+            <a:lvl5pPr marL="771506" indent="0">
+              <a:buNone/>
+              <a:defRPr sz="675" b="1"/>
+            </a:lvl5pPr>
+            <a:lvl6pPr marL="964383" indent="0">
+              <a:buNone/>
+              <a:defRPr sz="675" b="1"/>
+            </a:lvl6pPr>
+            <a:lvl7pPr marL="1157259" indent="0">
+              <a:buNone/>
+              <a:defRPr sz="675" b="1"/>
+            </a:lvl7pPr>
+            <a:lvl8pPr marL="1350136" indent="0">
+              <a:buNone/>
+              <a:defRPr sz="675" b="1"/>
+            </a:lvl8pPr>
+            <a:lvl9pPr marL="1543012" indent="0">
+              <a:buNone/>
+              <a:defRPr sz="675" b="1"/>
+            </a:lvl9pPr>
+          </a:lstStyle>
+          <a:p>
+            <a:pPr lvl="0"/>
+            <a:r>
+              <a:rPr lang="en-US"/>
+              <a:t>Click to edit Master text styles</a:t>
+            </a:r>
+          </a:p>
+        </p:txBody>
+      </p:sp>
+      <p:sp>
+        <p:nvSpPr>
+          <p:cNvPr id="6" name="Content Placeholder 5"/>
+          <p:cNvSpPr>
+            <a:spLocks noGrp="1"/>
+          </p:cNvSpPr>
+          <p:nvPr>
+            <p:ph sz="quarter" idx="4"/>
+          </p:nvPr>
+        </p:nvSpPr>
+        <p:spPr>
+          <a:xfrm>
+            <a:off x="6193368" y="1782762"/>
+            <a:ext cx="5463117" cy="4465639"/>
+          </a:xfrm>
+        </p:spPr>
+        <p:txBody>
+          <a:bodyPr/>
+          <a:lstStyle>
+            <a:lvl1pPr>
+              <a:defRPr sz="1013"/>
+            </a:lvl1pPr>
+            <a:lvl2pPr>
+              <a:defRPr sz="760"/>
+            </a:lvl2pPr>
+            <a:lvl3pPr>
+              <a:defRPr sz="760"/>
+            </a:lvl3pPr>
+            <a:lvl4pPr>
+              <a:defRPr sz="591"/>
+            </a:lvl4pPr>
+            <a:lvl5pPr>
+              <a:defRPr sz="591"/>
+            </a:lvl5pPr>
+            <a:lvl6pPr>
+              <a:defRPr sz="675"/>
+            </a:lvl6pPr>
+            <a:lvl7pPr>
+              <a:defRPr sz="675"/>
+            </a:lvl7pPr>
+            <a:lvl8pPr>
+              <a:defRPr sz="675"/>
+            </a:lvl8pPr>
+            <a:lvl9pPr>
+              <a:defRPr sz="675"/>
+            </a:lvl9pPr>
+          </a:lstStyle>
+          <a:p>
+            <a:pPr lvl="0"/>
+            <a:r>
+              <a:rPr lang="en-US"/>
+              <a:t>Click to edit Master text styles</a:t>
+            </a:r>
+          </a:p>
+          <a:p>
+            <a:pPr lvl="1"/>
+            <a:r>
+              <a:rPr lang="en-US"/>
+              <a:t>Second level</a:t>
+            </a:r>
+          </a:p>
+          <a:p>
+            <a:pPr lvl="2"/>
+            <a:r>
+              <a:rPr lang="en-US"/>
+              <a:t>Third level</a:t>
+            </a:r>
+          </a:p>
+          <a:p>
+            <a:pPr lvl="3"/>
+            <a:r>
+              <a:rPr lang="en-US"/>
+              <a:t>Fourth level</a:t>
+            </a:r>
+          </a:p>
+          <a:p>
+            <a:pPr lvl="4"/>
+            <a:r>
+              <a:rPr lang="en-US"/>
+              <a:t>Fifth level</a:t>
+            </a:r>
+            <a:endParaRPr lang="en-US" dirty="0"/>
+          </a:p>
+        </p:txBody>
+      </p:sp>
+      <p:sp>
+        <p:nvSpPr>
+          <p:cNvPr id="11" name="Title 1">
+            <a:extLst>
+              <a:ext uri="{FF2B5EF4-FFF2-40B4-BE49-F238E27FC236}">
+                <a16:creationId xmlns:a16="http://schemas.microsoft.com/office/drawing/2014/main" id="{11473C0D-F6C2-9B49-8D89-9F3EF0BD469A}"/>
+              </a:ext>
+            </a:extLst>
+          </p:cNvPr>
+          <p:cNvSpPr>
+            <a:spLocks noGrp="1"/>
+          </p:cNvSpPr>
+          <p:nvPr>
+            <p:ph type="title"/>
+          </p:nvPr>
+        </p:nvSpPr>
+        <p:spPr>
+          <a:xfrm>
+            <a:off x="533400" y="228600"/>
+            <a:ext cx="10210800" cy="736600"/>
+          </a:xfrm>
+        </p:spPr>
+        <p:txBody>
+          <a:bodyPr/>
+          <a:lstStyle>
+            <a:lvl1pPr>
+              <a:defRPr sz="2800" baseline="0"/>
+            </a:lvl1pPr>
+          </a:lstStyle>
+          <a:p>
+            <a:r>
+              <a:rPr lang="en-US"/>
+              <a:t>Click to edit Master title style</a:t>
+            </a:r>
+            <a:endParaRPr lang="en-US" dirty="0"/>
+          </a:p>
+        </p:txBody>
+      </p:sp>
+      <p:sp>
+        <p:nvSpPr>
+          <p:cNvPr id="7" name="Footer Placeholder 6">
+            <a:extLst>
+              <a:ext uri="{FF2B5EF4-FFF2-40B4-BE49-F238E27FC236}">
+                <a16:creationId xmlns:a16="http://schemas.microsoft.com/office/drawing/2014/main" id="{B8EDAE3B-4F9B-E1D9-6A36-666A736E6FC0}"/>
+              </a:ext>
+            </a:extLst>
+          </p:cNvPr>
+          <p:cNvSpPr>
+            <a:spLocks noGrp="1"/>
+          </p:cNvSpPr>
+          <p:nvPr>
+            <p:ph type="ftr" sz="quarter" idx="10"/>
+          </p:nvPr>
+        </p:nvSpPr>
+        <p:spPr/>
+        <p:txBody>
+          <a:bodyPr/>
+          <a:lstStyle>
+            <a:lvl1pPr>
+              <a:defRPr b="1" i="0">
+                <a:latin typeface="American Typewriter Condensed" panose="02090606020004020304" pitchFamily="18" charset="77"/>
+              </a:defRPr>
+            </a:lvl1pPr>
+          </a:lstStyle>
+          <a:p>
+            <a:r>
+              <a:rPr lang="en-US" dirty="0"/>
+              <a:t>Michael Ball | UC Berkeley | https://c88c.org | © CC BY-NC-SA</a:t>
+            </a:r>
+          </a:p>
+        </p:txBody>
+      </p:sp>
+    </p:spTree>
+    <p:extLst>
+      <p:ext uri="{BB962C8B-B14F-4D97-AF65-F5344CB8AC3E}">
+        <p14:creationId xmlns:p14="http://schemas.microsoft.com/office/powerpoint/2010/main" val="110521235"/>
+      </p:ext>
+    </p:extLst>
+  </p:cSld>
+  <p:clrMapOvr>
+    <a:masterClrMapping/>
+  </p:clrMapOvr>
+</p:sldLayout>
+</file>
+
+<file path=ppt/slideLayouts/slideLayout2.xml><?xml version="1.0" encoding="utf-8"?>
 <p:sldLayout xmlns:a="http://schemas.openxmlformats.org/drawingml/2006/main" xmlns:r="http://schemas.openxmlformats.org/officeDocument/2006/relationships" xmlns:p="http://schemas.openxmlformats.org/presentationml/2006/main" type="title" preserve="1">
-  <p:cSld name="3_Title Slide">
+  <p:cSld name="Title Slide">
     <p:bg>
       <p:bgPr>
         <a:solidFill>
@@ -2520,7 +5217,7 @@
         </p:nvSpPr>
         <p:spPr bwMode="auto">
           <a:xfrm>
-            <a:off x="495300" y="1219200"/>
+            <a:off x="457200" y="1219200"/>
             <a:ext cx="11201400" cy="0"/>
           </a:xfrm>
           <a:prstGeom prst="line">
@@ -2548,9 +5245,9 @@
           <a:lstStyle/>
           <a:p>
             <a:endParaRPr lang="en-US" sz="760" b="0" i="0">
-              <a:latin typeface="Open Sans" panose="020B0606030504020204" pitchFamily="34" charset="0"/>
-              <a:ea typeface="Open Sans" panose="020B0606030504020204" pitchFamily="34" charset="0"/>
-              <a:cs typeface="Open Sans" panose="020B0606030504020204" pitchFamily="34" charset="0"/>
+              <a:latin typeface="Open Sans Light" panose="020B0606030504020204" pitchFamily="34" charset="0"/>
+              <a:ea typeface="Open Sans Light" panose="020B0606030504020204" pitchFamily="34" charset="0"/>
+              <a:cs typeface="Open Sans Light" panose="020B0606030504020204" pitchFamily="34" charset="0"/>
             </a:endParaRPr>
           </a:p>
         </p:txBody>
@@ -2567,27 +5264,28 @@
         </p:nvSpPr>
         <p:spPr>
           <a:xfrm>
-            <a:off x="1866900" y="1685259"/>
+            <a:off x="1983828" y="2153805"/>
             <a:ext cx="8458200" cy="1470025"/>
           </a:xfrm>
           <a:noFill/>
         </p:spPr>
         <p:txBody>
-          <a:bodyPr>
+          <a:bodyPr lIns="457200" rIns="457200">
             <a:normAutofit/>
           </a:bodyPr>
           <a:lstStyle>
             <a:lvl1pPr algn="ctr">
-              <a:defRPr sz="4000" b="0" i="0" baseline="0">
-                <a:latin typeface="FreightMicro Pro Medium" panose="02000603020000020004" pitchFamily="2" charset="0"/>
+              <a:defRPr sz="3733" b="0" i="0" baseline="0">
+                <a:latin typeface="FreightMicro Pro Book" panose="02000603020000020004" pitchFamily="2" charset="0"/>
               </a:defRPr>
             </a:lvl1pPr>
           </a:lstStyle>
           <a:p>
             <a:r>
-              <a:rPr lang="en-US" dirty="0"/>
+              <a:rPr lang="en-US"/>
               <a:t>Click to edit Master title style</a:t>
             </a:r>
+            <a:endParaRPr lang="en-US" dirty="0"/>
           </a:p>
         </p:txBody>
       </p:sp>
@@ -2603,7 +5301,7 @@
         </p:nvSpPr>
         <p:spPr>
           <a:xfrm>
-            <a:off x="2324100" y="3652761"/>
+            <a:off x="2566131" y="3908993"/>
             <a:ext cx="7543800" cy="990600"/>
           </a:xfrm>
         </p:spPr>
@@ -2613,19 +5311,20 @@
             <a:lvl1pPr marL="0" indent="0" algn="ctr">
               <a:buFontTx/>
               <a:buNone/>
-              <a:defRPr b="0" i="0">
+              <a:defRPr sz="3200" b="0" i="0">
                 <a:solidFill>
                   <a:schemeClr val="bg1"/>
                 </a:solidFill>
-                <a:latin typeface="FreightMicro Pro Medium" panose="02000603020000020004" pitchFamily="2" charset="0"/>
+                <a:latin typeface="FreightMicro Pro Book" panose="02000603020000020004" pitchFamily="2" charset="0"/>
               </a:defRPr>
             </a:lvl1pPr>
           </a:lstStyle>
           <a:p>
             <a:r>
-              <a:rPr lang="en-US" dirty="0"/>
+              <a:rPr lang="en-US"/>
               <a:t>Click to edit Master subtitle style</a:t>
             </a:r>
+            <a:endParaRPr lang="en-US" dirty="0"/>
           </a:p>
         </p:txBody>
       </p:sp>
@@ -2645,8 +5344,8 @@
         </p:nvSpPr>
         <p:spPr bwMode="auto">
           <a:xfrm>
-            <a:off x="1369833" y="228600"/>
-            <a:ext cx="8879067" cy="762000"/>
+            <a:off x="426131" y="382588"/>
+            <a:ext cx="11232469" cy="762000"/>
           </a:xfrm>
           <a:prstGeom prst="rect">
             <a:avLst/>
@@ -2851,12 +5550,11 @@
           </a:lstStyle>
           <a:p>
             <a:r>
-              <a:rPr lang="en-US" sz="3600" b="0" i="0" kern="0" baseline="0" dirty="0">
+              <a:rPr lang="en-US" sz="4800" b="0" i="0" kern="0" baseline="0" dirty="0">
                 <a:solidFill>
                   <a:schemeClr val="accent1"/>
                 </a:solidFill>
-                <a:latin typeface="FreightMicro Pro Medium" panose="02000603020000020004" pitchFamily="2" charset="0"/>
-                <a:ea typeface="Source Code Pro" panose="020B0309030403020204" pitchFamily="34" charset="0"/>
+                <a:latin typeface="FreightMicro Pro Book" panose="02000603020000020004" pitchFamily="2" charset="0"/>
               </a:rPr>
               <a:t>Computational Structures in Data Science</a:t>
             </a:r>
@@ -2877,7 +5575,7 @@
         </p:nvSpPr>
         <p:spPr>
           <a:xfrm>
-            <a:off x="5108715" y="2584176"/>
+            <a:off x="5108717" y="2584177"/>
             <a:ext cx="184731" cy="213585"/>
           </a:xfrm>
           <a:prstGeom prst="rect">
@@ -2892,9 +5590,9 @@
           <a:lstStyle/>
           <a:p>
             <a:endParaRPr lang="en-US" sz="788" b="0" i="0">
-              <a:latin typeface="Open Sans" panose="020B0606030504020204" pitchFamily="34" charset="0"/>
-              <a:ea typeface="Open Sans" panose="020B0606030504020204" pitchFamily="34" charset="0"/>
-              <a:cs typeface="Open Sans" panose="020B0606030504020204" pitchFamily="34" charset="0"/>
+              <a:latin typeface="Open Sans Light" panose="020B0606030504020204" pitchFamily="34" charset="0"/>
+              <a:ea typeface="Open Sans Light" panose="020B0606030504020204" pitchFamily="34" charset="0"/>
+              <a:cs typeface="Open Sans Light" panose="020B0606030504020204" pitchFamily="34" charset="0"/>
             </a:endParaRPr>
           </a:p>
         </p:txBody>
@@ -2921,7 +5619,7 @@
         </p:blipFill>
         <p:spPr>
           <a:xfrm>
-            <a:off x="5092700" y="5140838"/>
+            <a:off x="5209628" y="5211824"/>
             <a:ext cx="2006600" cy="800100"/>
           </a:xfrm>
           <a:prstGeom prst="rect">
@@ -2958,8 +5656,8 @@
         </p:blipFill>
         <p:spPr bwMode="auto">
           <a:xfrm>
-            <a:off x="137160" y="6400800"/>
-            <a:ext cx="274320" cy="274320"/>
+            <a:off x="121920" y="6416040"/>
+            <a:ext cx="304800" cy="304800"/>
           </a:xfrm>
           <a:prstGeom prst="rect">
             <a:avLst/>
@@ -3005,8 +5703,8 @@
         </p:blipFill>
         <p:spPr bwMode="auto">
           <a:xfrm>
-            <a:off x="457200" y="6400800"/>
-            <a:ext cx="274320" cy="274320"/>
+            <a:off x="487680" y="6416040"/>
+            <a:ext cx="304800" cy="304800"/>
           </a:xfrm>
           <a:prstGeom prst="rect">
             <a:avLst/>
@@ -3052,8 +5750,8 @@
         </p:blipFill>
         <p:spPr bwMode="auto">
           <a:xfrm>
-            <a:off x="777240" y="6400800"/>
-            <a:ext cx="274320" cy="274320"/>
+            <a:off x="853440" y="6411277"/>
+            <a:ext cx="304800" cy="304800"/>
           </a:xfrm>
           <a:prstGeom prst="rect">
             <a:avLst/>
@@ -3070,55 +5768,12 @@
           </a:extLst>
         </p:spPr>
       </p:pic>
-      <p:sp>
-        <p:nvSpPr>
-          <p:cNvPr id="8" name="TextBox 7">
+      <p:pic>
+        <p:nvPicPr>
+          <p:cNvPr id="10" name="Picture 2">
             <a:extLst>
               <a:ext uri="{FF2B5EF4-FFF2-40B4-BE49-F238E27FC236}">
-                <a16:creationId xmlns:a16="http://schemas.microsoft.com/office/drawing/2014/main" id="{0506788B-27CD-F966-75A5-1BD69A7AE343}"/>
-              </a:ext>
-            </a:extLst>
-          </p:cNvPr>
-          <p:cNvSpPr txBox="1"/>
-          <p:nvPr userDrawn="1"/>
-        </p:nvSpPr>
-        <p:spPr>
-          <a:xfrm>
-            <a:off x="4042168" y="6438415"/>
-            <a:ext cx="4107663" cy="276999"/>
-          </a:xfrm>
-          <a:prstGeom prst="rect">
-            <a:avLst/>
-          </a:prstGeom>
-          <a:noFill/>
-        </p:spPr>
-        <p:txBody>
-          <a:bodyPr wrap="none" rtlCol="0">
-            <a:spAutoFit/>
-          </a:bodyPr>
-          <a:lstStyle/>
-          <a:p>
-            <a:pPr algn="ctr"/>
-            <a:r>
-              <a:rPr lang="en-US" sz="1200" b="0" i="0" dirty="0">
-                <a:solidFill>
-                  <a:schemeClr val="bg1"/>
-                </a:solidFill>
-                <a:latin typeface="FreightMicro Pro Medium" panose="02000603020000020004" pitchFamily="2" charset="0"/>
-                <a:ea typeface="Open Sans" panose="020B0606030504020204" pitchFamily="34" charset="0"/>
-                <a:cs typeface="Open Sans" panose="020B0606030504020204" pitchFamily="34" charset="0"/>
-              </a:rPr>
-              <a:t>Michael Ball | UC Berkeley | https://c88c.org | © CC BY-NC</a:t>
-            </a:r>
-          </a:p>
-        </p:txBody>
-      </p:sp>
-      <p:pic>
-        <p:nvPicPr>
-          <p:cNvPr id="12" name="Picture 2">
-            <a:extLst>
-              <a:ext uri="{FF2B5EF4-FFF2-40B4-BE49-F238E27FC236}">
-                <a16:creationId xmlns:a16="http://schemas.microsoft.com/office/drawing/2014/main" id="{9AEA3ED9-9814-3FE2-0E16-CD2EB84DDCA3}"/>
+                <a16:creationId xmlns:a16="http://schemas.microsoft.com/office/drawing/2014/main" id="{36AA5D1F-1908-7A27-D303-E300596211A5}"/>
               </a:ext>
               <a:ext uri="{C183D7F6-B498-43B3-948B-1728B52AA6E4}">
                 <adec:decorative xmlns:adec="http://schemas.microsoft.com/office/drawing/2017/decorative" val="1"/>
@@ -3132,7 +5787,24 @@
         </p:nvPicPr>
         <p:blipFill>
           <a:blip r:embed="rId6">
+            <a:alphaModFix/>
+            <a:lum bright="70000" contrast="-70000"/>
             <a:extLst>
+              <a:ext uri="{BEBA8EAE-BF5A-486C-A8C5-ECC9F3942E4B}">
+                <a14:imgProps xmlns:a14="http://schemas.microsoft.com/office/drawing/2010/main">
+                  <a14:imgLayer r:embed="rId7">
+                    <a14:imgEffect>
+                      <a14:colorTemperature colorTemp="4700"/>
+                    </a14:imgEffect>
+                    <a14:imgEffect>
+                      <a14:saturation sat="0"/>
+                    </a14:imgEffect>
+                    <a14:imgEffect>
+                      <a14:brightnessContrast bright="-20000"/>
+                    </a14:imgEffect>
+                  </a14:imgLayer>
+                </a14:imgProps>
+              </a:ext>
               <a:ext uri="{28A0092B-C50C-407E-A947-70E740481C1C}">
                 <a14:useLocalDpi xmlns:a14="http://schemas.microsoft.com/office/drawing/2010/main" val="0"/>
               </a:ext>
@@ -3145,8 +5817,8 @@
         </p:blipFill>
         <p:spPr bwMode="auto">
           <a:xfrm flipH="1">
-            <a:off x="1095513" y="6400800"/>
-            <a:ext cx="274320" cy="274320"/>
+            <a:off x="1219200" y="6408596"/>
+            <a:ext cx="304800" cy="304800"/>
           </a:xfrm>
           <a:prstGeom prst="rect">
             <a:avLst/>
@@ -3166,10 +5838,46 @@
           </a:extLst>
         </p:spPr>
       </p:pic>
+      <p:sp>
+        <p:nvSpPr>
+          <p:cNvPr id="11" name="Footer Placeholder 10">
+            <a:extLst>
+              <a:ext uri="{FF2B5EF4-FFF2-40B4-BE49-F238E27FC236}">
+                <a16:creationId xmlns:a16="http://schemas.microsoft.com/office/drawing/2014/main" id="{727CECC5-A838-52DB-E938-F5E8244AB8AF}"/>
+              </a:ext>
+            </a:extLst>
+          </p:cNvPr>
+          <p:cNvSpPr>
+            <a:spLocks noGrp="1"/>
+          </p:cNvSpPr>
+          <p:nvPr>
+            <p:ph type="ftr" sz="quarter" idx="10"/>
+          </p:nvPr>
+        </p:nvSpPr>
+        <p:spPr/>
+        <p:txBody>
+          <a:bodyPr/>
+          <a:lstStyle>
+            <a:lvl1pPr>
+              <a:defRPr>
+                <a:solidFill>
+                  <a:schemeClr val="bg1"/>
+                </a:solidFill>
+              </a:defRPr>
+            </a:lvl1pPr>
+          </a:lstStyle>
+          <a:p>
+            <a:r>
+              <a:rPr lang="en-US" dirty="0"/>
+              <a:t>Michael Ball | UC Berkeley | https://c88c.org | © CC BY-NC-SA</a:t>
+            </a:r>
+          </a:p>
+        </p:txBody>
+      </p:sp>
     </p:spTree>
     <p:extLst>
       <p:ext uri="{BB962C8B-B14F-4D97-AF65-F5344CB8AC3E}">
-        <p14:creationId xmlns:p14="http://schemas.microsoft.com/office/powerpoint/2010/main" val="2357002620"/>
+        <p14:creationId xmlns:p14="http://schemas.microsoft.com/office/powerpoint/2010/main" val="2123833009"/>
       </p:ext>
     </p:extLst>
   </p:cSld>
@@ -3179,9 +5887,9 @@
 </p:sldLayout>
 </file>
 
-<file path=ppt/slideLayouts/slideLayout10.xml><?xml version="1.0" encoding="utf-8"?>
-<p:sldLayout xmlns:a="http://schemas.openxmlformats.org/drawingml/2006/main" xmlns:r="http://schemas.openxmlformats.org/officeDocument/2006/relationships" xmlns:p="http://schemas.openxmlformats.org/presentationml/2006/main" type="vertTitleAndTx" preserve="1">
-  <p:cSld name="Vertical Title and Text">
+<file path=ppt/slideLayouts/slideLayout20.xml><?xml version="1.0" encoding="utf-8"?>
+<p:sldLayout xmlns:a="http://schemas.openxmlformats.org/drawingml/2006/main" xmlns:r="http://schemas.openxmlformats.org/officeDocument/2006/relationships" xmlns:p="http://schemas.openxmlformats.org/presentationml/2006/main" showMasterSp="0" preserve="1" userDrawn="1">
+  <p:cSld name="2_Title Slide">
     <p:spTree>
       <p:nvGrpSpPr>
         <p:cNvPr id="1" name=""/>
@@ -3198,93 +5906,399 @@
       </p:grpSpPr>
       <p:sp>
         <p:nvSpPr>
-          <p:cNvPr id="2" name="Vertical Title 1"/>
-          <p:cNvSpPr>
-            <a:spLocks noGrp="1"/>
+          <p:cNvPr id="4" name="Line 7"/>
+          <p:cNvSpPr>
+            <a:spLocks noChangeShapeType="1"/>
+          </p:cNvSpPr>
+          <p:nvPr/>
+        </p:nvSpPr>
+        <p:spPr bwMode="auto">
+          <a:xfrm>
+            <a:off x="457200" y="1219200"/>
+            <a:ext cx="11201400" cy="0"/>
+          </a:xfrm>
+          <a:prstGeom prst="line">
+            <a:avLst/>
+          </a:prstGeom>
+          <a:noFill/>
+          <a:ln w="47625" cap="rnd" cmpd="sng">
+            <a:solidFill>
+              <a:srgbClr val="FBBA03"/>
+            </a:solidFill>
+            <a:round/>
+            <a:headEnd type="none" w="sm" len="sm"/>
+            <a:tailEnd type="none" w="sm" len="sm"/>
+          </a:ln>
+          <a:extLst>
+            <a:ext uri="{909E8E84-426E-40dd-AFC4-6F175D3DCCD1}">
+              <a14:hiddenFill xmlns="" xmlns:a14="http://schemas.microsoft.com/office/drawing/2010/main">
+                <a:noFill/>
+              </a14:hiddenFill>
+            </a:ext>
+          </a:extLst>
+        </p:spPr>
+        <p:txBody>
+          <a:bodyPr wrap="none" anchor="ctr"/>
+          <a:lstStyle/>
+          <a:p>
+            <a:endParaRPr lang="en-US" sz="760" b="0" i="0" dirty="0">
+              <a:latin typeface="Open Sans Light" panose="020B0606030504020204" pitchFamily="34" charset="0"/>
+              <a:ea typeface="Open Sans Light" panose="020B0606030504020204" pitchFamily="34" charset="0"/>
+              <a:cs typeface="Open Sans Light" panose="020B0606030504020204" pitchFamily="34" charset="0"/>
+            </a:endParaRPr>
+          </a:p>
+        </p:txBody>
+      </p:sp>
+      <p:pic>
+        <p:nvPicPr>
+          <p:cNvPr id="5" name="Picture 8"/>
+          <p:cNvPicPr>
+            <a:picLocks noChangeAspect="1" noChangeArrowheads="1"/>
+          </p:cNvPicPr>
+          <p:nvPr userDrawn="1"/>
+        </p:nvPicPr>
+        <p:blipFill>
+          <a:blip r:embed="rId2"/>
+          <a:srcRect/>
+          <a:stretch/>
+        </p:blipFill>
+        <p:spPr bwMode="auto">
+          <a:xfrm>
+            <a:off x="10769603" y="228600"/>
+            <a:ext cx="833439" cy="833438"/>
+          </a:xfrm>
+          <a:prstGeom prst="rect">
+            <a:avLst/>
+          </a:prstGeom>
+          <a:noFill/>
+          <a:ln>
+            <a:noFill/>
+          </a:ln>
+          <a:extLst>
+            <a:ext uri="{909E8E84-426E-40dd-AFC4-6F175D3DCCD1}">
+              <a14:hiddenFill xmlns="" xmlns:a14="http://schemas.microsoft.com/office/drawing/2010/main">
+                <a:solidFill>
+                  <a:srgbClr val="FFFFFF"/>
+                </a:solidFill>
+              </a14:hiddenFill>
+            </a:ext>
+            <a:ext uri="{91240B29-F687-4f45-9708-019B960494DF}">
+              <a14:hiddenLine xmlns="" xmlns:a14="http://schemas.microsoft.com/office/drawing/2010/main" w="9525">
+                <a:solidFill>
+                  <a:srgbClr val="000000"/>
+                </a:solidFill>
+                <a:miter lim="800000"/>
+                <a:headEnd/>
+                <a:tailEnd/>
+              </a14:hiddenLine>
+            </a:ext>
+          </a:extLst>
+        </p:spPr>
+      </p:pic>
+      <p:sp>
+        <p:nvSpPr>
+          <p:cNvPr id="455685" name="Rectangle 5"/>
+          <p:cNvSpPr>
+            <a:spLocks noGrp="1" noChangeArrowheads="1"/>
           </p:cNvSpPr>
           <p:nvPr>
-            <p:ph type="title" orient="vert"/>
+            <p:ph type="ctrTitle"/>
           </p:nvPr>
         </p:nvSpPr>
         <p:spPr>
           <a:xfrm>
-            <a:off x="8610600" y="228600"/>
-            <a:ext cx="2565400" cy="6096000"/>
+            <a:off x="2819400" y="2130432"/>
+            <a:ext cx="8458200" cy="1470025"/>
           </a:xfrm>
         </p:spPr>
         <p:txBody>
-          <a:bodyPr vert="eaVert"/>
-          <a:lstStyle/>
-          <a:p>
-            <a:r>
-              <a:rPr lang="en-US" dirty="0"/>
+          <a:bodyPr/>
+          <a:lstStyle>
+            <a:lvl1pPr algn="ctr">
+              <a:defRPr sz="3200" b="0" i="0" baseline="0">
+                <a:latin typeface="FreightMicro Pro Book"/>
+              </a:defRPr>
+            </a:lvl1pPr>
+          </a:lstStyle>
+          <a:p>
+            <a:r>
+              <a:rPr lang="en-US"/>
               <a:t>Click to edit Master title style</a:t>
             </a:r>
-          </a:p>
-        </p:txBody>
-      </p:sp>
-      <p:sp>
-        <p:nvSpPr>
-          <p:cNvPr id="3" name="Vertical Text Placeholder 2"/>
-          <p:cNvSpPr>
-            <a:spLocks noGrp="1"/>
+            <a:endParaRPr lang="en-US" dirty="0"/>
+          </a:p>
+        </p:txBody>
+      </p:sp>
+      <p:sp>
+        <p:nvSpPr>
+          <p:cNvPr id="455686" name="Rectangle 6"/>
+          <p:cNvSpPr>
+            <a:spLocks noGrp="1" noChangeArrowheads="1"/>
           </p:cNvSpPr>
           <p:nvPr>
-            <p:ph type="body" orient="vert" idx="1"/>
+            <p:ph type="subTitle" idx="1"/>
           </p:nvPr>
         </p:nvSpPr>
         <p:spPr>
           <a:xfrm>
-            <a:off x="914400" y="228600"/>
-            <a:ext cx="7493000" cy="6096000"/>
+            <a:off x="3276600" y="3886200"/>
+            <a:ext cx="7543800" cy="990600"/>
           </a:xfrm>
         </p:spPr>
         <p:txBody>
-          <a:bodyPr vert="eaVert"/>
-          <a:lstStyle/>
-          <a:p>
-            <a:pPr lvl="0"/>
-            <a:r>
-              <a:rPr lang="en-US" dirty="0"/>
-              <a:t>Click to edit Master text styles</a:t>
-            </a:r>
-          </a:p>
-          <a:p>
-            <a:pPr lvl="1"/>
-            <a:r>
-              <a:rPr lang="en-US" dirty="0"/>
-              <a:t>Second level</a:t>
-            </a:r>
-          </a:p>
-          <a:p>
-            <a:pPr lvl="2"/>
-            <a:r>
-              <a:rPr lang="en-US" dirty="0"/>
-              <a:t>Third level</a:t>
-            </a:r>
-          </a:p>
-          <a:p>
-            <a:pPr lvl="3"/>
-            <a:r>
-              <a:rPr lang="en-US" dirty="0"/>
-              <a:t>Fourth level</a:t>
-            </a:r>
-          </a:p>
-          <a:p>
-            <a:pPr lvl="4"/>
-            <a:r>
-              <a:rPr lang="en-US" dirty="0"/>
-              <a:t>Fifth level</a:t>
-            </a:r>
-          </a:p>
-        </p:txBody>
-      </p:sp>
-      <p:sp>
-        <p:nvSpPr>
-          <p:cNvPr id="4" name="TextBox 3">
+          <a:bodyPr/>
+          <a:lstStyle>
+            <a:lvl1pPr marL="0" indent="0" algn="ctr">
+              <a:buFontTx/>
+              <a:buNone/>
+              <a:defRPr/>
+            </a:lvl1pPr>
+          </a:lstStyle>
+          <a:p>
+            <a:r>
+              <a:rPr lang="en-US"/>
+              <a:t>Click to edit Master subtitle style</a:t>
+            </a:r>
+            <a:endParaRPr lang="en-US" dirty="0"/>
+          </a:p>
+        </p:txBody>
+      </p:sp>
+      <p:sp>
+        <p:nvSpPr>
+          <p:cNvPr id="9" name="Rectangle 5">
             <a:extLst>
               <a:ext uri="{FF2B5EF4-FFF2-40B4-BE49-F238E27FC236}">
-                <a16:creationId xmlns:a16="http://schemas.microsoft.com/office/drawing/2014/main" id="{A61EBFCD-8C39-2FFD-D254-461F6155FA51}"/>
+                <a16:creationId xmlns:a16="http://schemas.microsoft.com/office/drawing/2014/main" id="{D689537F-BECA-854A-A037-BD779A5CA593}"/>
+              </a:ext>
+            </a:extLst>
+          </p:cNvPr>
+          <p:cNvSpPr txBox="1">
+            <a:spLocks noChangeArrowheads="1"/>
+          </p:cNvSpPr>
+          <p:nvPr userDrawn="1"/>
+        </p:nvSpPr>
+        <p:spPr bwMode="auto">
+          <a:xfrm>
+            <a:off x="2179195" y="382588"/>
+            <a:ext cx="8305800" cy="762000"/>
+          </a:xfrm>
+          <a:prstGeom prst="rect">
+            <a:avLst/>
+          </a:prstGeom>
+          <a:noFill/>
+          <a:ln>
+            <a:noFill/>
+          </a:ln>
+          <a:extLst>
+            <a:ext uri="{909E8E84-426E-40dd-AFC4-6F175D3DCCD1}">
+              <a14:hiddenFill xmlns="" xmlns:a14="http://schemas.microsoft.com/office/drawing/2010/main">
+                <a:solidFill>
+                  <a:srgbClr val="FFFFFF"/>
+                </a:solidFill>
+              </a14:hiddenFill>
+            </a:ext>
+            <a:ext uri="{91240B29-F687-4f45-9708-019B960494DF}">
+              <a14:hiddenLine xmlns="" xmlns:a14="http://schemas.microsoft.com/office/drawing/2010/main" w="9525">
+                <a:solidFill>
+                  <a:srgbClr val="000000"/>
+                </a:solidFill>
+                <a:miter lim="800000"/>
+                <a:headEnd/>
+                <a:tailEnd/>
+              </a14:hiddenLine>
+            </a:ext>
+            <a:ext uri="{FAA26D3D-D897-4be2-8F04-BA451C77F1D7}">
+              <ma14:placeholderFlag xmlns="" xmlns:ma14="http://schemas.microsoft.com/office/mac/drawingml/2011/main" val="1"/>
+            </a:ext>
+          </a:extLst>
+        </p:spPr>
+        <p:txBody>
+          <a:bodyPr vert="horz" wrap="square" lIns="38844" tIns="19423" rIns="38844" bIns="19423" numCol="1" anchor="ctr" anchorCtr="0" compatLnSpc="1">
+            <a:prstTxWarp prst="textNoShape">
+              <a:avLst/>
+            </a:prstTxWarp>
+          </a:bodyPr>
+          <a:lstStyle>
+            <a:lvl1pPr algn="ctr" rtl="0" eaLnBrk="1" fontAlgn="base" hangingPunct="1">
+              <a:lnSpc>
+                <a:spcPct val="90000"/>
+              </a:lnSpc>
+              <a:spcBef>
+                <a:spcPct val="0"/>
+              </a:spcBef>
+              <a:spcAft>
+                <a:spcPct val="0"/>
+              </a:spcAft>
+              <a:defRPr sz="3600" b="1" i="0">
+                <a:solidFill>
+                  <a:srgbClr val="0332B7"/>
+                </a:solidFill>
+                <a:latin typeface="FreightText Pro Book" panose="02000603060000020004" pitchFamily="2" charset="0"/>
+                <a:ea typeface="ＭＳ Ｐゴシック" charset="-128"/>
+                <a:cs typeface="FreightText Pro Book" panose="02000603060000020004" pitchFamily="2" charset="0"/>
+              </a:defRPr>
+            </a:lvl1pPr>
+            <a:lvl2pPr algn="l" rtl="0" eaLnBrk="1" fontAlgn="base" hangingPunct="1">
+              <a:lnSpc>
+                <a:spcPct val="90000"/>
+              </a:lnSpc>
+              <a:spcBef>
+                <a:spcPct val="0"/>
+              </a:spcBef>
+              <a:spcAft>
+                <a:spcPct val="0"/>
+              </a:spcAft>
+              <a:defRPr sz="3200" b="1">
+                <a:solidFill>
+                  <a:srgbClr val="0332B7"/>
+                </a:solidFill>
+                <a:latin typeface="Arial" charset="0"/>
+                <a:ea typeface="ＭＳ Ｐゴシック" charset="-128"/>
+                <a:cs typeface="ＭＳ Ｐゴシック" charset="-128"/>
+              </a:defRPr>
+            </a:lvl2pPr>
+            <a:lvl3pPr algn="l" rtl="0" eaLnBrk="1" fontAlgn="base" hangingPunct="1">
+              <a:lnSpc>
+                <a:spcPct val="90000"/>
+              </a:lnSpc>
+              <a:spcBef>
+                <a:spcPct val="0"/>
+              </a:spcBef>
+              <a:spcAft>
+                <a:spcPct val="0"/>
+              </a:spcAft>
+              <a:defRPr sz="3200" b="1">
+                <a:solidFill>
+                  <a:srgbClr val="0332B7"/>
+                </a:solidFill>
+                <a:latin typeface="Arial" charset="0"/>
+                <a:ea typeface="ＭＳ Ｐゴシック" charset="-128"/>
+                <a:cs typeface="ＭＳ Ｐゴシック" charset="-128"/>
+              </a:defRPr>
+            </a:lvl3pPr>
+            <a:lvl4pPr algn="l" rtl="0" eaLnBrk="1" fontAlgn="base" hangingPunct="1">
+              <a:lnSpc>
+                <a:spcPct val="90000"/>
+              </a:lnSpc>
+              <a:spcBef>
+                <a:spcPct val="0"/>
+              </a:spcBef>
+              <a:spcAft>
+                <a:spcPct val="0"/>
+              </a:spcAft>
+              <a:defRPr sz="3200" b="1">
+                <a:solidFill>
+                  <a:srgbClr val="0332B7"/>
+                </a:solidFill>
+                <a:latin typeface="Arial" charset="0"/>
+                <a:ea typeface="ＭＳ Ｐゴシック" charset="-128"/>
+                <a:cs typeface="ＭＳ Ｐゴシック" charset="-128"/>
+              </a:defRPr>
+            </a:lvl4pPr>
+            <a:lvl5pPr algn="l" rtl="0" eaLnBrk="1" fontAlgn="base" hangingPunct="1">
+              <a:lnSpc>
+                <a:spcPct val="90000"/>
+              </a:lnSpc>
+              <a:spcBef>
+                <a:spcPct val="0"/>
+              </a:spcBef>
+              <a:spcAft>
+                <a:spcPct val="0"/>
+              </a:spcAft>
+              <a:defRPr sz="3200" b="1">
+                <a:solidFill>
+                  <a:srgbClr val="0332B7"/>
+                </a:solidFill>
+                <a:latin typeface="Arial" charset="0"/>
+                <a:ea typeface="ＭＳ Ｐゴシック" charset="-128"/>
+                <a:cs typeface="ＭＳ Ｐゴシック" charset="-128"/>
+              </a:defRPr>
+            </a:lvl5pPr>
+            <a:lvl6pPr marL="457200" algn="l" rtl="0" eaLnBrk="1" fontAlgn="base" hangingPunct="1">
+              <a:lnSpc>
+                <a:spcPct val="90000"/>
+              </a:lnSpc>
+              <a:spcBef>
+                <a:spcPct val="0"/>
+              </a:spcBef>
+              <a:spcAft>
+                <a:spcPct val="0"/>
+              </a:spcAft>
+              <a:defRPr sz="3200" b="1">
+                <a:solidFill>
+                  <a:srgbClr val="0332B7"/>
+                </a:solidFill>
+                <a:latin typeface="Arial" charset="0"/>
+              </a:defRPr>
+            </a:lvl6pPr>
+            <a:lvl7pPr marL="914400" algn="l" rtl="0" eaLnBrk="1" fontAlgn="base" hangingPunct="1">
+              <a:lnSpc>
+                <a:spcPct val="90000"/>
+              </a:lnSpc>
+              <a:spcBef>
+                <a:spcPct val="0"/>
+              </a:spcBef>
+              <a:spcAft>
+                <a:spcPct val="0"/>
+              </a:spcAft>
+              <a:defRPr sz="3200" b="1">
+                <a:solidFill>
+                  <a:srgbClr val="0332B7"/>
+                </a:solidFill>
+                <a:latin typeface="Arial" charset="0"/>
+              </a:defRPr>
+            </a:lvl7pPr>
+            <a:lvl8pPr marL="1371600" algn="l" rtl="0" eaLnBrk="1" fontAlgn="base" hangingPunct="1">
+              <a:lnSpc>
+                <a:spcPct val="90000"/>
+              </a:lnSpc>
+              <a:spcBef>
+                <a:spcPct val="0"/>
+              </a:spcBef>
+              <a:spcAft>
+                <a:spcPct val="0"/>
+              </a:spcAft>
+              <a:defRPr sz="3200" b="1">
+                <a:solidFill>
+                  <a:srgbClr val="0332B7"/>
+                </a:solidFill>
+                <a:latin typeface="Arial" charset="0"/>
+              </a:defRPr>
+            </a:lvl8pPr>
+            <a:lvl9pPr marL="1828800" algn="l" rtl="0" eaLnBrk="1" fontAlgn="base" hangingPunct="1">
+              <a:lnSpc>
+                <a:spcPct val="90000"/>
+              </a:lnSpc>
+              <a:spcBef>
+                <a:spcPct val="0"/>
+              </a:spcBef>
+              <a:spcAft>
+                <a:spcPct val="0"/>
+              </a:spcAft>
+              <a:defRPr sz="3200" b="1">
+                <a:solidFill>
+                  <a:srgbClr val="0332B7"/>
+                </a:solidFill>
+                <a:latin typeface="Arial" charset="0"/>
+              </a:defRPr>
+            </a:lvl9pPr>
+          </a:lstStyle>
+          <a:p>
+            <a:r>
+              <a:rPr lang="en-US" sz="3200" b="0" i="0" kern="0" baseline="0" dirty="0">
+                <a:latin typeface="FreightMicro Pro Book" panose="02000603020000020004" pitchFamily="2" charset="0"/>
+              </a:rPr>
+              <a:t>Computational Structures in Data Science</a:t>
+            </a:r>
+          </a:p>
+        </p:txBody>
+      </p:sp>
+      <p:sp>
+        <p:nvSpPr>
+          <p:cNvPr id="10" name="TextBox 9">
+            <a:extLst>
+              <a:ext uri="{FF2B5EF4-FFF2-40B4-BE49-F238E27FC236}">
+                <a16:creationId xmlns:a16="http://schemas.microsoft.com/office/drawing/2014/main" id="{6914DF4B-2D56-AB45-B234-4F37FEC419CC}"/>
               </a:ext>
             </a:extLst>
           </p:cNvPr>
@@ -3292,9 +6306,9 @@
           <p:nvPr userDrawn="1"/>
         </p:nvSpPr>
         <p:spPr>
-          <a:xfrm rot="5400000">
-            <a:off x="-2013898" y="3138100"/>
-            <a:ext cx="4609595" cy="276999"/>
+          <a:xfrm>
+            <a:off x="109100" y="2384625"/>
+            <a:ext cx="2133600" cy="738664"/>
           </a:xfrm>
           <a:prstGeom prst="rect">
             <a:avLst/>
@@ -3302,30 +6316,427 @@
           <a:noFill/>
         </p:spPr>
         <p:txBody>
+          <a:bodyPr wrap="square">
+            <a:spAutoFit/>
+          </a:bodyPr>
+          <a:lstStyle/>
+          <a:p>
+            <a:pPr lvl="0" algn="ctr">
+              <a:defRPr/>
+            </a:pPr>
+            <a:r>
+              <a:rPr lang="en-US" sz="1400" b="0" i="0" baseline="0" dirty="0">
+                <a:solidFill>
+                  <a:schemeClr val="bg2"/>
+                </a:solidFill>
+                <a:latin typeface="Open Sans Light"/>
+                <a:ea typeface="Open Sans Light" panose="020B0606030504020204" pitchFamily="34" charset="0"/>
+                <a:cs typeface="Open Sans Light" panose="020B0606030504020204" pitchFamily="34" charset="0"/>
+              </a:rPr>
+              <a:t>UC Berkeley EECS</a:t>
+            </a:r>
+            <a:br>
+              <a:rPr lang="en-US" sz="1400" b="0" i="0" baseline="0" dirty="0">
+                <a:solidFill>
+                  <a:schemeClr val="bg2"/>
+                </a:solidFill>
+                <a:latin typeface="Open Sans Light"/>
+                <a:ea typeface="Open Sans Light" panose="020B0606030504020204" pitchFamily="34" charset="0"/>
+                <a:cs typeface="Open Sans Light" panose="020B0606030504020204" pitchFamily="34" charset="0"/>
+              </a:rPr>
+            </a:br>
+            <a:r>
+              <a:rPr lang="en-US" sz="1400" b="0" i="0" baseline="0" dirty="0">
+                <a:solidFill>
+                  <a:schemeClr val="bg2"/>
+                </a:solidFill>
+                <a:latin typeface="Open Sans Light"/>
+                <a:ea typeface="Open Sans Light" panose="020B0606030504020204" pitchFamily="34" charset="0"/>
+                <a:cs typeface="Open Sans Light" panose="020B0606030504020204" pitchFamily="34" charset="0"/>
+              </a:rPr>
+              <a:t>Lecturer</a:t>
+            </a:r>
+          </a:p>
+          <a:p>
+            <a:pPr lvl="0" algn="ctr">
+              <a:defRPr/>
+            </a:pPr>
+            <a:r>
+              <a:rPr lang="en-US" sz="1400" b="0" i="0" baseline="0" dirty="0">
+                <a:solidFill>
+                  <a:schemeClr val="bg2"/>
+                </a:solidFill>
+                <a:latin typeface="Open Sans Light"/>
+                <a:ea typeface="Open Sans Light" panose="020B0606030504020204" pitchFamily="34" charset="0"/>
+                <a:cs typeface="Open Sans Light" panose="020B0606030504020204" pitchFamily="34" charset="0"/>
+              </a:rPr>
+              <a:t>Michael Ball</a:t>
+            </a:r>
+          </a:p>
+        </p:txBody>
+      </p:sp>
+      <p:pic>
+        <p:nvPicPr>
+          <p:cNvPr id="11" name="Picture 2">
+            <a:extLst>
+              <a:ext uri="{FF2B5EF4-FFF2-40B4-BE49-F238E27FC236}">
+                <a16:creationId xmlns:a16="http://schemas.microsoft.com/office/drawing/2014/main" id="{8CD1E19B-E1FA-114F-B2A6-C6DE982CA377}"/>
+              </a:ext>
+            </a:extLst>
+          </p:cNvPr>
+          <p:cNvPicPr>
+            <a:picLocks noChangeAspect="1" noChangeArrowheads="1"/>
+          </p:cNvPicPr>
+          <p:nvPr userDrawn="1"/>
+        </p:nvPicPr>
+        <p:blipFill>
+          <a:blip r:embed="rId3"/>
+          <a:srcRect/>
+          <a:stretch/>
+        </p:blipFill>
+        <p:spPr bwMode="auto">
+          <a:xfrm>
+            <a:off x="457205" y="152406"/>
+            <a:ext cx="1437391" cy="2157607"/>
+          </a:xfrm>
+          <a:prstGeom prst="roundRect">
+            <a:avLst>
+              <a:gd name="adj" fmla="val 16667"/>
+            </a:avLst>
+          </a:prstGeom>
+          <a:ln>
+            <a:noFill/>
+          </a:ln>
+          <a:effectLst>
+            <a:outerShdw blurRad="76200" dist="38100" dir="7800000" algn="tl" rotWithShape="0">
+              <a:srgbClr val="000000">
+                <a:alpha val="40000"/>
+              </a:srgbClr>
+            </a:outerShdw>
+          </a:effectLst>
+          <a:scene3d>
+            <a:camera prst="orthographicFront"/>
+            <a:lightRig rig="contrasting" dir="t">
+              <a:rot lat="0" lon="0" rev="4200000"/>
+            </a:lightRig>
+          </a:scene3d>
+          <a:sp3d prstMaterial="plastic">
+            <a:bevelT w="381000" h="114300" prst="relaxedInset"/>
+            <a:contourClr>
+              <a:srgbClr val="969696"/>
+            </a:contourClr>
+          </a:sp3d>
+        </p:spPr>
+      </p:pic>
+      <p:sp>
+        <p:nvSpPr>
+          <p:cNvPr id="12" name="Rectangle 5">
+            <a:extLst>
+              <a:ext uri="{FF2B5EF4-FFF2-40B4-BE49-F238E27FC236}">
+                <a16:creationId xmlns:a16="http://schemas.microsoft.com/office/drawing/2014/main" id="{E54B2176-5634-6845-968B-F5816C0360CC}"/>
+              </a:ext>
+            </a:extLst>
+          </p:cNvPr>
+          <p:cNvSpPr txBox="1">
+            <a:spLocks noChangeArrowheads="1"/>
+          </p:cNvSpPr>
+          <p:nvPr userDrawn="1"/>
+        </p:nvSpPr>
+        <p:spPr bwMode="auto">
+          <a:xfrm>
+            <a:off x="3246258" y="6381750"/>
+            <a:ext cx="6171679" cy="476250"/>
+          </a:xfrm>
+          <a:prstGeom prst="rect">
+            <a:avLst/>
+          </a:prstGeom>
+          <a:noFill/>
+          <a:ln>
+            <a:noFill/>
+          </a:ln>
+          <a:extLst>
+            <a:ext uri="{909E8E84-426E-40dd-AFC4-6F175D3DCCD1}">
+              <a14:hiddenFill xmlns="" xmlns:a14="http://schemas.microsoft.com/office/drawing/2010/main">
+                <a:solidFill>
+                  <a:srgbClr val="FFFFFF"/>
+                </a:solidFill>
+              </a14:hiddenFill>
+            </a:ext>
+            <a:ext uri="{91240B29-F687-4f45-9708-019B960494DF}">
+              <a14:hiddenLine xmlns="" xmlns:a14="http://schemas.microsoft.com/office/drawing/2010/main" w="9525">
+                <a:solidFill>
+                  <a:srgbClr val="000000"/>
+                </a:solidFill>
+                <a:miter lim="800000"/>
+                <a:headEnd/>
+                <a:tailEnd/>
+              </a14:hiddenLine>
+            </a:ext>
+            <a:ext uri="{FAA26D3D-D897-4be2-8F04-BA451C77F1D7}">
+              <ma14:placeholderFlag xmlns="" xmlns:ma14="http://schemas.microsoft.com/office/mac/drawingml/2011/main" val="1"/>
+            </a:ext>
+          </a:extLst>
+        </p:spPr>
+        <p:txBody>
+          <a:bodyPr vert="horz" wrap="square" lIns="38844" tIns="19423" rIns="38844" bIns="19423" numCol="1" anchor="ctr" anchorCtr="0" compatLnSpc="1">
+            <a:prstTxWarp prst="textNoShape">
+              <a:avLst/>
+            </a:prstTxWarp>
+          </a:bodyPr>
+          <a:lstStyle>
+            <a:lvl1pPr algn="l" rtl="0" eaLnBrk="1" fontAlgn="base" hangingPunct="1">
+              <a:lnSpc>
+                <a:spcPct val="90000"/>
+              </a:lnSpc>
+              <a:spcBef>
+                <a:spcPct val="0"/>
+              </a:spcBef>
+              <a:spcAft>
+                <a:spcPct val="0"/>
+              </a:spcAft>
+              <a:defRPr sz="3600" b="1" i="0">
+                <a:solidFill>
+                  <a:srgbClr val="0332B7"/>
+                </a:solidFill>
+                <a:latin typeface="FreightText Pro Book" panose="02000603060000020004" pitchFamily="2" charset="0"/>
+                <a:ea typeface="ＭＳ Ｐゴシック" charset="-128"/>
+                <a:cs typeface="FreightText Pro Book" panose="02000603060000020004" pitchFamily="2" charset="0"/>
+              </a:defRPr>
+            </a:lvl1pPr>
+            <a:lvl2pPr algn="l" rtl="0" eaLnBrk="1" fontAlgn="base" hangingPunct="1">
+              <a:lnSpc>
+                <a:spcPct val="90000"/>
+              </a:lnSpc>
+              <a:spcBef>
+                <a:spcPct val="0"/>
+              </a:spcBef>
+              <a:spcAft>
+                <a:spcPct val="0"/>
+              </a:spcAft>
+              <a:defRPr sz="3200" b="1">
+                <a:solidFill>
+                  <a:srgbClr val="0332B7"/>
+                </a:solidFill>
+                <a:latin typeface="Arial" charset="0"/>
+                <a:ea typeface="ＭＳ Ｐゴシック" charset="-128"/>
+                <a:cs typeface="ＭＳ Ｐゴシック" charset="-128"/>
+              </a:defRPr>
+            </a:lvl2pPr>
+            <a:lvl3pPr algn="l" rtl="0" eaLnBrk="1" fontAlgn="base" hangingPunct="1">
+              <a:lnSpc>
+                <a:spcPct val="90000"/>
+              </a:lnSpc>
+              <a:spcBef>
+                <a:spcPct val="0"/>
+              </a:spcBef>
+              <a:spcAft>
+                <a:spcPct val="0"/>
+              </a:spcAft>
+              <a:defRPr sz="3200" b="1">
+                <a:solidFill>
+                  <a:srgbClr val="0332B7"/>
+                </a:solidFill>
+                <a:latin typeface="Arial" charset="0"/>
+                <a:ea typeface="ＭＳ Ｐゴシック" charset="-128"/>
+                <a:cs typeface="ＭＳ Ｐゴシック" charset="-128"/>
+              </a:defRPr>
+            </a:lvl3pPr>
+            <a:lvl4pPr algn="l" rtl="0" eaLnBrk="1" fontAlgn="base" hangingPunct="1">
+              <a:lnSpc>
+                <a:spcPct val="90000"/>
+              </a:lnSpc>
+              <a:spcBef>
+                <a:spcPct val="0"/>
+              </a:spcBef>
+              <a:spcAft>
+                <a:spcPct val="0"/>
+              </a:spcAft>
+              <a:defRPr sz="3200" b="1">
+                <a:solidFill>
+                  <a:srgbClr val="0332B7"/>
+                </a:solidFill>
+                <a:latin typeface="Arial" charset="0"/>
+                <a:ea typeface="ＭＳ Ｐゴシック" charset="-128"/>
+                <a:cs typeface="ＭＳ Ｐゴシック" charset="-128"/>
+              </a:defRPr>
+            </a:lvl4pPr>
+            <a:lvl5pPr algn="l" rtl="0" eaLnBrk="1" fontAlgn="base" hangingPunct="1">
+              <a:lnSpc>
+                <a:spcPct val="90000"/>
+              </a:lnSpc>
+              <a:spcBef>
+                <a:spcPct val="0"/>
+              </a:spcBef>
+              <a:spcAft>
+                <a:spcPct val="0"/>
+              </a:spcAft>
+              <a:defRPr sz="3200" b="1">
+                <a:solidFill>
+                  <a:srgbClr val="0332B7"/>
+                </a:solidFill>
+                <a:latin typeface="Arial" charset="0"/>
+                <a:ea typeface="ＭＳ Ｐゴシック" charset="-128"/>
+                <a:cs typeface="ＭＳ Ｐゴシック" charset="-128"/>
+              </a:defRPr>
+            </a:lvl5pPr>
+            <a:lvl6pPr marL="457200" algn="l" rtl="0" eaLnBrk="1" fontAlgn="base" hangingPunct="1">
+              <a:lnSpc>
+                <a:spcPct val="90000"/>
+              </a:lnSpc>
+              <a:spcBef>
+                <a:spcPct val="0"/>
+              </a:spcBef>
+              <a:spcAft>
+                <a:spcPct val="0"/>
+              </a:spcAft>
+              <a:defRPr sz="3200" b="1">
+                <a:solidFill>
+                  <a:srgbClr val="0332B7"/>
+                </a:solidFill>
+                <a:latin typeface="Arial" charset="0"/>
+              </a:defRPr>
+            </a:lvl6pPr>
+            <a:lvl7pPr marL="914400" algn="l" rtl="0" eaLnBrk="1" fontAlgn="base" hangingPunct="1">
+              <a:lnSpc>
+                <a:spcPct val="90000"/>
+              </a:lnSpc>
+              <a:spcBef>
+                <a:spcPct val="0"/>
+              </a:spcBef>
+              <a:spcAft>
+                <a:spcPct val="0"/>
+              </a:spcAft>
+              <a:defRPr sz="3200" b="1">
+                <a:solidFill>
+                  <a:srgbClr val="0332B7"/>
+                </a:solidFill>
+                <a:latin typeface="Arial" charset="0"/>
+              </a:defRPr>
+            </a:lvl7pPr>
+            <a:lvl8pPr marL="1371600" algn="l" rtl="0" eaLnBrk="1" fontAlgn="base" hangingPunct="1">
+              <a:lnSpc>
+                <a:spcPct val="90000"/>
+              </a:lnSpc>
+              <a:spcBef>
+                <a:spcPct val="0"/>
+              </a:spcBef>
+              <a:spcAft>
+                <a:spcPct val="0"/>
+              </a:spcAft>
+              <a:defRPr sz="3200" b="1">
+                <a:solidFill>
+                  <a:srgbClr val="0332B7"/>
+                </a:solidFill>
+                <a:latin typeface="Arial" charset="0"/>
+              </a:defRPr>
+            </a:lvl8pPr>
+            <a:lvl9pPr marL="1828800" algn="l" rtl="0" eaLnBrk="1" fontAlgn="base" hangingPunct="1">
+              <a:lnSpc>
+                <a:spcPct val="90000"/>
+              </a:lnSpc>
+              <a:spcBef>
+                <a:spcPct val="0"/>
+              </a:spcBef>
+              <a:spcAft>
+                <a:spcPct val="0"/>
+              </a:spcAft>
+              <a:defRPr sz="3200" b="1">
+                <a:solidFill>
+                  <a:srgbClr val="0332B7"/>
+                </a:solidFill>
+                <a:latin typeface="Arial" charset="0"/>
+              </a:defRPr>
+            </a:lvl9pPr>
+          </a:lstStyle>
+          <a:p>
+            <a:pPr algn="ctr">
+              <a:defRPr/>
+            </a:pPr>
+            <a:r>
+              <a:rPr lang="en-US" sz="1200" b="0" i="0" baseline="0" dirty="0">
+                <a:latin typeface="FreightMicro Pro Book"/>
+              </a:rPr>
+              <a:t>UC Berkeley | Computer Science 88 | Michael Ball | http://cs88.org</a:t>
+            </a:r>
+          </a:p>
+        </p:txBody>
+      </p:sp>
+      <p:sp>
+        <p:nvSpPr>
+          <p:cNvPr id="3" name="TextBox 2">
+            <a:extLst>
+              <a:ext uri="{FF2B5EF4-FFF2-40B4-BE49-F238E27FC236}">
+                <a16:creationId xmlns:a16="http://schemas.microsoft.com/office/drawing/2014/main" id="{22E66487-F608-564D-808C-E53BA42B7ECC}"/>
+              </a:ext>
+            </a:extLst>
+          </p:cNvPr>
+          <p:cNvSpPr txBox="1"/>
+          <p:nvPr userDrawn="1"/>
+        </p:nvSpPr>
+        <p:spPr>
+          <a:xfrm>
+            <a:off x="5108715" y="2584176"/>
+            <a:ext cx="184731" cy="213585"/>
+          </a:xfrm>
+          <a:prstGeom prst="rect">
+            <a:avLst/>
+          </a:prstGeom>
+          <a:noFill/>
+        </p:spPr>
+        <p:txBody>
           <a:bodyPr wrap="none" rtlCol="0">
             <a:spAutoFit/>
           </a:bodyPr>
           <a:lstStyle/>
           <a:p>
-            <a:pPr algn="ctr"/>
-            <a:r>
-              <a:rPr lang="en-US" sz="1200">
-                <a:solidFill>
-                  <a:schemeClr val="accent3"/>
-                </a:solidFill>
-                <a:latin typeface="Open Sans" panose="020B0606030504020204" pitchFamily="34" charset="0"/>
-                <a:ea typeface="Open Sans" panose="020B0606030504020204" pitchFamily="34" charset="0"/>
-                <a:cs typeface="Open Sans" panose="020B0606030504020204" pitchFamily="34" charset="0"/>
-              </a:rPr>
-              <a:t>Michael Ball | UC Berkeley | https://c88c.org | © CC BY-NC-SA</a:t>
-            </a:r>
+            <a:endParaRPr lang="en-US" sz="788" b="0" i="0" dirty="0">
+              <a:latin typeface="Open Sans Light" panose="020B0606030504020204" pitchFamily="34" charset="0"/>
+              <a:ea typeface="Open Sans Light" panose="020B0606030504020204" pitchFamily="34" charset="0"/>
+              <a:cs typeface="Open Sans Light" panose="020B0606030504020204" pitchFamily="34" charset="0"/>
+            </a:endParaRPr>
+          </a:p>
+        </p:txBody>
+      </p:sp>
+      <p:sp>
+        <p:nvSpPr>
+          <p:cNvPr id="7" name="TextBox 6">
+            <a:extLst>
+              <a:ext uri="{FF2B5EF4-FFF2-40B4-BE49-F238E27FC236}">
+                <a16:creationId xmlns:a16="http://schemas.microsoft.com/office/drawing/2014/main" id="{C53EF65B-5B14-C7E1-E1F9-88E88BF9E207}"/>
+              </a:ext>
+            </a:extLst>
+          </p:cNvPr>
+          <p:cNvSpPr txBox="1"/>
+          <p:nvPr userDrawn="1"/>
+        </p:nvSpPr>
+        <p:spPr>
+          <a:xfrm>
+            <a:off x="1055914" y="-522514"/>
+            <a:ext cx="184731" cy="307777"/>
+          </a:xfrm>
+          <a:prstGeom prst="rect">
+            <a:avLst/>
+          </a:prstGeom>
+          <a:noFill/>
+        </p:spPr>
+        <p:txBody>
+          <a:bodyPr wrap="none" rtlCol="0">
+            <a:spAutoFit/>
+          </a:bodyPr>
+          <a:lstStyle/>
+          <a:p>
+            <a:endParaRPr lang="en-US" b="0" i="0" dirty="0">
+              <a:latin typeface="Open Sans Light" panose="020B0606030504020204" pitchFamily="34" charset="0"/>
+              <a:ea typeface="Open Sans Light" panose="020B0606030504020204" pitchFamily="34" charset="0"/>
+              <a:cs typeface="Open Sans Light" panose="020B0606030504020204" pitchFamily="34" charset="0"/>
+            </a:endParaRPr>
           </a:p>
         </p:txBody>
       </p:sp>
     </p:spTree>
     <p:extLst>
       <p:ext uri="{BB962C8B-B14F-4D97-AF65-F5344CB8AC3E}">
-        <p14:creationId xmlns:p14="http://schemas.microsoft.com/office/powerpoint/2010/main" val="3832226343"/>
+        <p14:creationId xmlns:p14="http://schemas.microsoft.com/office/powerpoint/2010/main" val="2062900007"/>
       </p:ext>
     </p:extLst>
   </p:cSld>
@@ -3335,9 +6746,9 @@
 </p:sldLayout>
 </file>
 
-<file path=ppt/slideLayouts/slideLayout11.xml><?xml version="1.0" encoding="utf-8"?>
-<p:sldLayout xmlns:a="http://schemas.openxmlformats.org/drawingml/2006/main" xmlns:r="http://schemas.openxmlformats.org/officeDocument/2006/relationships" xmlns:p="http://schemas.openxmlformats.org/presentationml/2006/main" type="txAndTwoObj" preserve="1">
-  <p:cSld name="Title, Text, and 2 Content">
+<file path=ppt/slideLayouts/slideLayout21.xml><?xml version="1.0" encoding="utf-8"?>
+<p:sldLayout xmlns:a="http://schemas.openxmlformats.org/drawingml/2006/main" xmlns:r="http://schemas.openxmlformats.org/officeDocument/2006/relationships" xmlns:p="http://schemas.openxmlformats.org/presentationml/2006/main" preserve="1" userDrawn="1">
+  <p:cSld name="4_Comparison">
     <p:spTree>
       <p:nvGrpSpPr>
         <p:cNvPr id="1" name=""/>
@@ -3354,644 +6765,6 @@
       </p:grpSpPr>
       <p:sp>
         <p:nvSpPr>
-          <p:cNvPr id="2" name="Title 1"/>
-          <p:cNvSpPr>
-            <a:spLocks noGrp="1"/>
-          </p:cNvSpPr>
-          <p:nvPr>
-            <p:ph type="title"/>
-          </p:nvPr>
-        </p:nvSpPr>
-        <p:spPr>
-          <a:xfrm>
-            <a:off x="533400" y="215900"/>
-            <a:ext cx="10261600" cy="736600"/>
-          </a:xfrm>
-        </p:spPr>
-        <p:txBody>
-          <a:bodyPr/>
-          <a:lstStyle>
-            <a:lvl1pPr>
-              <a:defRPr sz="2800" baseline="0"/>
-            </a:lvl1pPr>
-          </a:lstStyle>
-          <a:p>
-            <a:r>
-              <a:rPr lang="en-US" dirty="0"/>
-              <a:t>Click to edit Master title style</a:t>
-            </a:r>
-          </a:p>
-        </p:txBody>
-      </p:sp>
-      <p:sp>
-        <p:nvSpPr>
-          <p:cNvPr id="3" name="Text Placeholder 2"/>
-          <p:cNvSpPr>
-            <a:spLocks noGrp="1"/>
-          </p:cNvSpPr>
-          <p:nvPr>
-            <p:ph type="body" sz="half" idx="1"/>
-          </p:nvPr>
-        </p:nvSpPr>
-        <p:spPr>
-          <a:xfrm>
-            <a:off x="533400" y="1066800"/>
-            <a:ext cx="5359400" cy="5257800"/>
-          </a:xfrm>
-        </p:spPr>
-        <p:txBody>
-          <a:bodyPr/>
-          <a:lstStyle/>
-          <a:p>
-            <a:pPr lvl="0"/>
-            <a:r>
-              <a:rPr lang="en-US" dirty="0"/>
-              <a:t>Click to edit Master text styles</a:t>
-            </a:r>
-          </a:p>
-          <a:p>
-            <a:pPr lvl="1"/>
-            <a:r>
-              <a:rPr lang="en-US" dirty="0"/>
-              <a:t>Second level</a:t>
-            </a:r>
-          </a:p>
-          <a:p>
-            <a:pPr lvl="2"/>
-            <a:r>
-              <a:rPr lang="en-US" dirty="0"/>
-              <a:t>Third level</a:t>
-            </a:r>
-          </a:p>
-          <a:p>
-            <a:pPr lvl="3"/>
-            <a:r>
-              <a:rPr lang="en-US" dirty="0"/>
-              <a:t>Fourth level</a:t>
-            </a:r>
-          </a:p>
-          <a:p>
-            <a:pPr lvl="4"/>
-            <a:r>
-              <a:rPr lang="en-US" dirty="0"/>
-              <a:t>Fifth level</a:t>
-            </a:r>
-          </a:p>
-        </p:txBody>
-      </p:sp>
-      <p:sp>
-        <p:nvSpPr>
-          <p:cNvPr id="4" name="Content Placeholder 3"/>
-          <p:cNvSpPr>
-            <a:spLocks noGrp="1"/>
-          </p:cNvSpPr>
-          <p:nvPr>
-            <p:ph sz="quarter" idx="2"/>
-          </p:nvPr>
-        </p:nvSpPr>
-        <p:spPr>
-          <a:xfrm>
-            <a:off x="6096000" y="1066800"/>
-            <a:ext cx="5562600" cy="2552700"/>
-          </a:xfrm>
-        </p:spPr>
-        <p:txBody>
-          <a:bodyPr/>
-          <a:lstStyle/>
-          <a:p>
-            <a:pPr lvl="0"/>
-            <a:r>
-              <a:rPr lang="en-US" dirty="0"/>
-              <a:t>Click to edit Master text styles</a:t>
-            </a:r>
-          </a:p>
-          <a:p>
-            <a:pPr lvl="1"/>
-            <a:r>
-              <a:rPr lang="en-US" dirty="0"/>
-              <a:t>Second level</a:t>
-            </a:r>
-          </a:p>
-          <a:p>
-            <a:pPr lvl="2"/>
-            <a:r>
-              <a:rPr lang="en-US" dirty="0"/>
-              <a:t>Third level</a:t>
-            </a:r>
-          </a:p>
-          <a:p>
-            <a:pPr lvl="3"/>
-            <a:r>
-              <a:rPr lang="en-US" dirty="0"/>
-              <a:t>Fourth level</a:t>
-            </a:r>
-          </a:p>
-          <a:p>
-            <a:pPr lvl="4"/>
-            <a:r>
-              <a:rPr lang="en-US" dirty="0"/>
-              <a:t>Fifth level</a:t>
-            </a:r>
-          </a:p>
-        </p:txBody>
-      </p:sp>
-      <p:sp>
-        <p:nvSpPr>
-          <p:cNvPr id="5" name="Content Placeholder 4"/>
-          <p:cNvSpPr>
-            <a:spLocks noGrp="1"/>
-          </p:cNvSpPr>
-          <p:nvPr>
-            <p:ph sz="quarter" idx="3"/>
-          </p:nvPr>
-        </p:nvSpPr>
-        <p:spPr>
-          <a:xfrm>
-            <a:off x="6096000" y="3771900"/>
-            <a:ext cx="5562600" cy="2552700"/>
-          </a:xfrm>
-        </p:spPr>
-        <p:txBody>
-          <a:bodyPr/>
-          <a:lstStyle/>
-          <a:p>
-            <a:pPr lvl="0"/>
-            <a:r>
-              <a:rPr lang="en-US" dirty="0"/>
-              <a:t>Click to edit Master text styles</a:t>
-            </a:r>
-          </a:p>
-          <a:p>
-            <a:pPr lvl="1"/>
-            <a:r>
-              <a:rPr lang="en-US" dirty="0"/>
-              <a:t>Second level</a:t>
-            </a:r>
-          </a:p>
-          <a:p>
-            <a:pPr lvl="2"/>
-            <a:r>
-              <a:rPr lang="en-US" dirty="0"/>
-              <a:t>Third level</a:t>
-            </a:r>
-          </a:p>
-          <a:p>
-            <a:pPr lvl="3"/>
-            <a:r>
-              <a:rPr lang="en-US" dirty="0"/>
-              <a:t>Fourth level</a:t>
-            </a:r>
-          </a:p>
-          <a:p>
-            <a:pPr lvl="4"/>
-            <a:r>
-              <a:rPr lang="en-US" dirty="0"/>
-              <a:t>Fifth level</a:t>
-            </a:r>
-          </a:p>
-        </p:txBody>
-      </p:sp>
-      <p:sp>
-        <p:nvSpPr>
-          <p:cNvPr id="7" name="Footer Placeholder 6">
-            <a:extLst>
-              <a:ext uri="{FF2B5EF4-FFF2-40B4-BE49-F238E27FC236}">
-                <a16:creationId xmlns:a16="http://schemas.microsoft.com/office/drawing/2014/main" id="{09B8C7DD-E937-7C7A-0125-F53589ECA244}"/>
-              </a:ext>
-            </a:extLst>
-          </p:cNvPr>
-          <p:cNvSpPr>
-            <a:spLocks noGrp="1"/>
-          </p:cNvSpPr>
-          <p:nvPr>
-            <p:ph type="ftr" sz="quarter" idx="10"/>
-          </p:nvPr>
-        </p:nvSpPr>
-        <p:spPr/>
-        <p:txBody>
-          <a:bodyPr/>
-          <a:lstStyle>
-            <a:lvl1pPr>
-              <a:defRPr b="0" i="0">
-                <a:latin typeface="FreightMicro Pro Medium" panose="02000603020000020004" pitchFamily="2" charset="0"/>
-              </a:defRPr>
-            </a:lvl1pPr>
-          </a:lstStyle>
-          <a:p>
-            <a:r>
-              <a:rPr lang="en-US" dirty="0"/>
-              <a:t>Michael Ball | UC Berkeley | https://c88c.org | © CC BY-NC-SA</a:t>
-            </a:r>
-          </a:p>
-        </p:txBody>
-      </p:sp>
-    </p:spTree>
-    <p:extLst>
-      <p:ext uri="{BB962C8B-B14F-4D97-AF65-F5344CB8AC3E}">
-        <p14:creationId xmlns:p14="http://schemas.microsoft.com/office/powerpoint/2010/main" val="254488591"/>
-      </p:ext>
-    </p:extLst>
-  </p:cSld>
-  <p:clrMapOvr>
-    <a:masterClrMapping/>
-  </p:clrMapOvr>
-</p:sldLayout>
-</file>
-
-<file path=ppt/slideLayouts/slideLayout12.xml><?xml version="1.0" encoding="utf-8"?>
-<p:sldLayout xmlns:a="http://schemas.openxmlformats.org/drawingml/2006/main" xmlns:r="http://schemas.openxmlformats.org/officeDocument/2006/relationships" xmlns:p="http://schemas.openxmlformats.org/presentationml/2006/main" type="picTx" preserve="1">
-  <p:cSld name="Picture with Caption">
-    <p:spTree>
-      <p:nvGrpSpPr>
-        <p:cNvPr id="1" name=""/>
-        <p:cNvGrpSpPr/>
-        <p:nvPr/>
-      </p:nvGrpSpPr>
-      <p:grpSpPr>
-        <a:xfrm>
-          <a:off x="0" y="0"/>
-          <a:ext cx="0" cy="0"/>
-          <a:chOff x="0" y="0"/>
-          <a:chExt cx="0" cy="0"/>
-        </a:xfrm>
-      </p:grpSpPr>
-      <p:sp>
-        <p:nvSpPr>
-          <p:cNvPr id="2" name="Title 1"/>
-          <p:cNvSpPr>
-            <a:spLocks noGrp="1"/>
-          </p:cNvSpPr>
-          <p:nvPr>
-            <p:ph type="title"/>
-          </p:nvPr>
-        </p:nvSpPr>
-        <p:spPr>
-          <a:xfrm>
-            <a:off x="2389717" y="4800600"/>
-            <a:ext cx="7315200" cy="566738"/>
-          </a:xfrm>
-        </p:spPr>
-        <p:txBody>
-          <a:bodyPr anchor="b"/>
-          <a:lstStyle>
-            <a:lvl1pPr algn="l">
-              <a:defRPr sz="844" b="1"/>
-            </a:lvl1pPr>
-          </a:lstStyle>
-          <a:p>
-            <a:r>
-              <a:rPr lang="en-US"/>
-              <a:t>Click to edit Master title style</a:t>
-            </a:r>
-          </a:p>
-        </p:txBody>
-      </p:sp>
-      <p:sp>
-        <p:nvSpPr>
-          <p:cNvPr id="3" name="Picture Placeholder 2"/>
-          <p:cNvSpPr>
-            <a:spLocks noGrp="1"/>
-          </p:cNvSpPr>
-          <p:nvPr>
-            <p:ph type="pic" idx="1"/>
-          </p:nvPr>
-        </p:nvSpPr>
-        <p:spPr>
-          <a:xfrm>
-            <a:off x="1320800" y="1143006"/>
-            <a:ext cx="9855200" cy="3584575"/>
-          </a:xfrm>
-        </p:spPr>
-        <p:txBody>
-          <a:bodyPr/>
-          <a:lstStyle>
-            <a:lvl1pPr marL="0" indent="0">
-              <a:buNone/>
-              <a:defRPr sz="1350"/>
-            </a:lvl1pPr>
-            <a:lvl2pPr marL="192881" indent="0">
-              <a:buNone/>
-              <a:defRPr sz="1181"/>
-            </a:lvl2pPr>
-            <a:lvl3pPr marL="385763" indent="0">
-              <a:buNone/>
-              <a:defRPr sz="1013"/>
-            </a:lvl3pPr>
-            <a:lvl4pPr marL="578644" indent="0">
-              <a:buNone/>
-              <a:defRPr sz="844"/>
-            </a:lvl4pPr>
-            <a:lvl5pPr marL="771525" indent="0">
-              <a:buNone/>
-              <a:defRPr sz="844"/>
-            </a:lvl5pPr>
-            <a:lvl6pPr marL="964406" indent="0">
-              <a:buNone/>
-              <a:defRPr sz="844"/>
-            </a:lvl6pPr>
-            <a:lvl7pPr marL="1157288" indent="0">
-              <a:buNone/>
-              <a:defRPr sz="844"/>
-            </a:lvl7pPr>
-            <a:lvl8pPr marL="1350169" indent="0">
-              <a:buNone/>
-              <a:defRPr sz="844"/>
-            </a:lvl8pPr>
-            <a:lvl9pPr marL="1543050" indent="0">
-              <a:buNone/>
-              <a:defRPr sz="844"/>
-            </a:lvl9pPr>
-          </a:lstStyle>
-          <a:p>
-            <a:pPr lvl="0"/>
-            <a:r>
-              <a:rPr lang="en-US" noProof="0"/>
-              <a:t>Drag picture to placeholder or click icon to add</a:t>
-            </a:r>
-          </a:p>
-        </p:txBody>
-      </p:sp>
-      <p:sp>
-        <p:nvSpPr>
-          <p:cNvPr id="4" name="Text Placeholder 3"/>
-          <p:cNvSpPr>
-            <a:spLocks noGrp="1"/>
-          </p:cNvSpPr>
-          <p:nvPr>
-            <p:ph type="body" sz="half" idx="2"/>
-          </p:nvPr>
-        </p:nvSpPr>
-        <p:spPr>
-          <a:xfrm>
-            <a:off x="2389717" y="5367338"/>
-            <a:ext cx="7315200" cy="804862"/>
-          </a:xfrm>
-        </p:spPr>
-        <p:txBody>
-          <a:bodyPr/>
-          <a:lstStyle>
-            <a:lvl1pPr marL="0" indent="0">
-              <a:buNone/>
-              <a:defRPr sz="591"/>
-            </a:lvl1pPr>
-            <a:lvl2pPr marL="192881" indent="0">
-              <a:buNone/>
-              <a:defRPr sz="506"/>
-            </a:lvl2pPr>
-            <a:lvl3pPr marL="385763" indent="0">
-              <a:buNone/>
-              <a:defRPr sz="422"/>
-            </a:lvl3pPr>
-            <a:lvl4pPr marL="578644" indent="0">
-              <a:buNone/>
-              <a:defRPr sz="380"/>
-            </a:lvl4pPr>
-            <a:lvl5pPr marL="771525" indent="0">
-              <a:buNone/>
-              <a:defRPr sz="380"/>
-            </a:lvl5pPr>
-            <a:lvl6pPr marL="964406" indent="0">
-              <a:buNone/>
-              <a:defRPr sz="380"/>
-            </a:lvl6pPr>
-            <a:lvl7pPr marL="1157288" indent="0">
-              <a:buNone/>
-              <a:defRPr sz="380"/>
-            </a:lvl7pPr>
-            <a:lvl8pPr marL="1350169" indent="0">
-              <a:buNone/>
-              <a:defRPr sz="380"/>
-            </a:lvl8pPr>
-            <a:lvl9pPr marL="1543050" indent="0">
-              <a:buNone/>
-              <a:defRPr sz="380"/>
-            </a:lvl9pPr>
-          </a:lstStyle>
-          <a:p>
-            <a:pPr lvl="0"/>
-            <a:r>
-              <a:rPr lang="en-US"/>
-              <a:t>Click to edit Master text styles</a:t>
-            </a:r>
-          </a:p>
-        </p:txBody>
-      </p:sp>
-      <p:sp>
-        <p:nvSpPr>
-          <p:cNvPr id="6" name="Footer Placeholder 5">
-            <a:extLst>
-              <a:ext uri="{FF2B5EF4-FFF2-40B4-BE49-F238E27FC236}">
-                <a16:creationId xmlns:a16="http://schemas.microsoft.com/office/drawing/2014/main" id="{BFA8BDE8-F90A-0148-46CF-5751E5EEBD98}"/>
-              </a:ext>
-            </a:extLst>
-          </p:cNvPr>
-          <p:cNvSpPr>
-            <a:spLocks noGrp="1"/>
-          </p:cNvSpPr>
-          <p:nvPr>
-            <p:ph type="ftr" sz="quarter" idx="10"/>
-          </p:nvPr>
-        </p:nvSpPr>
-        <p:spPr/>
-        <p:txBody>
-          <a:bodyPr/>
-          <a:lstStyle>
-            <a:lvl1pPr>
-              <a:defRPr b="0" i="0">
-                <a:latin typeface="FreightMicro Pro Medium" panose="02000603020000020004" pitchFamily="2" charset="0"/>
-              </a:defRPr>
-            </a:lvl1pPr>
-          </a:lstStyle>
-          <a:p>
-            <a:r>
-              <a:rPr lang="en-US" dirty="0"/>
-              <a:t>Michael Ball | UC Berkeley | https://c88c.org | © CC BY-NC-SA</a:t>
-            </a:r>
-          </a:p>
-        </p:txBody>
-      </p:sp>
-    </p:spTree>
-    <p:extLst>
-      <p:ext uri="{BB962C8B-B14F-4D97-AF65-F5344CB8AC3E}">
-        <p14:creationId xmlns:p14="http://schemas.microsoft.com/office/powerpoint/2010/main" val="569710191"/>
-      </p:ext>
-    </p:extLst>
-  </p:cSld>
-  <p:clrMapOvr>
-    <a:masterClrMapping/>
-  </p:clrMapOvr>
-</p:sldLayout>
-</file>
-
-<file path=ppt/slideLayouts/slideLayout13.xml><?xml version="1.0" encoding="utf-8"?>
-<p:sldLayout xmlns:a="http://schemas.openxmlformats.org/drawingml/2006/main" xmlns:r="http://schemas.openxmlformats.org/officeDocument/2006/relationships" xmlns:p="http://schemas.openxmlformats.org/presentationml/2006/main" type="vertTx" preserve="1">
-  <p:cSld name="Title and Vertical Text">
-    <p:spTree>
-      <p:nvGrpSpPr>
-        <p:cNvPr id="1" name=""/>
-        <p:cNvGrpSpPr/>
-        <p:nvPr/>
-      </p:nvGrpSpPr>
-      <p:grpSpPr>
-        <a:xfrm>
-          <a:off x="0" y="0"/>
-          <a:ext cx="0" cy="0"/>
-          <a:chOff x="0" y="0"/>
-          <a:chExt cx="0" cy="0"/>
-        </a:xfrm>
-      </p:grpSpPr>
-      <p:sp>
-        <p:nvSpPr>
-          <p:cNvPr id="2" name="Title 1"/>
-          <p:cNvSpPr>
-            <a:spLocks noGrp="1"/>
-          </p:cNvSpPr>
-          <p:nvPr>
-            <p:ph type="title"/>
-          </p:nvPr>
-        </p:nvSpPr>
-        <p:spPr/>
-        <p:txBody>
-          <a:bodyPr/>
-          <a:lstStyle>
-            <a:lvl1pPr>
-              <a:defRPr sz="2800" baseline="0"/>
-            </a:lvl1pPr>
-          </a:lstStyle>
-          <a:p>
-            <a:r>
-              <a:rPr lang="en-US" dirty="0"/>
-              <a:t>Click to edit Master title style</a:t>
-            </a:r>
-          </a:p>
-        </p:txBody>
-      </p:sp>
-      <p:sp>
-        <p:nvSpPr>
-          <p:cNvPr id="3" name="Vertical Text Placeholder 2"/>
-          <p:cNvSpPr>
-            <a:spLocks noGrp="1"/>
-          </p:cNvSpPr>
-          <p:nvPr>
-            <p:ph type="body" orient="vert" idx="1"/>
-          </p:nvPr>
-        </p:nvSpPr>
-        <p:spPr/>
-        <p:txBody>
-          <a:bodyPr vert="eaVert"/>
-          <a:lstStyle/>
-          <a:p>
-            <a:pPr lvl="0"/>
-            <a:r>
-              <a:rPr lang="en-US"/>
-              <a:t>Click to edit Master text styles</a:t>
-            </a:r>
-          </a:p>
-          <a:p>
-            <a:pPr lvl="1"/>
-            <a:r>
-              <a:rPr lang="en-US"/>
-              <a:t>Second level</a:t>
-            </a:r>
-          </a:p>
-          <a:p>
-            <a:pPr lvl="2"/>
-            <a:r>
-              <a:rPr lang="en-US"/>
-              <a:t>Third level</a:t>
-            </a:r>
-          </a:p>
-          <a:p>
-            <a:pPr lvl="3"/>
-            <a:r>
-              <a:rPr lang="en-US"/>
-              <a:t>Fourth level</a:t>
-            </a:r>
-          </a:p>
-          <a:p>
-            <a:pPr lvl="4"/>
-            <a:r>
-              <a:rPr lang="en-US"/>
-              <a:t>Fifth level</a:t>
-            </a:r>
-          </a:p>
-        </p:txBody>
-      </p:sp>
-      <p:sp>
-        <p:nvSpPr>
-          <p:cNvPr id="4" name="TextBox 3">
-            <a:extLst>
-              <a:ext uri="{FF2B5EF4-FFF2-40B4-BE49-F238E27FC236}">
-                <a16:creationId xmlns:a16="http://schemas.microsoft.com/office/drawing/2014/main" id="{25C6357C-791E-99DF-9831-F206D55006C7}"/>
-              </a:ext>
-            </a:extLst>
-          </p:cNvPr>
-          <p:cNvSpPr txBox="1"/>
-          <p:nvPr userDrawn="1"/>
-        </p:nvSpPr>
-        <p:spPr>
-          <a:xfrm rot="5400000">
-            <a:off x="-2090098" y="3557201"/>
-            <a:ext cx="4609595" cy="276999"/>
-          </a:xfrm>
-          <a:prstGeom prst="rect">
-            <a:avLst/>
-          </a:prstGeom>
-          <a:noFill/>
-        </p:spPr>
-        <p:txBody>
-          <a:bodyPr wrap="none" rtlCol="0">
-            <a:spAutoFit/>
-          </a:bodyPr>
-          <a:lstStyle/>
-          <a:p>
-            <a:pPr algn="ctr"/>
-            <a:r>
-              <a:rPr lang="en-US" sz="1200">
-                <a:solidFill>
-                  <a:schemeClr val="accent3"/>
-                </a:solidFill>
-                <a:latin typeface="Open Sans" panose="020B0606030504020204" pitchFamily="34" charset="0"/>
-                <a:ea typeface="Open Sans" panose="020B0606030504020204" pitchFamily="34" charset="0"/>
-                <a:cs typeface="Open Sans" panose="020B0606030504020204" pitchFamily="34" charset="0"/>
-              </a:rPr>
-              <a:t>Michael Ball | UC Berkeley | https://c88c.org | © CC BY-NC-SA</a:t>
-            </a:r>
-          </a:p>
-        </p:txBody>
-      </p:sp>
-    </p:spTree>
-    <p:extLst>
-      <p:ext uri="{BB962C8B-B14F-4D97-AF65-F5344CB8AC3E}">
-        <p14:creationId xmlns:p14="http://schemas.microsoft.com/office/powerpoint/2010/main" val="2538853617"/>
-      </p:ext>
-    </p:extLst>
-  </p:cSld>
-  <p:clrMapOvr>
-    <a:masterClrMapping/>
-  </p:clrMapOvr>
-</p:sldLayout>
-</file>
-
-<file path=ppt/slideLayouts/slideLayout14.xml><?xml version="1.0" encoding="utf-8"?>
-<p:sldLayout xmlns:a="http://schemas.openxmlformats.org/drawingml/2006/main" xmlns:r="http://schemas.openxmlformats.org/officeDocument/2006/relationships" xmlns:p="http://schemas.openxmlformats.org/presentationml/2006/main" preserve="1" userDrawn="1">
-  <p:cSld name="1_Comparison">
-    <p:spTree>
-      <p:nvGrpSpPr>
-        <p:cNvPr id="1" name=""/>
-        <p:cNvGrpSpPr/>
-        <p:nvPr/>
-      </p:nvGrpSpPr>
-      <p:grpSpPr>
-        <a:xfrm>
-          <a:off x="0" y="0"/>
-          <a:ext cx="0" cy="0"/>
-          <a:chOff x="0" y="0"/>
-          <a:chExt cx="0" cy="0"/>
-        </a:xfrm>
-      </p:grpSpPr>
-      <p:sp>
-        <p:nvSpPr>
           <p:cNvPr id="3" name="Text Placeholder 2"/>
           <p:cNvSpPr>
             <a:spLocks noGrp="1"/>
@@ -4049,7 +6822,7 @@
           <a:p>
             <a:pPr lvl="0"/>
             <a:r>
-              <a:rPr lang="en-US" dirty="0"/>
+              <a:rPr lang="en-US"/>
               <a:t>Click to edit Master text styles</a:t>
             </a:r>
           </a:p>
@@ -4105,37 +6878,38 @@
           <a:p>
             <a:pPr lvl="0"/>
             <a:r>
-              <a:rPr lang="en-US" dirty="0"/>
+              <a:rPr lang="en-US"/>
               <a:t>Click to edit Master text styles</a:t>
             </a:r>
           </a:p>
           <a:p>
             <a:pPr lvl="1"/>
             <a:r>
-              <a:rPr lang="en-US" dirty="0"/>
+              <a:rPr lang="en-US"/>
               <a:t>Second level</a:t>
             </a:r>
           </a:p>
           <a:p>
             <a:pPr lvl="2"/>
             <a:r>
-              <a:rPr lang="en-US" dirty="0"/>
+              <a:rPr lang="en-US"/>
               <a:t>Third level</a:t>
             </a:r>
           </a:p>
           <a:p>
             <a:pPr lvl="3"/>
             <a:r>
-              <a:rPr lang="en-US" dirty="0"/>
+              <a:rPr lang="en-US"/>
               <a:t>Fourth level</a:t>
             </a:r>
           </a:p>
           <a:p>
             <a:pPr lvl="4"/>
             <a:r>
-              <a:rPr lang="en-US" dirty="0"/>
+              <a:rPr lang="en-US"/>
               <a:t>Fifth level</a:t>
             </a:r>
+            <a:endParaRPr lang="en-US" dirty="0"/>
           </a:p>
         </p:txBody>
       </p:sp>
@@ -4198,7 +6972,7 @@
           <a:p>
             <a:pPr lvl="0"/>
             <a:r>
-              <a:rPr lang="en-US" dirty="0"/>
+              <a:rPr lang="en-US"/>
               <a:t>Click to edit Master text styles</a:t>
             </a:r>
           </a:p>
@@ -4254,37 +7028,38 @@
           <a:p>
             <a:pPr lvl="0"/>
             <a:r>
-              <a:rPr lang="en-US" dirty="0"/>
+              <a:rPr lang="en-US"/>
               <a:t>Click to edit Master text styles</a:t>
             </a:r>
           </a:p>
           <a:p>
             <a:pPr lvl="1"/>
             <a:r>
-              <a:rPr lang="en-US" dirty="0"/>
+              <a:rPr lang="en-US"/>
               <a:t>Second level</a:t>
             </a:r>
           </a:p>
           <a:p>
             <a:pPr lvl="2"/>
             <a:r>
-              <a:rPr lang="en-US" dirty="0"/>
+              <a:rPr lang="en-US"/>
               <a:t>Third level</a:t>
             </a:r>
           </a:p>
           <a:p>
             <a:pPr lvl="3"/>
             <a:r>
-              <a:rPr lang="en-US" dirty="0"/>
+              <a:rPr lang="en-US"/>
               <a:t>Fourth level</a:t>
             </a:r>
           </a:p>
           <a:p>
             <a:pPr lvl="4"/>
             <a:r>
-              <a:rPr lang="en-US" dirty="0"/>
+              <a:rPr lang="en-US"/>
               <a:t>Fifth level</a:t>
             </a:r>
+            <a:endParaRPr lang="en-US" dirty="0"/>
           </a:p>
         </p:txBody>
       </p:sp>
@@ -4319,50 +7094,17 @@
           </a:lstStyle>
           <a:p>
             <a:r>
-              <a:rPr lang="en-US" dirty="0"/>
+              <a:rPr lang="en-US"/>
               <a:t>Click to edit Master title style</a:t>
             </a:r>
-          </a:p>
-        </p:txBody>
-      </p:sp>
-      <p:sp>
-        <p:nvSpPr>
-          <p:cNvPr id="7" name="Footer Placeholder 6">
-            <a:extLst>
-              <a:ext uri="{FF2B5EF4-FFF2-40B4-BE49-F238E27FC236}">
-                <a16:creationId xmlns:a16="http://schemas.microsoft.com/office/drawing/2014/main" id="{B8EDAE3B-4F9B-E1D9-6A36-666A736E6FC0}"/>
-              </a:ext>
-            </a:extLst>
-          </p:cNvPr>
-          <p:cNvSpPr>
-            <a:spLocks noGrp="1"/>
-          </p:cNvSpPr>
-          <p:nvPr>
-            <p:ph type="ftr" sz="quarter" idx="10"/>
-          </p:nvPr>
-        </p:nvSpPr>
-        <p:spPr/>
-        <p:txBody>
-          <a:bodyPr/>
-          <a:lstStyle>
-            <a:lvl1pPr>
-              <a:defRPr b="0" i="0">
-                <a:latin typeface="FreightMicro Pro Medium" panose="02000603020000020004" pitchFamily="2" charset="0"/>
-              </a:defRPr>
-            </a:lvl1pPr>
-          </a:lstStyle>
-          <a:p>
-            <a:r>
-              <a:rPr lang="en-US" dirty="0"/>
-              <a:t>Michael Ball | UC Berkeley | https://c88c.org | © CC BY-NC-SA</a:t>
-            </a:r>
+            <a:endParaRPr lang="en-US" dirty="0"/>
           </a:p>
         </p:txBody>
       </p:sp>
     </p:spTree>
     <p:extLst>
       <p:ext uri="{BB962C8B-B14F-4D97-AF65-F5344CB8AC3E}">
-        <p14:creationId xmlns:p14="http://schemas.microsoft.com/office/powerpoint/2010/main" val="2655436318"/>
+        <p14:creationId xmlns:p14="http://schemas.microsoft.com/office/powerpoint/2010/main" val="3094859116"/>
       </p:ext>
     </p:extLst>
   </p:cSld>
@@ -4372,9 +7114,9 @@
 </p:sldLayout>
 </file>
 
-<file path=ppt/slideLayouts/slideLayout15.xml><?xml version="1.0" encoding="utf-8"?>
-<p:sldLayout xmlns:a="http://schemas.openxmlformats.org/drawingml/2006/main" xmlns:r="http://schemas.openxmlformats.org/officeDocument/2006/relationships" xmlns:p="http://schemas.openxmlformats.org/presentationml/2006/main" type="tx" preserve="1">
-  <p:cSld name="1_Title Slide">
+<file path=ppt/slideLayouts/slideLayout22.xml><?xml version="1.0" encoding="utf-8"?>
+<p:sldLayout xmlns:a="http://schemas.openxmlformats.org/drawingml/2006/main" xmlns:r="http://schemas.openxmlformats.org/officeDocument/2006/relationships" xmlns:p="http://schemas.openxmlformats.org/presentationml/2006/main" preserve="1" userDrawn="1">
+  <p:cSld name="5_Comparison">
     <p:spTree>
       <p:nvGrpSpPr>
         <p:cNvPr id="1" name=""/>
@@ -4391,609 +7133,6 @@
       </p:grpSpPr>
       <p:sp>
         <p:nvSpPr>
-          <p:cNvPr id="50" name="PlaceHolder 1"/>
-          <p:cNvSpPr>
-            <a:spLocks noGrp="1"/>
-          </p:cNvSpPr>
-          <p:nvPr>
-            <p:ph type="title"/>
-          </p:nvPr>
-        </p:nvSpPr>
-        <p:spPr>
-          <a:xfrm>
-            <a:off x="914400" y="228600"/>
-            <a:ext cx="10260960" cy="736200"/>
-          </a:xfrm>
-          <a:prstGeom prst="rect">
-            <a:avLst/>
-          </a:prstGeom>
-        </p:spPr>
-        <p:txBody>
-          <a:bodyPr lIns="0" tIns="0" rIns="0" bIns="0" anchor="ctr"/>
-          <a:lstStyle>
-            <a:lvl1pPr>
-              <a:defRPr b="0" i="0">
-                <a:latin typeface="Open Sans" panose="020B0606030504020204"/>
-              </a:defRPr>
-            </a:lvl1pPr>
-          </a:lstStyle>
-          <a:p>
-            <a:endParaRPr lang="en-US" sz="788" b="0" strike="noStrike" spc="-1" dirty="0">
-              <a:solidFill>
-                <a:srgbClr val="000000"/>
-              </a:solidFill>
-              <a:uFill>
-                <a:solidFill>
-                  <a:srgbClr val="FFFFFF"/>
-                </a:solidFill>
-              </a:uFill>
-              <a:latin typeface="Arial"/>
-            </a:endParaRPr>
-          </a:p>
-        </p:txBody>
-      </p:sp>
-      <p:sp>
-        <p:nvSpPr>
-          <p:cNvPr id="51" name="PlaceHolder 2"/>
-          <p:cNvSpPr>
-            <a:spLocks noGrp="1"/>
-          </p:cNvSpPr>
-          <p:nvPr>
-            <p:ph type="subTitle"/>
-          </p:nvPr>
-        </p:nvSpPr>
-        <p:spPr>
-          <a:xfrm>
-            <a:off x="914400" y="1066680"/>
-            <a:ext cx="10159680" cy="5257440"/>
-          </a:xfrm>
-          <a:prstGeom prst="rect">
-            <a:avLst/>
-          </a:prstGeom>
-        </p:spPr>
-        <p:txBody>
-          <a:bodyPr lIns="0" tIns="0" rIns="0" bIns="0" anchor="ctr"/>
-          <a:lstStyle>
-            <a:lvl1pPr>
-              <a:defRPr b="0" i="0">
-                <a:latin typeface="Open Sans" panose="020B0606030504020204"/>
-              </a:defRPr>
-            </a:lvl1pPr>
-          </a:lstStyle>
-          <a:p>
-            <a:pPr algn="ctr"/>
-            <a:endParaRPr lang="en-US" sz="1800" b="0" strike="noStrike" spc="-1" dirty="0">
-              <a:solidFill>
-                <a:srgbClr val="000000"/>
-              </a:solidFill>
-              <a:uFill>
-                <a:solidFill>
-                  <a:srgbClr val="FFFFFF"/>
-                </a:solidFill>
-              </a:uFill>
-              <a:latin typeface="Arial"/>
-            </a:endParaRPr>
-          </a:p>
-        </p:txBody>
-      </p:sp>
-      <p:sp>
-        <p:nvSpPr>
-          <p:cNvPr id="3" name="Footer Placeholder 2">
-            <a:extLst>
-              <a:ext uri="{FF2B5EF4-FFF2-40B4-BE49-F238E27FC236}">
-                <a16:creationId xmlns:a16="http://schemas.microsoft.com/office/drawing/2014/main" id="{87452491-A029-4B13-92F1-12DB3B77C8B1}"/>
-              </a:ext>
-            </a:extLst>
-          </p:cNvPr>
-          <p:cNvSpPr>
-            <a:spLocks noGrp="1"/>
-          </p:cNvSpPr>
-          <p:nvPr>
-            <p:ph type="ftr" sz="quarter" idx="10"/>
-          </p:nvPr>
-        </p:nvSpPr>
-        <p:spPr/>
-        <p:txBody>
-          <a:bodyPr/>
-          <a:lstStyle>
-            <a:lvl1pPr>
-              <a:defRPr b="0" i="0">
-                <a:latin typeface="FreightMicro Pro Medium" panose="02000603020000020004" pitchFamily="2" charset="0"/>
-              </a:defRPr>
-            </a:lvl1pPr>
-          </a:lstStyle>
-          <a:p>
-            <a:r>
-              <a:rPr lang="en-US" dirty="0"/>
-              <a:t>Michael Ball | UC Berkeley | https://c88c.org | © CC BY-NC-SA</a:t>
-            </a:r>
-          </a:p>
-        </p:txBody>
-      </p:sp>
-    </p:spTree>
-    <p:extLst>
-      <p:ext uri="{BB962C8B-B14F-4D97-AF65-F5344CB8AC3E}">
-        <p14:creationId xmlns:p14="http://schemas.microsoft.com/office/powerpoint/2010/main" val="2230994156"/>
-      </p:ext>
-    </p:extLst>
-  </p:cSld>
-  <p:clrMapOvr>
-    <a:masterClrMapping/>
-  </p:clrMapOvr>
-</p:sldLayout>
-</file>
-
-<file path=ppt/slideLayouts/slideLayout16.xml><?xml version="1.0" encoding="utf-8"?>
-<p:sldLayout xmlns:a="http://schemas.openxmlformats.org/drawingml/2006/main" xmlns:r="http://schemas.openxmlformats.org/officeDocument/2006/relationships" xmlns:p="http://schemas.openxmlformats.org/presentationml/2006/main" preserve="1" userDrawn="1">
-  <p:cSld name="1_CITN">
-    <p:spTree>
-      <p:nvGrpSpPr>
-        <p:cNvPr id="1" name=""/>
-        <p:cNvGrpSpPr/>
-        <p:nvPr/>
-      </p:nvGrpSpPr>
-      <p:grpSpPr>
-        <a:xfrm>
-          <a:off x="0" y="0"/>
-          <a:ext cx="0" cy="0"/>
-          <a:chOff x="0" y="0"/>
-          <a:chExt cx="0" cy="0"/>
-        </a:xfrm>
-      </p:grpSpPr>
-      <p:sp>
-        <p:nvSpPr>
-          <p:cNvPr id="2" name="Title 1">
-            <a:extLst>
-              <a:ext uri="{FF2B5EF4-FFF2-40B4-BE49-F238E27FC236}">
-                <a16:creationId xmlns:a16="http://schemas.microsoft.com/office/drawing/2014/main" id="{CE0E1852-78FC-D3F3-C972-F219664A4F94}"/>
-              </a:ext>
-            </a:extLst>
-          </p:cNvPr>
-          <p:cNvSpPr>
-            <a:spLocks noGrp="1"/>
-          </p:cNvSpPr>
-          <p:nvPr>
-            <p:ph type="title" hasCustomPrompt="1"/>
-          </p:nvPr>
-        </p:nvSpPr>
-        <p:spPr/>
-        <p:txBody>
-          <a:bodyPr/>
-          <a:lstStyle/>
-          <a:p>
-            <a:r>
-              <a:rPr lang="en-US" dirty="0"/>
-              <a:t>CITN</a:t>
-            </a:r>
-          </a:p>
-        </p:txBody>
-      </p:sp>
-      <p:sp>
-        <p:nvSpPr>
-          <p:cNvPr id="5" name="Text Placeholder 4">
-            <a:extLst>
-              <a:ext uri="{FF2B5EF4-FFF2-40B4-BE49-F238E27FC236}">
-                <a16:creationId xmlns:a16="http://schemas.microsoft.com/office/drawing/2014/main" id="{997D5024-0F78-8518-088C-2091FD4977F0}"/>
-              </a:ext>
-            </a:extLst>
-          </p:cNvPr>
-          <p:cNvSpPr>
-            <a:spLocks noGrp="1"/>
-          </p:cNvSpPr>
-          <p:nvPr>
-            <p:ph type="body" sz="quarter" idx="11"/>
-          </p:nvPr>
-        </p:nvSpPr>
-        <p:spPr>
-          <a:xfrm>
-            <a:off x="381000" y="1066800"/>
-            <a:ext cx="7924800" cy="5257800"/>
-          </a:xfrm>
-        </p:spPr>
-        <p:txBody>
-          <a:bodyPr>
-            <a:normAutofit/>
-          </a:bodyPr>
-          <a:lstStyle>
-            <a:lvl1pPr marL="0" indent="0" algn="just">
-              <a:buNone/>
-              <a:defRPr sz="2000"/>
-            </a:lvl1pPr>
-            <a:lvl2pPr marL="192881" indent="0" algn="just">
-              <a:buNone/>
-              <a:defRPr/>
-            </a:lvl2pPr>
-            <a:lvl3pPr marL="385763" indent="0" algn="just">
-              <a:buNone/>
-              <a:defRPr/>
-            </a:lvl3pPr>
-            <a:lvl4pPr marL="578644" indent="0" algn="just">
-              <a:buNone/>
-              <a:defRPr/>
-            </a:lvl4pPr>
-            <a:lvl5pPr marL="771525" indent="0" algn="just">
-              <a:buNone/>
-              <a:defRPr/>
-            </a:lvl5pPr>
-          </a:lstStyle>
-          <a:p>
-            <a:pPr lvl="0"/>
-            <a:r>
-              <a:rPr lang="en-US" dirty="0"/>
-              <a:t>Click to edit Master text styles</a:t>
-            </a:r>
-          </a:p>
-          <a:p>
-            <a:pPr lvl="0"/>
-            <a:r>
-              <a:rPr lang="en-US" dirty="0"/>
-              <a:t>Second level</a:t>
-            </a:r>
-          </a:p>
-        </p:txBody>
-      </p:sp>
-      <p:sp>
-        <p:nvSpPr>
-          <p:cNvPr id="7" name="Picture Placeholder 6">
-            <a:extLst>
-              <a:ext uri="{FF2B5EF4-FFF2-40B4-BE49-F238E27FC236}">
-                <a16:creationId xmlns:a16="http://schemas.microsoft.com/office/drawing/2014/main" id="{908115F0-EE99-B62A-B436-CE068D384E25}"/>
-              </a:ext>
-            </a:extLst>
-          </p:cNvPr>
-          <p:cNvSpPr>
-            <a:spLocks noGrp="1"/>
-          </p:cNvSpPr>
-          <p:nvPr>
-            <p:ph type="pic" sz="quarter" idx="12"/>
-          </p:nvPr>
-        </p:nvSpPr>
-        <p:spPr>
-          <a:xfrm>
-            <a:off x="8458200" y="152400"/>
-            <a:ext cx="3276600" cy="2286000"/>
-          </a:xfrm>
-        </p:spPr>
-        <p:txBody>
-          <a:bodyPr/>
-          <a:lstStyle/>
-          <a:p>
-            <a:endParaRPr lang="en-US"/>
-          </a:p>
-        </p:txBody>
-      </p:sp>
-      <p:sp>
-        <p:nvSpPr>
-          <p:cNvPr id="6" name="Footer Placeholder 5">
-            <a:extLst>
-              <a:ext uri="{FF2B5EF4-FFF2-40B4-BE49-F238E27FC236}">
-                <a16:creationId xmlns:a16="http://schemas.microsoft.com/office/drawing/2014/main" id="{F3DAD039-3F0B-EE63-8523-7285720D1B2D}"/>
-              </a:ext>
-            </a:extLst>
-          </p:cNvPr>
-          <p:cNvSpPr>
-            <a:spLocks noGrp="1"/>
-          </p:cNvSpPr>
-          <p:nvPr>
-            <p:ph type="ftr" sz="quarter" idx="13"/>
-          </p:nvPr>
-        </p:nvSpPr>
-        <p:spPr/>
-        <p:txBody>
-          <a:bodyPr/>
-          <a:lstStyle>
-            <a:lvl1pPr>
-              <a:defRPr b="0" i="0">
-                <a:latin typeface="FreightMicro Pro Medium" panose="02000603020000020004" pitchFamily="2" charset="0"/>
-              </a:defRPr>
-            </a:lvl1pPr>
-          </a:lstStyle>
-          <a:p>
-            <a:r>
-              <a:rPr lang="en-US" dirty="0"/>
-              <a:t>Michael Ball | UC Berkeley | https://c88c.org | © CC BY-NC-SA</a:t>
-            </a:r>
-          </a:p>
-        </p:txBody>
-      </p:sp>
-    </p:spTree>
-    <p:extLst>
-      <p:ext uri="{BB962C8B-B14F-4D97-AF65-F5344CB8AC3E}">
-        <p14:creationId xmlns:p14="http://schemas.microsoft.com/office/powerpoint/2010/main" val="3475152237"/>
-      </p:ext>
-    </p:extLst>
-  </p:cSld>
-  <p:clrMapOvr>
-    <a:masterClrMapping/>
-  </p:clrMapOvr>
-</p:sldLayout>
-</file>
-
-<file path=ppt/slideLayouts/slideLayout17.xml><?xml version="1.0" encoding="utf-8"?>
-<p:sldLayout xmlns:a="http://schemas.openxmlformats.org/drawingml/2006/main" xmlns:r="http://schemas.openxmlformats.org/officeDocument/2006/relationships" xmlns:p="http://schemas.openxmlformats.org/presentationml/2006/main" preserve="1" userDrawn="1">
-  <p:cSld name="1_Code">
-    <p:spTree>
-      <p:nvGrpSpPr>
-        <p:cNvPr id="1" name=""/>
-        <p:cNvGrpSpPr/>
-        <p:nvPr/>
-      </p:nvGrpSpPr>
-      <p:grpSpPr>
-        <a:xfrm>
-          <a:off x="0" y="0"/>
-          <a:ext cx="0" cy="0"/>
-          <a:chOff x="0" y="0"/>
-          <a:chExt cx="0" cy="0"/>
-        </a:xfrm>
-      </p:grpSpPr>
-      <p:sp>
-        <p:nvSpPr>
-          <p:cNvPr id="2" name="Title 1">
-            <a:extLst>
-              <a:ext uri="{FF2B5EF4-FFF2-40B4-BE49-F238E27FC236}">
-                <a16:creationId xmlns:a16="http://schemas.microsoft.com/office/drawing/2014/main" id="{5639E935-D3CA-F2F6-7481-6CC2EA5CE39E}"/>
-              </a:ext>
-            </a:extLst>
-          </p:cNvPr>
-          <p:cNvSpPr>
-            <a:spLocks noGrp="1"/>
-          </p:cNvSpPr>
-          <p:nvPr>
-            <p:ph type="title"/>
-          </p:nvPr>
-        </p:nvSpPr>
-        <p:spPr/>
-        <p:txBody>
-          <a:bodyPr/>
-          <a:lstStyle/>
-          <a:p>
-            <a:r>
-              <a:rPr lang="en-US"/>
-              <a:t>Click to edit Master title style</a:t>
-            </a:r>
-          </a:p>
-        </p:txBody>
-      </p:sp>
-      <p:sp>
-        <p:nvSpPr>
-          <p:cNvPr id="4" name="Content Placeholder 2">
-            <a:extLst>
-              <a:ext uri="{FF2B5EF4-FFF2-40B4-BE49-F238E27FC236}">
-                <a16:creationId xmlns:a16="http://schemas.microsoft.com/office/drawing/2014/main" id="{3B82928C-C2C6-56F3-58DC-18D2AB8BF666}"/>
-              </a:ext>
-            </a:extLst>
-          </p:cNvPr>
-          <p:cNvSpPr>
-            <a:spLocks noGrp="1"/>
-          </p:cNvSpPr>
-          <p:nvPr>
-            <p:ph idx="1"/>
-          </p:nvPr>
-        </p:nvSpPr>
-        <p:spPr>
-          <a:xfrm>
-            <a:off x="533400" y="1066800"/>
-            <a:ext cx="8763000" cy="2514600"/>
-          </a:xfrm>
-        </p:spPr>
-        <p:txBody>
-          <a:bodyPr/>
-          <a:lstStyle>
-            <a:lvl1pPr>
-              <a:defRPr sz="2200" b="0" i="0" baseline="0">
-                <a:latin typeface="Open Sans" panose="020B0606030504020204" pitchFamily="34" charset="0"/>
-                <a:ea typeface="Open Sans" panose="020B0606030504020204" pitchFamily="34" charset="0"/>
-                <a:cs typeface="Open Sans" panose="020B0606030504020204" pitchFamily="34" charset="0"/>
-              </a:defRPr>
-            </a:lvl1pPr>
-            <a:lvl2pPr>
-              <a:defRPr sz="2200" b="0" i="0" baseline="0">
-                <a:latin typeface="Open Sans" panose="020B0606030504020204" pitchFamily="34" charset="0"/>
-                <a:ea typeface="Open Sans" panose="020B0606030504020204" pitchFamily="34" charset="0"/>
-                <a:cs typeface="Open Sans" panose="020B0606030504020204" pitchFamily="34" charset="0"/>
-              </a:defRPr>
-            </a:lvl2pPr>
-            <a:lvl3pPr>
-              <a:defRPr sz="2000" b="0" i="0" baseline="0">
-                <a:latin typeface="Open Sans" panose="020B0606030504020204" pitchFamily="34" charset="0"/>
-                <a:ea typeface="Open Sans" panose="020B0606030504020204" pitchFamily="34" charset="0"/>
-                <a:cs typeface="Open Sans" panose="020B0606030504020204" pitchFamily="34" charset="0"/>
-              </a:defRPr>
-            </a:lvl3pPr>
-            <a:lvl4pPr>
-              <a:defRPr sz="2000" b="0" i="0" baseline="0">
-                <a:latin typeface="Open Sans" panose="020B0606030504020204" pitchFamily="34" charset="0"/>
-                <a:ea typeface="Open Sans" panose="020B0606030504020204" pitchFamily="34" charset="0"/>
-                <a:cs typeface="Open Sans" panose="020B0606030504020204" pitchFamily="34" charset="0"/>
-              </a:defRPr>
-            </a:lvl4pPr>
-            <a:lvl5pPr>
-              <a:defRPr sz="1800" b="0" i="0" baseline="0">
-                <a:latin typeface="Open Sans" panose="020B0606030504020204" pitchFamily="34" charset="0"/>
-                <a:ea typeface="Open Sans" panose="020B0606030504020204" pitchFamily="34" charset="0"/>
-                <a:cs typeface="Open Sans" panose="020B0606030504020204" pitchFamily="34" charset="0"/>
-              </a:defRPr>
-            </a:lvl5pPr>
-          </a:lstStyle>
-          <a:p>
-            <a:pPr lvl="0"/>
-            <a:r>
-              <a:rPr lang="en-US" dirty="0"/>
-              <a:t>Click to edit Master text styles</a:t>
-            </a:r>
-          </a:p>
-          <a:p>
-            <a:pPr lvl="1"/>
-            <a:r>
-              <a:rPr lang="en-US" dirty="0"/>
-              <a:t>Second level</a:t>
-            </a:r>
-          </a:p>
-          <a:p>
-            <a:pPr lvl="2"/>
-            <a:r>
-              <a:rPr lang="en-US" dirty="0"/>
-              <a:t>Third level</a:t>
-            </a:r>
-          </a:p>
-          <a:p>
-            <a:pPr lvl="3"/>
-            <a:r>
-              <a:rPr lang="en-US" dirty="0"/>
-              <a:t>Fourth level</a:t>
-            </a:r>
-          </a:p>
-          <a:p>
-            <a:pPr lvl="4"/>
-            <a:r>
-              <a:rPr lang="en-US" dirty="0"/>
-              <a:t>Fifth level</a:t>
-            </a:r>
-          </a:p>
-        </p:txBody>
-      </p:sp>
-      <p:sp>
-        <p:nvSpPr>
-          <p:cNvPr id="7" name="Text Placeholder 6">
-            <a:extLst>
-              <a:ext uri="{FF2B5EF4-FFF2-40B4-BE49-F238E27FC236}">
-                <a16:creationId xmlns:a16="http://schemas.microsoft.com/office/drawing/2014/main" id="{A0B3683A-E9D6-DD15-0B31-95D169D29D33}"/>
-              </a:ext>
-            </a:extLst>
-          </p:cNvPr>
-          <p:cNvSpPr>
-            <a:spLocks noGrp="1"/>
-          </p:cNvSpPr>
-          <p:nvPr>
-            <p:ph type="body" sz="quarter" idx="11" hasCustomPrompt="1"/>
-          </p:nvPr>
-        </p:nvSpPr>
-        <p:spPr>
-          <a:xfrm>
-            <a:off x="533400" y="3733800"/>
-            <a:ext cx="8763000" cy="2514600"/>
-          </a:xfrm>
-        </p:spPr>
-        <p:txBody>
-          <a:bodyPr/>
-          <a:lstStyle>
-            <a:lvl1pPr marL="0" indent="0">
-              <a:buNone/>
-              <a:defRPr/>
-            </a:lvl1pPr>
-          </a:lstStyle>
-          <a:p>
-            <a:r>
-              <a:rPr lang="en-US" b="0" i="0" dirty="0">
-                <a:latin typeface="Source Code Pro" panose="020B0509030403020204" pitchFamily="49" charset="0"/>
-                <a:ea typeface="Source Code Pro" panose="020B0509030403020204" pitchFamily="49" charset="0"/>
-              </a:rPr>
-              <a:t>Python Code:</a:t>
-            </a:r>
-          </a:p>
-          <a:p>
-            <a:r>
-              <a:rPr lang="en-US" b="0" i="0" dirty="0">
-                <a:latin typeface="Source Code Pro" panose="020B0509030403020204" pitchFamily="49" charset="0"/>
-                <a:ea typeface="Source Code Pro" panose="020B0509030403020204" pitchFamily="49" charset="0"/>
-              </a:rPr>
-              <a:t>&gt;&gt;&gt; </a:t>
-            </a:r>
-          </a:p>
-          <a:p>
-            <a:r>
-              <a:rPr lang="en-US" b="0" i="0" dirty="0">
-                <a:latin typeface="Source Code Pro" panose="020B0509030403020204" pitchFamily="49" charset="0"/>
-                <a:ea typeface="Source Code Pro" panose="020B0509030403020204" pitchFamily="49" charset="0"/>
-              </a:rPr>
-              <a:t>Terminal Commands:</a:t>
-            </a:r>
-            <a:br>
-              <a:rPr lang="en-US" b="0" i="0" dirty="0">
-                <a:latin typeface="Source Code Pro" panose="020B0509030403020204" pitchFamily="49" charset="0"/>
-                <a:ea typeface="Source Code Pro" panose="020B0509030403020204" pitchFamily="49" charset="0"/>
-              </a:rPr>
-            </a:br>
-            <a:r>
-              <a:rPr lang="en-US" b="0" i="0" dirty="0">
-                <a:latin typeface="Source Code Pro" panose="020B0509030403020204" pitchFamily="49" charset="0"/>
-                <a:ea typeface="Source Code Pro" panose="020B0509030403020204" pitchFamily="49" charset="0"/>
-              </a:rPr>
-              <a:t>$ …</a:t>
-            </a:r>
-          </a:p>
-          <a:p>
-            <a:pPr lvl="0"/>
-            <a:endParaRPr lang="en-US" dirty="0"/>
-          </a:p>
-        </p:txBody>
-      </p:sp>
-      <p:sp>
-        <p:nvSpPr>
-          <p:cNvPr id="6" name="Footer Placeholder 5">
-            <a:extLst>
-              <a:ext uri="{FF2B5EF4-FFF2-40B4-BE49-F238E27FC236}">
-                <a16:creationId xmlns:a16="http://schemas.microsoft.com/office/drawing/2014/main" id="{13D56C03-6D79-D18C-760B-B6B4E561C84D}"/>
-              </a:ext>
-            </a:extLst>
-          </p:cNvPr>
-          <p:cNvSpPr>
-            <a:spLocks noGrp="1"/>
-          </p:cNvSpPr>
-          <p:nvPr>
-            <p:ph type="ftr" sz="quarter" idx="12"/>
-          </p:nvPr>
-        </p:nvSpPr>
-        <p:spPr/>
-        <p:txBody>
-          <a:bodyPr/>
-          <a:lstStyle>
-            <a:lvl1pPr>
-              <a:defRPr b="0" i="0">
-                <a:latin typeface="FreightMicro Pro Medium" panose="02000603020000020004" pitchFamily="2" charset="0"/>
-              </a:defRPr>
-            </a:lvl1pPr>
-          </a:lstStyle>
-          <a:p>
-            <a:r>
-              <a:rPr lang="en-US" dirty="0"/>
-              <a:t>Michael Ball | UC Berkeley | https://c88c.org | © CC BY-NC-SA</a:t>
-            </a:r>
-          </a:p>
-        </p:txBody>
-      </p:sp>
-    </p:spTree>
-    <p:extLst>
-      <p:ext uri="{BB962C8B-B14F-4D97-AF65-F5344CB8AC3E}">
-        <p14:creationId xmlns:p14="http://schemas.microsoft.com/office/powerpoint/2010/main" val="1827527337"/>
-      </p:ext>
-    </p:extLst>
-  </p:cSld>
-  <p:clrMapOvr>
-    <a:masterClrMapping/>
-  </p:clrMapOvr>
-</p:sldLayout>
-</file>
-
-<file path=ppt/slideLayouts/slideLayout18.xml><?xml version="1.0" encoding="utf-8"?>
-<p:sldLayout xmlns:a="http://schemas.openxmlformats.org/drawingml/2006/main" xmlns:r="http://schemas.openxmlformats.org/officeDocument/2006/relationships" xmlns:p="http://schemas.openxmlformats.org/presentationml/2006/main" preserve="1" userDrawn="1">
-  <p:cSld name="2_Comparison">
-    <p:spTree>
-      <p:nvGrpSpPr>
-        <p:cNvPr id="1" name=""/>
-        <p:cNvGrpSpPr/>
-        <p:nvPr/>
-      </p:nvGrpSpPr>
-      <p:grpSpPr>
-        <a:xfrm>
-          <a:off x="0" y="0"/>
-          <a:ext cx="0" cy="0"/>
-          <a:chOff x="0" y="0"/>
-          <a:chExt cx="0" cy="0"/>
-        </a:xfrm>
-      </p:grpSpPr>
-      <p:sp>
-        <p:nvSpPr>
           <p:cNvPr id="3" name="Text Placeholder 2"/>
           <p:cNvSpPr>
             <a:spLocks noGrp="1"/>
@@ -5051,7 +7190,7 @@
           <a:p>
             <a:pPr lvl="0"/>
             <a:r>
-              <a:rPr lang="en-US" dirty="0"/>
+              <a:rPr lang="en-US"/>
               <a:t>Click to edit Master text styles</a:t>
             </a:r>
           </a:p>
@@ -5107,37 +7246,38 @@
           <a:p>
             <a:pPr lvl="0"/>
             <a:r>
-              <a:rPr lang="en-US" dirty="0"/>
+              <a:rPr lang="en-US"/>
               <a:t>Click to edit Master text styles</a:t>
             </a:r>
           </a:p>
           <a:p>
             <a:pPr lvl="1"/>
             <a:r>
-              <a:rPr lang="en-US" dirty="0"/>
+              <a:rPr lang="en-US"/>
               <a:t>Second level</a:t>
             </a:r>
           </a:p>
           <a:p>
             <a:pPr lvl="2"/>
             <a:r>
-              <a:rPr lang="en-US" dirty="0"/>
+              <a:rPr lang="en-US"/>
               <a:t>Third level</a:t>
             </a:r>
           </a:p>
           <a:p>
             <a:pPr lvl="3"/>
             <a:r>
-              <a:rPr lang="en-US" dirty="0"/>
+              <a:rPr lang="en-US"/>
               <a:t>Fourth level</a:t>
             </a:r>
           </a:p>
           <a:p>
             <a:pPr lvl="4"/>
             <a:r>
-              <a:rPr lang="en-US" dirty="0"/>
+              <a:rPr lang="en-US"/>
               <a:t>Fifth level</a:t>
             </a:r>
+            <a:endParaRPr lang="en-US" dirty="0"/>
           </a:p>
         </p:txBody>
       </p:sp>
@@ -5200,7 +7340,7 @@
           <a:p>
             <a:pPr lvl="0"/>
             <a:r>
-              <a:rPr lang="en-US" dirty="0"/>
+              <a:rPr lang="en-US"/>
               <a:t>Click to edit Master text styles</a:t>
             </a:r>
           </a:p>
@@ -5256,37 +7396,38 @@
           <a:p>
             <a:pPr lvl="0"/>
             <a:r>
-              <a:rPr lang="en-US" dirty="0"/>
+              <a:rPr lang="en-US"/>
               <a:t>Click to edit Master text styles</a:t>
             </a:r>
           </a:p>
           <a:p>
             <a:pPr lvl="1"/>
             <a:r>
-              <a:rPr lang="en-US" dirty="0"/>
+              <a:rPr lang="en-US"/>
               <a:t>Second level</a:t>
             </a:r>
           </a:p>
           <a:p>
             <a:pPr lvl="2"/>
             <a:r>
-              <a:rPr lang="en-US" dirty="0"/>
+              <a:rPr lang="en-US"/>
               <a:t>Third level</a:t>
             </a:r>
           </a:p>
           <a:p>
             <a:pPr lvl="3"/>
             <a:r>
-              <a:rPr lang="en-US" dirty="0"/>
+              <a:rPr lang="en-US"/>
               <a:t>Fourth level</a:t>
             </a:r>
           </a:p>
           <a:p>
             <a:pPr lvl="4"/>
             <a:r>
-              <a:rPr lang="en-US" dirty="0"/>
+              <a:rPr lang="en-US"/>
               <a:t>Fifth level</a:t>
             </a:r>
+            <a:endParaRPr lang="en-US" dirty="0"/>
           </a:p>
         </p:txBody>
       </p:sp>
@@ -5308,8 +7449,8 @@
         </p:nvSpPr>
         <p:spPr>
           <a:xfrm>
-            <a:off x="0" y="0"/>
-            <a:ext cx="12192000" cy="914400"/>
+            <a:off x="533400" y="228600"/>
+            <a:ext cx="10210800" cy="736600"/>
           </a:xfrm>
         </p:spPr>
         <p:txBody>
@@ -5321,50 +7462,17 @@
           </a:lstStyle>
           <a:p>
             <a:r>
-              <a:rPr lang="en-US" dirty="0"/>
+              <a:rPr lang="en-US"/>
               <a:t>Click to edit Master title style</a:t>
             </a:r>
-          </a:p>
-        </p:txBody>
-      </p:sp>
-      <p:sp>
-        <p:nvSpPr>
-          <p:cNvPr id="7" name="Footer Placeholder 6">
-            <a:extLst>
-              <a:ext uri="{FF2B5EF4-FFF2-40B4-BE49-F238E27FC236}">
-                <a16:creationId xmlns:a16="http://schemas.microsoft.com/office/drawing/2014/main" id="{0C6EE0E2-0155-74C7-B124-ACD06804185E}"/>
-              </a:ext>
-            </a:extLst>
-          </p:cNvPr>
-          <p:cNvSpPr>
-            <a:spLocks noGrp="1"/>
-          </p:cNvSpPr>
-          <p:nvPr>
-            <p:ph type="ftr" sz="quarter" idx="10"/>
-          </p:nvPr>
-        </p:nvSpPr>
-        <p:spPr/>
-        <p:txBody>
-          <a:bodyPr/>
-          <a:lstStyle>
-            <a:lvl1pPr>
-              <a:defRPr b="0" i="0">
-                <a:latin typeface="FreightMicro Pro Medium" panose="02000603020000020004" pitchFamily="2" charset="0"/>
-              </a:defRPr>
-            </a:lvl1pPr>
-          </a:lstStyle>
-          <a:p>
-            <a:r>
-              <a:rPr lang="en-US" dirty="0"/>
-              <a:t>Michael Ball | UC Berkeley | https://c88c.org | © CC BY-NC-SA</a:t>
-            </a:r>
+            <a:endParaRPr lang="en-US" dirty="0"/>
           </a:p>
         </p:txBody>
       </p:sp>
     </p:spTree>
     <p:extLst>
       <p:ext uri="{BB962C8B-B14F-4D97-AF65-F5344CB8AC3E}">
-        <p14:creationId xmlns:p14="http://schemas.microsoft.com/office/powerpoint/2010/main" val="1837549814"/>
+        <p14:creationId xmlns:p14="http://schemas.microsoft.com/office/powerpoint/2010/main" val="401907928"/>
       </p:ext>
     </p:extLst>
   </p:cSld>
@@ -5374,408 +7482,9 @@
 </p:sldLayout>
 </file>
 
-<file path=ppt/slideLayouts/slideLayout19.xml><?xml version="1.0" encoding="utf-8"?>
-<p:sldLayout xmlns:a="http://schemas.openxmlformats.org/drawingml/2006/main" xmlns:r="http://schemas.openxmlformats.org/officeDocument/2006/relationships" xmlns:p="http://schemas.openxmlformats.org/presentationml/2006/main" preserve="1" userDrawn="1">
-  <p:cSld name="3_Comparison">
-    <p:spTree>
-      <p:nvGrpSpPr>
-        <p:cNvPr id="1" name=""/>
-        <p:cNvGrpSpPr/>
-        <p:nvPr/>
-      </p:nvGrpSpPr>
-      <p:grpSpPr>
-        <a:xfrm>
-          <a:off x="0" y="0"/>
-          <a:ext cx="0" cy="0"/>
-          <a:chOff x="0" y="0"/>
-          <a:chExt cx="0" cy="0"/>
-        </a:xfrm>
-      </p:grpSpPr>
-      <p:sp>
-        <p:nvSpPr>
-          <p:cNvPr id="3" name="Text Placeholder 2"/>
-          <p:cNvSpPr>
-            <a:spLocks noGrp="1"/>
-          </p:cNvSpPr>
-          <p:nvPr>
-            <p:ph type="body" idx="1"/>
-          </p:nvPr>
-        </p:nvSpPr>
-        <p:spPr>
-          <a:xfrm>
-            <a:off x="533400" y="1143000"/>
-            <a:ext cx="5463117" cy="639762"/>
-          </a:xfrm>
-        </p:spPr>
-        <p:txBody>
-          <a:bodyPr anchor="b"/>
-          <a:lstStyle>
-            <a:lvl1pPr marL="0" indent="0">
-              <a:buNone/>
-              <a:defRPr sz="1013" b="0"/>
-            </a:lvl1pPr>
-            <a:lvl2pPr marL="192881" indent="0">
-              <a:buNone/>
-              <a:defRPr sz="844" b="1"/>
-            </a:lvl2pPr>
-            <a:lvl3pPr marL="385763" indent="0">
-              <a:buNone/>
-              <a:defRPr sz="760" b="1"/>
-            </a:lvl3pPr>
-            <a:lvl4pPr marL="578644" indent="0">
-              <a:buNone/>
-              <a:defRPr sz="675" b="1"/>
-            </a:lvl4pPr>
-            <a:lvl5pPr marL="771525" indent="0">
-              <a:buNone/>
-              <a:defRPr sz="675" b="1"/>
-            </a:lvl5pPr>
-            <a:lvl6pPr marL="964406" indent="0">
-              <a:buNone/>
-              <a:defRPr sz="675" b="1"/>
-            </a:lvl6pPr>
-            <a:lvl7pPr marL="1157288" indent="0">
-              <a:buNone/>
-              <a:defRPr sz="675" b="1"/>
-            </a:lvl7pPr>
-            <a:lvl8pPr marL="1350169" indent="0">
-              <a:buNone/>
-              <a:defRPr sz="675" b="1"/>
-            </a:lvl8pPr>
-            <a:lvl9pPr marL="1543050" indent="0">
-              <a:buNone/>
-              <a:defRPr sz="675" b="1"/>
-            </a:lvl9pPr>
-          </a:lstStyle>
-          <a:p>
-            <a:pPr lvl="0"/>
-            <a:r>
-              <a:rPr lang="en-US" dirty="0"/>
-              <a:t>Click to edit Master text styles</a:t>
-            </a:r>
-          </a:p>
-        </p:txBody>
-      </p:sp>
-      <p:sp>
-        <p:nvSpPr>
-          <p:cNvPr id="4" name="Content Placeholder 3"/>
-          <p:cNvSpPr>
-            <a:spLocks noGrp="1"/>
-          </p:cNvSpPr>
-          <p:nvPr>
-            <p:ph sz="half" idx="2"/>
-          </p:nvPr>
-        </p:nvSpPr>
-        <p:spPr>
-          <a:xfrm>
-            <a:off x="531284" y="1782762"/>
-            <a:ext cx="5463117" cy="4465638"/>
-          </a:xfrm>
-        </p:spPr>
-        <p:txBody>
-          <a:bodyPr/>
-          <a:lstStyle>
-            <a:lvl1pPr>
-              <a:defRPr sz="1013"/>
-            </a:lvl1pPr>
-            <a:lvl2pPr>
-              <a:defRPr sz="760"/>
-            </a:lvl2pPr>
-            <a:lvl3pPr>
-              <a:defRPr sz="760"/>
-            </a:lvl3pPr>
-            <a:lvl4pPr>
-              <a:defRPr sz="591"/>
-            </a:lvl4pPr>
-            <a:lvl5pPr>
-              <a:defRPr sz="591"/>
-            </a:lvl5pPr>
-            <a:lvl6pPr>
-              <a:defRPr sz="675"/>
-            </a:lvl6pPr>
-            <a:lvl7pPr>
-              <a:defRPr sz="675"/>
-            </a:lvl7pPr>
-            <a:lvl8pPr>
-              <a:defRPr sz="675"/>
-            </a:lvl8pPr>
-            <a:lvl9pPr>
-              <a:defRPr sz="675"/>
-            </a:lvl9pPr>
-          </a:lstStyle>
-          <a:p>
-            <a:pPr lvl="0"/>
-            <a:r>
-              <a:rPr lang="en-US" dirty="0"/>
-              <a:t>Click to edit Master text styles</a:t>
-            </a:r>
-          </a:p>
-          <a:p>
-            <a:pPr lvl="1"/>
-            <a:r>
-              <a:rPr lang="en-US" dirty="0"/>
-              <a:t>Second level</a:t>
-            </a:r>
-          </a:p>
-          <a:p>
-            <a:pPr lvl="2"/>
-            <a:r>
-              <a:rPr lang="en-US" dirty="0"/>
-              <a:t>Third level</a:t>
-            </a:r>
-          </a:p>
-          <a:p>
-            <a:pPr lvl="3"/>
-            <a:r>
-              <a:rPr lang="en-US" dirty="0"/>
-              <a:t>Fourth level</a:t>
-            </a:r>
-          </a:p>
-          <a:p>
-            <a:pPr lvl="4"/>
-            <a:r>
-              <a:rPr lang="en-US" dirty="0"/>
-              <a:t>Fifth level</a:t>
-            </a:r>
-          </a:p>
-        </p:txBody>
-      </p:sp>
-      <p:sp>
-        <p:nvSpPr>
-          <p:cNvPr id="5" name="Text Placeholder 4"/>
-          <p:cNvSpPr>
-            <a:spLocks noGrp="1"/>
-          </p:cNvSpPr>
-          <p:nvPr>
-            <p:ph type="body" sz="quarter" idx="3"/>
-          </p:nvPr>
-        </p:nvSpPr>
-        <p:spPr>
-          <a:xfrm>
-            <a:off x="6193368" y="1143000"/>
-            <a:ext cx="5463117" cy="639762"/>
-          </a:xfrm>
-        </p:spPr>
-        <p:txBody>
-          <a:bodyPr anchor="b"/>
-          <a:lstStyle>
-            <a:lvl1pPr marL="0" indent="0">
-              <a:buNone/>
-              <a:defRPr sz="1013" b="0"/>
-            </a:lvl1pPr>
-            <a:lvl2pPr marL="192881" indent="0">
-              <a:buNone/>
-              <a:defRPr sz="844" b="1"/>
-            </a:lvl2pPr>
-            <a:lvl3pPr marL="385763" indent="0">
-              <a:buNone/>
-              <a:defRPr sz="760" b="1"/>
-            </a:lvl3pPr>
-            <a:lvl4pPr marL="578644" indent="0">
-              <a:buNone/>
-              <a:defRPr sz="675" b="1"/>
-            </a:lvl4pPr>
-            <a:lvl5pPr marL="771525" indent="0">
-              <a:buNone/>
-              <a:defRPr sz="675" b="1"/>
-            </a:lvl5pPr>
-            <a:lvl6pPr marL="964406" indent="0">
-              <a:buNone/>
-              <a:defRPr sz="675" b="1"/>
-            </a:lvl6pPr>
-            <a:lvl7pPr marL="1157288" indent="0">
-              <a:buNone/>
-              <a:defRPr sz="675" b="1"/>
-            </a:lvl7pPr>
-            <a:lvl8pPr marL="1350169" indent="0">
-              <a:buNone/>
-              <a:defRPr sz="675" b="1"/>
-            </a:lvl8pPr>
-            <a:lvl9pPr marL="1543050" indent="0">
-              <a:buNone/>
-              <a:defRPr sz="675" b="1"/>
-            </a:lvl9pPr>
-          </a:lstStyle>
-          <a:p>
-            <a:pPr lvl="0"/>
-            <a:r>
-              <a:rPr lang="en-US" dirty="0"/>
-              <a:t>Click to edit Master text styles</a:t>
-            </a:r>
-          </a:p>
-        </p:txBody>
-      </p:sp>
-      <p:sp>
-        <p:nvSpPr>
-          <p:cNvPr id="6" name="Content Placeholder 5"/>
-          <p:cNvSpPr>
-            <a:spLocks noGrp="1"/>
-          </p:cNvSpPr>
-          <p:nvPr>
-            <p:ph sz="quarter" idx="4"/>
-          </p:nvPr>
-        </p:nvSpPr>
-        <p:spPr>
-          <a:xfrm>
-            <a:off x="6193368" y="1782762"/>
-            <a:ext cx="5463117" cy="4465638"/>
-          </a:xfrm>
-        </p:spPr>
-        <p:txBody>
-          <a:bodyPr/>
-          <a:lstStyle>
-            <a:lvl1pPr>
-              <a:defRPr sz="1013"/>
-            </a:lvl1pPr>
-            <a:lvl2pPr>
-              <a:defRPr sz="760"/>
-            </a:lvl2pPr>
-            <a:lvl3pPr>
-              <a:defRPr sz="760"/>
-            </a:lvl3pPr>
-            <a:lvl4pPr>
-              <a:defRPr sz="591"/>
-            </a:lvl4pPr>
-            <a:lvl5pPr>
-              <a:defRPr sz="591"/>
-            </a:lvl5pPr>
-            <a:lvl6pPr>
-              <a:defRPr sz="675"/>
-            </a:lvl6pPr>
-            <a:lvl7pPr>
-              <a:defRPr sz="675"/>
-            </a:lvl7pPr>
-            <a:lvl8pPr>
-              <a:defRPr sz="675"/>
-            </a:lvl8pPr>
-            <a:lvl9pPr>
-              <a:defRPr sz="675"/>
-            </a:lvl9pPr>
-          </a:lstStyle>
-          <a:p>
-            <a:pPr lvl="0"/>
-            <a:r>
-              <a:rPr lang="en-US" dirty="0"/>
-              <a:t>Click to edit Master text styles</a:t>
-            </a:r>
-          </a:p>
-          <a:p>
-            <a:pPr lvl="1"/>
-            <a:r>
-              <a:rPr lang="en-US" dirty="0"/>
-              <a:t>Second level</a:t>
-            </a:r>
-          </a:p>
-          <a:p>
-            <a:pPr lvl="2"/>
-            <a:r>
-              <a:rPr lang="en-US" dirty="0"/>
-              <a:t>Third level</a:t>
-            </a:r>
-          </a:p>
-          <a:p>
-            <a:pPr lvl="3"/>
-            <a:r>
-              <a:rPr lang="en-US" dirty="0"/>
-              <a:t>Fourth level</a:t>
-            </a:r>
-          </a:p>
-          <a:p>
-            <a:pPr lvl="4"/>
-            <a:r>
-              <a:rPr lang="en-US" dirty="0"/>
-              <a:t>Fifth level</a:t>
-            </a:r>
-          </a:p>
-        </p:txBody>
-      </p:sp>
-      <p:sp>
-        <p:nvSpPr>
-          <p:cNvPr id="11" name="Title 1">
-            <a:extLst>
-              <a:ext uri="{FF2B5EF4-FFF2-40B4-BE49-F238E27FC236}">
-                <a16:creationId xmlns:a16="http://schemas.microsoft.com/office/drawing/2014/main" id="{11473C0D-F6C2-9B49-8D89-9F3EF0BD469A}"/>
-              </a:ext>
-            </a:extLst>
-          </p:cNvPr>
-          <p:cNvSpPr>
-            <a:spLocks noGrp="1"/>
-          </p:cNvSpPr>
-          <p:nvPr>
-            <p:ph type="title"/>
-          </p:nvPr>
-        </p:nvSpPr>
-        <p:spPr>
-          <a:xfrm>
-            <a:off x="533400" y="228600"/>
-            <a:ext cx="10210800" cy="736600"/>
-          </a:xfrm>
-        </p:spPr>
-        <p:txBody>
-          <a:bodyPr/>
-          <a:lstStyle>
-            <a:lvl1pPr>
-              <a:defRPr sz="2800" baseline="0"/>
-            </a:lvl1pPr>
-          </a:lstStyle>
-          <a:p>
-            <a:r>
-              <a:rPr lang="en-US" dirty="0"/>
-              <a:t>Click to edit Master title style</a:t>
-            </a:r>
-          </a:p>
-        </p:txBody>
-      </p:sp>
-      <p:sp>
-        <p:nvSpPr>
-          <p:cNvPr id="7" name="Footer Placeholder 6">
-            <a:extLst>
-              <a:ext uri="{FF2B5EF4-FFF2-40B4-BE49-F238E27FC236}">
-                <a16:creationId xmlns:a16="http://schemas.microsoft.com/office/drawing/2014/main" id="{B8EDAE3B-4F9B-E1D9-6A36-666A736E6FC0}"/>
-              </a:ext>
-            </a:extLst>
-          </p:cNvPr>
-          <p:cNvSpPr>
-            <a:spLocks noGrp="1"/>
-          </p:cNvSpPr>
-          <p:nvPr>
-            <p:ph type="ftr" sz="quarter" idx="10"/>
-          </p:nvPr>
-        </p:nvSpPr>
-        <p:spPr/>
-        <p:txBody>
-          <a:bodyPr/>
-          <a:lstStyle>
-            <a:lvl1pPr>
-              <a:defRPr b="0" i="0">
-                <a:latin typeface="FreightMicro Pro Medium" panose="02000603020000020004" pitchFamily="2" charset="0"/>
-              </a:defRPr>
-            </a:lvl1pPr>
-          </a:lstStyle>
-          <a:p>
-            <a:r>
-              <a:rPr lang="en-US" dirty="0"/>
-              <a:t>Michael Ball | UC Berkeley | https://c88c.org | © CC BY-NC-SA</a:t>
-            </a:r>
-          </a:p>
-        </p:txBody>
-      </p:sp>
-    </p:spTree>
-    <p:extLst>
-      <p:ext uri="{BB962C8B-B14F-4D97-AF65-F5344CB8AC3E}">
-        <p14:creationId xmlns:p14="http://schemas.microsoft.com/office/powerpoint/2010/main" val="3143838114"/>
-      </p:ext>
-    </p:extLst>
-  </p:cSld>
-  <p:clrMapOvr>
-    <a:masterClrMapping/>
-  </p:clrMapOvr>
-</p:sldLayout>
-</file>
-
-<file path=ppt/slideLayouts/slideLayout2.xml><?xml version="1.0" encoding="utf-8"?>
+<file path=ppt/slideLayouts/slideLayout3.xml><?xml version="1.0" encoding="utf-8"?>
 <p:sldLayout xmlns:a="http://schemas.openxmlformats.org/drawingml/2006/main" xmlns:r="http://schemas.openxmlformats.org/officeDocument/2006/relationships" xmlns:p="http://schemas.openxmlformats.org/presentationml/2006/main" showMasterSp="0" type="title" preserve="1">
-  <p:cSld name="Title Slide">
+  <p:cSld name="Gray Title">
     <p:bg>
       <p:bgPr>
         <a:solidFill>
@@ -5836,9 +7545,9 @@
           <a:lstStyle/>
           <a:p>
             <a:endParaRPr lang="en-US" sz="760" b="0" i="0">
-              <a:latin typeface="Open Sans" panose="020B0606030504020204" pitchFamily="34" charset="0"/>
-              <a:ea typeface="Open Sans" panose="020B0606030504020204" pitchFamily="34" charset="0"/>
-              <a:cs typeface="Open Sans" panose="020B0606030504020204" pitchFamily="34" charset="0"/>
+              <a:latin typeface="Open Sans Light" panose="020B0606030504020204" pitchFamily="34" charset="0"/>
+              <a:ea typeface="Open Sans Light" panose="020B0606030504020204" pitchFamily="34" charset="0"/>
+              <a:cs typeface="Open Sans Light" panose="020B0606030504020204" pitchFamily="34" charset="0"/>
             </a:endParaRPr>
           </a:p>
         </p:txBody>
@@ -5855,7 +7564,7 @@
         </p:nvSpPr>
         <p:spPr>
           <a:xfrm>
-            <a:off x="1866900" y="2170185"/>
+            <a:off x="1866900" y="2170186"/>
             <a:ext cx="8458200" cy="1470025"/>
           </a:xfrm>
           <a:noFill/>
@@ -5866,19 +7575,20 @@
           </a:bodyPr>
           <a:lstStyle>
             <a:lvl1pPr algn="ctr">
-              <a:defRPr sz="3600" b="0" i="0" baseline="0">
+              <a:defRPr sz="3733" b="0" i="0" baseline="0">
                 <a:solidFill>
                   <a:schemeClr val="bg2"/>
                 </a:solidFill>
-                <a:latin typeface="FreightMicro Pro Medium" panose="02000603020000020004" pitchFamily="2" charset="0"/>
+                <a:latin typeface="FreightMicro Pro Book" panose="02000603020000020004" pitchFamily="2" charset="0"/>
               </a:defRPr>
             </a:lvl1pPr>
           </a:lstStyle>
           <a:p>
             <a:r>
-              <a:rPr lang="en-US" dirty="0"/>
+              <a:rPr lang="en-US"/>
               <a:t>Click to edit Master title style</a:t>
             </a:r>
+            <a:endParaRPr lang="en-US" dirty="0"/>
           </a:p>
         </p:txBody>
       </p:sp>
@@ -5908,11 +7618,15 @@
                 <a:solidFill>
                   <a:schemeClr val="bg2"/>
                 </a:solidFill>
-                <a:latin typeface="FreightMicro Pro Medium" panose="02000603020000020004" pitchFamily="2" charset="0"/>
+                <a:latin typeface="FreightMicro Pro Book" panose="02000603020000020004" pitchFamily="2" charset="0"/>
               </a:defRPr>
             </a:lvl1pPr>
           </a:lstStyle>
           <a:p>
+            <a:r>
+              <a:rPr lang="en-US"/>
+              <a:t>Click to edit Master subtitle style</a:t>
+            </a:r>
             <a:endParaRPr lang="en-US" dirty="0"/>
           </a:p>
         </p:txBody>
@@ -6139,11 +7853,11 @@
           </a:lstStyle>
           <a:p>
             <a:r>
-              <a:rPr lang="en-US" sz="4000" b="0" i="0" kern="0" baseline="0" dirty="0">
+              <a:rPr lang="en-US" sz="4800" b="0" i="0" kern="0" baseline="0" dirty="0">
                 <a:solidFill>
                   <a:schemeClr val="bg2"/>
                 </a:solidFill>
-                <a:latin typeface="FreightMicro Pro Medium" panose="02000603020000020004" pitchFamily="2" charset="0"/>
+                <a:latin typeface="FreightMicro Pro Book" panose="02000603020000020004" pitchFamily="2" charset="0"/>
               </a:rPr>
               <a:t>Computational Structures in Data Science</a:t>
             </a:r>
@@ -6164,7 +7878,7 @@
         </p:nvSpPr>
         <p:spPr>
           <a:xfrm>
-            <a:off x="5108715" y="2584176"/>
+            <a:off x="5108717" y="2584177"/>
             <a:ext cx="184731" cy="213585"/>
           </a:xfrm>
           <a:prstGeom prst="rect">
@@ -6179,9 +7893,9 @@
           <a:lstStyle/>
           <a:p>
             <a:endParaRPr lang="en-US" sz="788" b="0" i="0">
-              <a:latin typeface="Open Sans" panose="020B0606030504020204" pitchFamily="34" charset="0"/>
-              <a:ea typeface="Open Sans" panose="020B0606030504020204" pitchFamily="34" charset="0"/>
-              <a:cs typeface="Open Sans" panose="020B0606030504020204" pitchFamily="34" charset="0"/>
+              <a:latin typeface="Open Sans Light" panose="020B0606030504020204" pitchFamily="34" charset="0"/>
+              <a:ea typeface="Open Sans Light" panose="020B0606030504020204" pitchFamily="34" charset="0"/>
+              <a:cs typeface="Open Sans Light" panose="020B0606030504020204" pitchFamily="34" charset="0"/>
             </a:endParaRPr>
           </a:p>
         </p:txBody>
@@ -6223,7 +7937,7 @@
         </p:blipFill>
         <p:spPr>
           <a:xfrm>
-            <a:off x="5092700" y="5238750"/>
+            <a:off x="5092700" y="5238751"/>
             <a:ext cx="2006600" cy="800100"/>
           </a:xfrm>
           <a:prstGeom prst="rect">
@@ -6233,11 +7947,10 @@
       </p:pic>
       <p:pic>
         <p:nvPicPr>
-          <p:cNvPr id="1026" name="Picture 2" descr="Document licensed as Creative Commons BY-NC">
-            <a:hlinkClick r:id="rId4"/>
+          <p:cNvPr id="2" name="Picture 2" descr="cc logo">
             <a:extLst>
               <a:ext uri="{FF2B5EF4-FFF2-40B4-BE49-F238E27FC236}">
-                <a16:creationId xmlns:a16="http://schemas.microsoft.com/office/drawing/2014/main" id="{C33F6642-DC28-2DA0-2930-B272BA404CB0}"/>
+                <a16:creationId xmlns:a16="http://schemas.microsoft.com/office/drawing/2014/main" id="{5867EE33-0531-3B3B-5F3F-4915997C3500}"/>
               </a:ext>
             </a:extLst>
           </p:cNvPr>
@@ -6247,17 +7960,8 @@
           <p:nvPr userDrawn="1"/>
         </p:nvPicPr>
         <p:blipFill>
-          <a:blip r:embed="rId5">
+          <a:blip r:embed="rId4">
             <a:extLst>
-              <a:ext uri="{BEBA8EAE-BF5A-486C-A8C5-ECC9F3942E4B}">
-                <a14:imgProps xmlns:a14="http://schemas.microsoft.com/office/drawing/2010/main">
-                  <a14:imgLayer r:embed="rId6">
-                    <a14:imgEffect>
-                      <a14:brightnessContrast bright="-20000"/>
-                    </a14:imgEffect>
-                  </a14:imgLayer>
-                </a14:imgProps>
-              </a:ext>
               <a:ext uri="{28A0092B-C50C-407E-A947-70E740481C1C}">
                 <a14:useLocalDpi xmlns:a14="http://schemas.microsoft.com/office/drawing/2010/main" val="0"/>
               </a:ext>
@@ -6270,8 +7974,8 @@
         </p:blipFill>
         <p:spPr bwMode="auto">
           <a:xfrm>
-            <a:off x="198119" y="6416040"/>
-            <a:ext cx="274320" cy="274320"/>
+            <a:off x="121920" y="6416040"/>
+            <a:ext cx="304800" cy="304800"/>
           </a:xfrm>
           <a:prstGeom prst="rect">
             <a:avLst/>
@@ -6290,11 +7994,104 @@
       </p:pic>
       <p:pic>
         <p:nvPicPr>
-          <p:cNvPr id="1027" name="Picture 3">
-            <a:hlinkClick r:id="rId7"/>
+          <p:cNvPr id="8" name="Picture 3">
             <a:extLst>
               <a:ext uri="{FF2B5EF4-FFF2-40B4-BE49-F238E27FC236}">
-                <a16:creationId xmlns:a16="http://schemas.microsoft.com/office/drawing/2014/main" id="{4B0CCE8B-F12A-40BA-A37C-B755DFCA1DDE}"/>
+                <a16:creationId xmlns:a16="http://schemas.microsoft.com/office/drawing/2014/main" id="{044A1AF6-78D2-1F19-3AD4-A4646F288BBE}"/>
+              </a:ext>
+            </a:extLst>
+          </p:cNvPr>
+          <p:cNvPicPr>
+            <a:picLocks noChangeAspect="1" noChangeArrowheads="1"/>
+          </p:cNvPicPr>
+          <p:nvPr userDrawn="1"/>
+        </p:nvPicPr>
+        <p:blipFill>
+          <a:blip r:embed="rId5">
+            <a:extLst>
+              <a:ext uri="{28A0092B-C50C-407E-A947-70E740481C1C}">
+                <a14:useLocalDpi xmlns:a14="http://schemas.microsoft.com/office/drawing/2010/main" val="0"/>
+              </a:ext>
+            </a:extLst>
+          </a:blip>
+          <a:srcRect/>
+          <a:stretch>
+            <a:fillRect/>
+          </a:stretch>
+        </p:blipFill>
+        <p:spPr bwMode="auto">
+          <a:xfrm>
+            <a:off x="487680" y="6416040"/>
+            <a:ext cx="304800" cy="304800"/>
+          </a:xfrm>
+          <a:prstGeom prst="rect">
+            <a:avLst/>
+          </a:prstGeom>
+          <a:noFill/>
+          <a:extLst>
+            <a:ext uri="{909E8E84-426E-40DD-AFC4-6F175D3DCCD1}">
+              <a14:hiddenFill xmlns:a14="http://schemas.microsoft.com/office/drawing/2010/main">
+                <a:solidFill>
+                  <a:srgbClr val="FFFFFF"/>
+                </a:solidFill>
+              </a14:hiddenFill>
+            </a:ext>
+          </a:extLst>
+        </p:spPr>
+      </p:pic>
+      <p:pic>
+        <p:nvPicPr>
+          <p:cNvPr id="10" name="Picture 4">
+            <a:extLst>
+              <a:ext uri="{FF2B5EF4-FFF2-40B4-BE49-F238E27FC236}">
+                <a16:creationId xmlns:a16="http://schemas.microsoft.com/office/drawing/2014/main" id="{C948AF43-1942-A3AB-74BE-E6775AAA7D0A}"/>
+              </a:ext>
+            </a:extLst>
+          </p:cNvPr>
+          <p:cNvPicPr>
+            <a:picLocks noChangeAspect="1" noChangeArrowheads="1"/>
+          </p:cNvPicPr>
+          <p:nvPr userDrawn="1"/>
+        </p:nvPicPr>
+        <p:blipFill>
+          <a:blip r:embed="rId6">
+            <a:extLst>
+              <a:ext uri="{28A0092B-C50C-407E-A947-70E740481C1C}">
+                <a14:useLocalDpi xmlns:a14="http://schemas.microsoft.com/office/drawing/2010/main" val="0"/>
+              </a:ext>
+            </a:extLst>
+          </a:blip>
+          <a:srcRect/>
+          <a:stretch>
+            <a:fillRect/>
+          </a:stretch>
+        </p:blipFill>
+        <p:spPr bwMode="auto">
+          <a:xfrm>
+            <a:off x="853440" y="6411277"/>
+            <a:ext cx="304800" cy="304800"/>
+          </a:xfrm>
+          <a:prstGeom prst="rect">
+            <a:avLst/>
+          </a:prstGeom>
+          <a:noFill/>
+          <a:extLst>
+            <a:ext uri="{909E8E84-426E-40DD-AFC4-6F175D3DCCD1}">
+              <a14:hiddenFill xmlns:a14="http://schemas.microsoft.com/office/drawing/2010/main">
+                <a:solidFill>
+                  <a:srgbClr val="FFFFFF"/>
+                </a:solidFill>
+              </a14:hiddenFill>
+            </a:ext>
+          </a:extLst>
+        </p:spPr>
+      </p:pic>
+      <p:pic>
+        <p:nvPicPr>
+          <p:cNvPr id="11" name="Picture 2">
+            <a:extLst>
+              <a:ext uri="{FF2B5EF4-FFF2-40B4-BE49-F238E27FC236}">
+                <a16:creationId xmlns:a16="http://schemas.microsoft.com/office/drawing/2014/main" id="{A669AB84-0488-46A9-C63A-5BAB9678459E}"/>
               </a:ext>
               <a:ext uri="{C183D7F6-B498-43B3-948B-1728B52AA6E4}">
                 <adec:decorative xmlns:adec="http://schemas.microsoft.com/office/drawing/2017/decorative" val="1"/>
@@ -6307,173 +8104,19 @@
           <p:nvPr userDrawn="1"/>
         </p:nvPicPr>
         <p:blipFill>
-          <a:blip r:embed="rId8">
+          <a:blip r:embed="rId7">
+            <a:alphaModFix/>
+            <a:lum bright="70000" contrast="-70000"/>
             <a:extLst>
               <a:ext uri="{BEBA8EAE-BF5A-486C-A8C5-ECC9F3942E4B}">
                 <a14:imgProps xmlns:a14="http://schemas.microsoft.com/office/drawing/2010/main">
-                  <a14:imgLayer r:embed="rId9">
+                  <a14:imgLayer r:embed="rId8">
                     <a14:imgEffect>
-                      <a14:brightnessContrast bright="-20000"/>
+                      <a14:colorTemperature colorTemp="4700"/>
                     </a14:imgEffect>
-                  </a14:imgLayer>
-                </a14:imgProps>
-              </a:ext>
-              <a:ext uri="{28A0092B-C50C-407E-A947-70E740481C1C}">
-                <a14:useLocalDpi xmlns:a14="http://schemas.microsoft.com/office/drawing/2010/main" val="0"/>
-              </a:ext>
-            </a:extLst>
-          </a:blip>
-          <a:srcRect/>
-          <a:stretch>
-            <a:fillRect/>
-          </a:stretch>
-        </p:blipFill>
-        <p:spPr bwMode="auto">
-          <a:xfrm>
-            <a:off x="532810" y="6416040"/>
-            <a:ext cx="274320" cy="274320"/>
-          </a:xfrm>
-          <a:prstGeom prst="rect">
-            <a:avLst/>
-          </a:prstGeom>
-          <a:noFill/>
-          <a:extLst>
-            <a:ext uri="{909E8E84-426E-40DD-AFC4-6F175D3DCCD1}">
-              <a14:hiddenFill xmlns:a14="http://schemas.microsoft.com/office/drawing/2010/main">
-                <a:solidFill>
-                  <a:srgbClr val="FFFFFF"/>
-                </a:solidFill>
-              </a14:hiddenFill>
-            </a:ext>
-          </a:extLst>
-        </p:spPr>
-      </p:pic>
-      <p:pic>
-        <p:nvPicPr>
-          <p:cNvPr id="1028" name="Picture 4">
-            <a:hlinkClick r:id="rId7"/>
-            <a:extLst>
-              <a:ext uri="{FF2B5EF4-FFF2-40B4-BE49-F238E27FC236}">
-                <a16:creationId xmlns:a16="http://schemas.microsoft.com/office/drawing/2014/main" id="{5D9BDE65-7D61-ADD9-91B9-BE29BD6B3252}"/>
-              </a:ext>
-              <a:ext uri="{C183D7F6-B498-43B3-948B-1728B52AA6E4}">
-                <adec:decorative xmlns:adec="http://schemas.microsoft.com/office/drawing/2017/decorative" val="1"/>
-              </a:ext>
-            </a:extLst>
-          </p:cNvPr>
-          <p:cNvPicPr>
-            <a:picLocks noChangeAspect="1" noChangeArrowheads="1"/>
-          </p:cNvPicPr>
-          <p:nvPr userDrawn="1"/>
-        </p:nvPicPr>
-        <p:blipFill>
-          <a:blip r:embed="rId10">
-            <a:extLst>
-              <a:ext uri="{BEBA8EAE-BF5A-486C-A8C5-ECC9F3942E4B}">
-                <a14:imgProps xmlns:a14="http://schemas.microsoft.com/office/drawing/2010/main">
-                  <a14:imgLayer r:embed="rId11">
                     <a14:imgEffect>
-                      <a14:brightnessContrast bright="-20000"/>
+                      <a14:saturation sat="0"/>
                     </a14:imgEffect>
-                  </a14:imgLayer>
-                </a14:imgProps>
-              </a:ext>
-              <a:ext uri="{28A0092B-C50C-407E-A947-70E740481C1C}">
-                <a14:useLocalDpi xmlns:a14="http://schemas.microsoft.com/office/drawing/2010/main" val="0"/>
-              </a:ext>
-            </a:extLst>
-          </a:blip>
-          <a:srcRect/>
-          <a:stretch>
-            <a:fillRect/>
-          </a:stretch>
-        </p:blipFill>
-        <p:spPr bwMode="auto">
-          <a:xfrm>
-            <a:off x="867501" y="6411277"/>
-            <a:ext cx="274320" cy="274320"/>
-          </a:xfrm>
-          <a:prstGeom prst="rect">
-            <a:avLst/>
-          </a:prstGeom>
-          <a:noFill/>
-          <a:extLst>
-            <a:ext uri="{909E8E84-426E-40DD-AFC4-6F175D3DCCD1}">
-              <a14:hiddenFill xmlns:a14="http://schemas.microsoft.com/office/drawing/2010/main">
-                <a:solidFill>
-                  <a:srgbClr val="FFFFFF"/>
-                </a:solidFill>
-              </a14:hiddenFill>
-            </a:ext>
-          </a:extLst>
-        </p:spPr>
-      </p:pic>
-      <p:sp>
-        <p:nvSpPr>
-          <p:cNvPr id="6" name="TextBox 5">
-            <a:extLst>
-              <a:ext uri="{FF2B5EF4-FFF2-40B4-BE49-F238E27FC236}">
-                <a16:creationId xmlns:a16="http://schemas.microsoft.com/office/drawing/2014/main" id="{E1051A3D-0B4C-316F-211A-4002D988F0A5}"/>
-              </a:ext>
-            </a:extLst>
-          </p:cNvPr>
-          <p:cNvSpPr txBox="1"/>
-          <p:nvPr userDrawn="1"/>
-        </p:nvSpPr>
-        <p:spPr>
-          <a:xfrm>
-            <a:off x="3927554" y="6408598"/>
-            <a:ext cx="4336893" cy="276999"/>
-          </a:xfrm>
-          <a:prstGeom prst="rect">
-            <a:avLst/>
-          </a:prstGeom>
-          <a:noFill/>
-        </p:spPr>
-        <p:txBody>
-          <a:bodyPr wrap="none" rtlCol="0">
-            <a:spAutoFit/>
-          </a:bodyPr>
-          <a:lstStyle/>
-          <a:p>
-            <a:pPr algn="ctr"/>
-            <a:r>
-              <a:rPr lang="en-US" sz="1200" b="0" i="0">
-                <a:solidFill>
-                  <a:schemeClr val="bg2"/>
-                </a:solidFill>
-                <a:latin typeface="FreightMicro Pro Medium" panose="02000603020000020004" pitchFamily="2" charset="0"/>
-                <a:ea typeface="Open Sans" panose="020B0606030504020204" pitchFamily="34" charset="0"/>
-                <a:cs typeface="Open Sans" panose="020B0606030504020204" pitchFamily="34" charset="0"/>
-              </a:rPr>
-              <a:t>Michael Ball | UC Berkeley | https://c88c.org | © CC BY-NC-SA</a:t>
-            </a:r>
-          </a:p>
-        </p:txBody>
-      </p:sp>
-      <p:pic>
-        <p:nvPicPr>
-          <p:cNvPr id="5" name="Picture 2">
-            <a:extLst>
-              <a:ext uri="{FF2B5EF4-FFF2-40B4-BE49-F238E27FC236}">
-                <a16:creationId xmlns:a16="http://schemas.microsoft.com/office/drawing/2014/main" id="{81AFBC01-0C05-1A0E-B271-D039AECFB4F0}"/>
-              </a:ext>
-              <a:ext uri="{C183D7F6-B498-43B3-948B-1728B52AA6E4}">
-                <adec:decorative xmlns:adec="http://schemas.microsoft.com/office/drawing/2017/decorative" val="1"/>
-              </a:ext>
-            </a:extLst>
-          </p:cNvPr>
-          <p:cNvPicPr>
-            <a:picLocks noChangeAspect="1" noChangeArrowheads="1"/>
-          </p:cNvPicPr>
-          <p:nvPr userDrawn="1"/>
-        </p:nvPicPr>
-        <p:blipFill>
-          <a:blip r:embed="rId12">
-            <a:extLst>
-              <a:ext uri="{BEBA8EAE-BF5A-486C-A8C5-ECC9F3942E4B}">
-                <a14:imgProps xmlns:a14="http://schemas.microsoft.com/office/drawing/2010/main">
-                  <a14:imgLayer r:embed="rId13">
                     <a14:imgEffect>
                       <a14:brightnessContrast bright="-20000"/>
                     </a14:imgEffect>
@@ -6492,8 +8135,8 @@
         </p:blipFill>
         <p:spPr bwMode="auto">
           <a:xfrm flipH="1">
-            <a:off x="1173479" y="6408597"/>
-            <a:ext cx="274321" cy="274321"/>
+            <a:off x="1219200" y="6408596"/>
+            <a:ext cx="304800" cy="304800"/>
           </a:xfrm>
           <a:prstGeom prst="rect">
             <a:avLst/>
@@ -6513,194 +8156,46 @@
           </a:extLst>
         </p:spPr>
       </p:pic>
+      <p:sp>
+        <p:nvSpPr>
+          <p:cNvPr id="5" name="Footer Placeholder 4">
+            <a:extLst>
+              <a:ext uri="{FF2B5EF4-FFF2-40B4-BE49-F238E27FC236}">
+                <a16:creationId xmlns:a16="http://schemas.microsoft.com/office/drawing/2014/main" id="{DAE4B558-3D21-33F1-35A1-FE48DF43E2C9}"/>
+              </a:ext>
+            </a:extLst>
+          </p:cNvPr>
+          <p:cNvSpPr>
+            <a:spLocks noGrp="1"/>
+          </p:cNvSpPr>
+          <p:nvPr>
+            <p:ph type="ftr" sz="quarter" idx="10"/>
+          </p:nvPr>
+        </p:nvSpPr>
+        <p:spPr/>
+        <p:txBody>
+          <a:bodyPr/>
+          <a:lstStyle>
+            <a:lvl1pPr>
+              <a:defRPr>
+                <a:solidFill>
+                  <a:schemeClr val="bg2"/>
+                </a:solidFill>
+              </a:defRPr>
+            </a:lvl1pPr>
+          </a:lstStyle>
+          <a:p>
+            <a:r>
+              <a:rPr lang="en-US" dirty="0"/>
+              <a:t>Michael Ball | UC Berkeley | https://c88c.org | © CC BY-NC-SA</a:t>
+            </a:r>
+          </a:p>
+        </p:txBody>
+      </p:sp>
     </p:spTree>
     <p:extLst>
       <p:ext uri="{BB962C8B-B14F-4D97-AF65-F5344CB8AC3E}">
-        <p14:creationId xmlns:p14="http://schemas.microsoft.com/office/powerpoint/2010/main" val="3452416860"/>
-      </p:ext>
-    </p:extLst>
-  </p:cSld>
-  <p:clrMapOvr>
-    <a:masterClrMapping/>
-  </p:clrMapOvr>
-</p:sldLayout>
-</file>
-
-<file path=ppt/slideLayouts/slideLayout3.xml><?xml version="1.0" encoding="utf-8"?>
-<p:sldLayout xmlns:a="http://schemas.openxmlformats.org/drawingml/2006/main" xmlns:r="http://schemas.openxmlformats.org/officeDocument/2006/relationships" xmlns:p="http://schemas.openxmlformats.org/presentationml/2006/main" type="obj" preserve="1">
-  <p:cSld name="Title and Content">
-    <p:spTree>
-      <p:nvGrpSpPr>
-        <p:cNvPr id="1" name=""/>
-        <p:cNvGrpSpPr/>
-        <p:nvPr/>
-      </p:nvGrpSpPr>
-      <p:grpSpPr>
-        <a:xfrm>
-          <a:off x="0" y="0"/>
-          <a:ext cx="0" cy="0"/>
-          <a:chOff x="0" y="0"/>
-          <a:chExt cx="0" cy="0"/>
-        </a:xfrm>
-      </p:grpSpPr>
-      <p:sp>
-        <p:nvSpPr>
-          <p:cNvPr id="2" name="Title 1"/>
-          <p:cNvSpPr>
-            <a:spLocks noGrp="1"/>
-          </p:cNvSpPr>
-          <p:nvPr>
-            <p:ph type="title"/>
-          </p:nvPr>
-        </p:nvSpPr>
-        <p:spPr>
-          <a:xfrm>
-            <a:off x="0" y="0"/>
-            <a:ext cx="12192000" cy="914400"/>
-          </a:xfrm>
-        </p:spPr>
-        <p:txBody>
-          <a:bodyPr>
-            <a:normAutofit/>
-          </a:bodyPr>
-          <a:lstStyle>
-            <a:lvl1pPr>
-              <a:defRPr sz="3600" baseline="0"/>
-            </a:lvl1pPr>
-          </a:lstStyle>
-          <a:p>
-            <a:r>
-              <a:rPr lang="en-US" dirty="0"/>
-              <a:t>Click to edit Master title style</a:t>
-            </a:r>
-          </a:p>
-        </p:txBody>
-      </p:sp>
-      <p:sp>
-        <p:nvSpPr>
-          <p:cNvPr id="3" name="Content Placeholder 2"/>
-          <p:cNvSpPr>
-            <a:spLocks noGrp="1"/>
-          </p:cNvSpPr>
-          <p:nvPr>
-            <p:ph idx="1"/>
-          </p:nvPr>
-        </p:nvSpPr>
-        <p:spPr/>
-        <p:txBody>
-          <a:bodyPr/>
-          <a:lstStyle>
-            <a:lvl1pPr>
-              <a:defRPr sz="3200" b="0" i="0" baseline="0">
-                <a:latin typeface="Open Sans" panose="020B0606030504020204" pitchFamily="34" charset="0"/>
-                <a:ea typeface="Open Sans" panose="020B0606030504020204" pitchFamily="34" charset="0"/>
-                <a:cs typeface="Open Sans" panose="020B0606030504020204" pitchFamily="34" charset="0"/>
-              </a:defRPr>
-            </a:lvl1pPr>
-            <a:lvl2pPr>
-              <a:defRPr sz="3200" b="0" i="0" baseline="0">
-                <a:latin typeface="Open Sans" panose="020B0606030504020204" pitchFamily="34" charset="0"/>
-                <a:ea typeface="Open Sans" panose="020B0606030504020204" pitchFamily="34" charset="0"/>
-                <a:cs typeface="Open Sans" panose="020B0606030504020204" pitchFamily="34" charset="0"/>
-              </a:defRPr>
-            </a:lvl2pPr>
-            <a:lvl3pPr>
-              <a:defRPr sz="3200" b="0" i="0" baseline="0">
-                <a:latin typeface="Open Sans" panose="020B0606030504020204" pitchFamily="34" charset="0"/>
-                <a:ea typeface="Open Sans" panose="020B0606030504020204" pitchFamily="34" charset="0"/>
-                <a:cs typeface="Open Sans" panose="020B0606030504020204" pitchFamily="34" charset="0"/>
-              </a:defRPr>
-            </a:lvl3pPr>
-            <a:lvl4pPr>
-              <a:defRPr sz="3200" b="0" i="0" baseline="0">
-                <a:latin typeface="Open Sans" panose="020B0606030504020204" pitchFamily="34" charset="0"/>
-                <a:ea typeface="Open Sans" panose="020B0606030504020204" pitchFamily="34" charset="0"/>
-                <a:cs typeface="Open Sans" panose="020B0606030504020204" pitchFamily="34" charset="0"/>
-              </a:defRPr>
-            </a:lvl4pPr>
-            <a:lvl5pPr>
-              <a:defRPr sz="2800" b="0" i="0" baseline="0">
-                <a:latin typeface="Open Sans" panose="020B0606030504020204" pitchFamily="34" charset="0"/>
-                <a:ea typeface="Open Sans" panose="020B0606030504020204" pitchFamily="34" charset="0"/>
-                <a:cs typeface="Open Sans" panose="020B0606030504020204" pitchFamily="34" charset="0"/>
-              </a:defRPr>
-            </a:lvl5pPr>
-          </a:lstStyle>
-          <a:p>
-            <a:pPr lvl="0"/>
-            <a:r>
-              <a:rPr lang="en-US" dirty="0"/>
-              <a:t>Click to edit Master text styles</a:t>
-            </a:r>
-          </a:p>
-          <a:p>
-            <a:pPr lvl="1"/>
-            <a:r>
-              <a:rPr lang="en-US" dirty="0"/>
-              <a:t>Second level</a:t>
-            </a:r>
-          </a:p>
-          <a:p>
-            <a:pPr lvl="2"/>
-            <a:r>
-              <a:rPr lang="en-US" dirty="0"/>
-              <a:t>Third level</a:t>
-            </a:r>
-          </a:p>
-          <a:p>
-            <a:pPr lvl="3"/>
-            <a:r>
-              <a:rPr lang="en-US" dirty="0"/>
-              <a:t>Fourth level</a:t>
-            </a:r>
-          </a:p>
-          <a:p>
-            <a:pPr lvl="4"/>
-            <a:r>
-              <a:rPr lang="en-US" dirty="0"/>
-              <a:t>Fifth level</a:t>
-            </a:r>
-          </a:p>
-        </p:txBody>
-      </p:sp>
-      <p:sp>
-        <p:nvSpPr>
-          <p:cNvPr id="8" name="Footer Placeholder 7">
-            <a:extLst>
-              <a:ext uri="{FF2B5EF4-FFF2-40B4-BE49-F238E27FC236}">
-                <a16:creationId xmlns:a16="http://schemas.microsoft.com/office/drawing/2014/main" id="{60F574F4-9EA5-E09D-AA0C-48EE3C3246AC}"/>
-              </a:ext>
-            </a:extLst>
-          </p:cNvPr>
-          <p:cNvSpPr>
-            <a:spLocks noGrp="1"/>
-          </p:cNvSpPr>
-          <p:nvPr>
-            <p:ph type="ftr" sz="quarter" idx="10"/>
-          </p:nvPr>
-        </p:nvSpPr>
-        <p:spPr/>
-        <p:txBody>
-          <a:bodyPr/>
-          <a:lstStyle>
-            <a:lvl1pPr>
-              <a:defRPr b="0" i="0">
-                <a:latin typeface="FreightMicro Pro Medium" panose="02000603020000020004" pitchFamily="2" charset="0"/>
-              </a:defRPr>
-            </a:lvl1pPr>
-          </a:lstStyle>
-          <a:p>
-            <a:r>
-              <a:rPr lang="en-US"/>
-              <a:t>Michael Ball | UC Berkeley | https://c88c.org | © CC BY-NC-SA</a:t>
-            </a:r>
-          </a:p>
-        </p:txBody>
-      </p:sp>
-    </p:spTree>
-    <p:extLst>
-      <p:ext uri="{BB962C8B-B14F-4D97-AF65-F5344CB8AC3E}">
-        <p14:creationId xmlns:p14="http://schemas.microsoft.com/office/powerpoint/2010/main" val="1622146479"/>
+        <p14:creationId xmlns:p14="http://schemas.microsoft.com/office/powerpoint/2010/main" val="1213491045"/>
       </p:ext>
     </p:extLst>
   </p:cSld>
@@ -6784,21 +8279,21 @@
           <a:lstStyle>
             <a:lvl1pPr marL="0" indent="0" algn="just">
               <a:buNone/>
-              <a:defRPr sz="2200"/>
+              <a:defRPr sz="2000"/>
             </a:lvl1pPr>
-            <a:lvl2pPr marL="192881" indent="0" algn="just">
+            <a:lvl2pPr marL="192877" indent="0" algn="just">
               <a:buNone/>
               <a:defRPr/>
             </a:lvl2pPr>
-            <a:lvl3pPr marL="385763" indent="0" algn="just">
+            <a:lvl3pPr marL="385753" indent="0" algn="just">
               <a:buNone/>
               <a:defRPr/>
             </a:lvl3pPr>
-            <a:lvl4pPr marL="578644" indent="0" algn="just">
+            <a:lvl4pPr marL="578630" indent="0" algn="just">
               <a:buNone/>
               <a:defRPr/>
             </a:lvl4pPr>
-            <a:lvl5pPr marL="771525" indent="0" algn="just">
+            <a:lvl5pPr marL="771506" indent="0" algn="just">
               <a:buNone/>
               <a:defRPr/>
             </a:lvl5pPr>
@@ -6806,14 +8301,14 @@
           <a:p>
             <a:pPr lvl="0"/>
             <a:r>
-              <a:rPr lang="en-US" dirty="0"/>
+              <a:rPr lang="en-US"/>
               <a:t>Click to edit Master text styles</a:t>
             </a:r>
           </a:p>
           <a:p>
-            <a:pPr lvl="0"/>
-            <a:r>
-              <a:rPr lang="en-US" dirty="0"/>
+            <a:pPr lvl="1"/>
+            <a:r>
+              <a:rPr lang="en-US"/>
               <a:t>Second level</a:t>
             </a:r>
           </a:p>
@@ -6845,7 +8340,10 @@
           <a:bodyPr/>
           <a:lstStyle/>
           <a:p>
-            <a:endParaRPr lang="en-US"/>
+            <a:r>
+              <a:rPr lang="en-US"/>
+              <a:t>Click icon to add picture</a:t>
+            </a:r>
           </a:p>
         </p:txBody>
       </p:sp>
@@ -6871,13 +8369,13 @@
           <a:lstStyle>
             <a:lvl1pPr>
               <a:defRPr b="0" i="0">
-                <a:latin typeface="FreightMicro Pro Medium" panose="02000603020000020004" pitchFamily="2" charset="0"/>
+                <a:latin typeface="FreightMicro Pro Book" panose="02000603020000020004" pitchFamily="2" charset="0"/>
               </a:defRPr>
             </a:lvl1pPr>
           </a:lstStyle>
           <a:p>
             <a:r>
-              <a:rPr lang="en-US" dirty="0"/>
+              <a:rPr lang="en-US"/>
               <a:t>Michael Ball | UC Berkeley | https://c88c.org | © CC BY-NC-SA</a:t>
             </a:r>
           </a:p>
@@ -6886,7 +8384,7 @@
     </p:spTree>
     <p:extLst>
       <p:ext uri="{BB962C8B-B14F-4D97-AF65-F5344CB8AC3E}">
-        <p14:creationId xmlns:p14="http://schemas.microsoft.com/office/powerpoint/2010/main" val="2616701411"/>
+        <p14:creationId xmlns:p14="http://schemas.microsoft.com/office/powerpoint/2010/main" val="2877122893"/>
       </p:ext>
     </p:extLst>
   </p:cSld>
@@ -6943,104 +8441,6 @@
       </p:sp>
       <p:sp>
         <p:nvSpPr>
-          <p:cNvPr id="4" name="Content Placeholder 2">
-            <a:extLst>
-              <a:ext uri="{FF2B5EF4-FFF2-40B4-BE49-F238E27FC236}">
-                <a16:creationId xmlns:a16="http://schemas.microsoft.com/office/drawing/2014/main" id="{3B82928C-C2C6-56F3-58DC-18D2AB8BF666}"/>
-              </a:ext>
-            </a:extLst>
-          </p:cNvPr>
-          <p:cNvSpPr>
-            <a:spLocks noGrp="1"/>
-          </p:cNvSpPr>
-          <p:nvPr>
-            <p:ph idx="1"/>
-          </p:nvPr>
-        </p:nvSpPr>
-        <p:spPr>
-          <a:xfrm>
-            <a:off x="533400" y="1066800"/>
-            <a:ext cx="10439400" cy="2514600"/>
-          </a:xfrm>
-        </p:spPr>
-        <p:txBody>
-          <a:bodyPr/>
-          <a:lstStyle>
-            <a:lvl1pPr>
-              <a:defRPr sz="2800" b="0" i="0" baseline="0">
-                <a:latin typeface="Open Sans" panose="020B0606030504020204" pitchFamily="34" charset="0"/>
-                <a:ea typeface="Open Sans" panose="020B0606030504020204" pitchFamily="34" charset="0"/>
-                <a:cs typeface="Open Sans" panose="020B0606030504020204" pitchFamily="34" charset="0"/>
-              </a:defRPr>
-            </a:lvl1pPr>
-            <a:lvl2pPr>
-              <a:defRPr sz="2800" b="0" i="0" baseline="0">
-                <a:latin typeface="Open Sans" panose="020B0606030504020204" pitchFamily="34" charset="0"/>
-                <a:ea typeface="Open Sans" panose="020B0606030504020204" pitchFamily="34" charset="0"/>
-                <a:cs typeface="Open Sans" panose="020B0606030504020204" pitchFamily="34" charset="0"/>
-              </a:defRPr>
-            </a:lvl2pPr>
-            <a:lvl3pPr>
-              <a:defRPr sz="2800" b="0" i="0" baseline="0">
-                <a:latin typeface="Open Sans" panose="020B0606030504020204" pitchFamily="34" charset="0"/>
-                <a:ea typeface="Open Sans" panose="020B0606030504020204" pitchFamily="34" charset="0"/>
-                <a:cs typeface="Open Sans" panose="020B0606030504020204" pitchFamily="34" charset="0"/>
-              </a:defRPr>
-            </a:lvl3pPr>
-            <a:lvl4pPr>
-              <a:defRPr sz="2800" b="0" i="0" baseline="0">
-                <a:latin typeface="Open Sans" panose="020B0606030504020204" pitchFamily="34" charset="0"/>
-                <a:ea typeface="Open Sans" panose="020B0606030504020204" pitchFamily="34" charset="0"/>
-                <a:cs typeface="Open Sans" panose="020B0606030504020204" pitchFamily="34" charset="0"/>
-              </a:defRPr>
-            </a:lvl4pPr>
-            <a:lvl5pPr>
-              <a:defRPr sz="2400" b="0" i="0" baseline="0">
-                <a:latin typeface="Open Sans" panose="020B0606030504020204" pitchFamily="34" charset="0"/>
-                <a:ea typeface="Open Sans" panose="020B0606030504020204" pitchFamily="34" charset="0"/>
-                <a:cs typeface="Open Sans" panose="020B0606030504020204" pitchFamily="34" charset="0"/>
-              </a:defRPr>
-            </a:lvl5pPr>
-          </a:lstStyle>
-          <a:p>
-            <a:pPr lvl="0"/>
-            <a:r>
-              <a:rPr lang="en-US" dirty="0"/>
-              <a:t>Click to edit Master text styles</a:t>
-            </a:r>
-          </a:p>
-          <a:p>
-            <a:pPr lvl="1"/>
-            <a:r>
-              <a:rPr lang="en-US" dirty="0"/>
-              <a:t>Second level</a:t>
-            </a:r>
-          </a:p>
-          <a:p>
-            <a:pPr lvl="2"/>
-            <a:r>
-              <a:rPr lang="en-US" dirty="0"/>
-              <a:t>Third level</a:t>
-            </a:r>
-          </a:p>
-          <a:p>
-            <a:pPr lvl="3"/>
-            <a:r>
-              <a:rPr lang="en-US" dirty="0"/>
-              <a:t>Fourth level</a:t>
-            </a:r>
-          </a:p>
-          <a:p>
-            <a:pPr lvl="4"/>
-            <a:r>
-              <a:rPr lang="en-US" dirty="0"/>
-              <a:t>Fifth level</a:t>
-            </a:r>
-          </a:p>
-        </p:txBody>
-      </p:sp>
-      <p:sp>
-        <p:nvSpPr>
           <p:cNvPr id="7" name="Text Placeholder 6">
             <a:extLst>
               <a:ext uri="{FF2B5EF4-FFF2-40B4-BE49-F238E27FC236}">
@@ -7057,8 +8457,8 @@
         </p:nvSpPr>
         <p:spPr>
           <a:xfrm>
-            <a:off x="533400" y="3733800"/>
-            <a:ext cx="10439400" cy="2514600"/>
+            <a:off x="533400" y="1066800"/>
+            <a:ext cx="11277600" cy="5257800"/>
           </a:xfrm>
         </p:spPr>
         <p:txBody>
@@ -7140,13 +8540,13 @@
           <a:lstStyle>
             <a:lvl1pPr>
               <a:defRPr b="0" i="0">
-                <a:latin typeface="FreightMicro Pro Medium" panose="02000603020000020004" pitchFamily="2" charset="0"/>
+                <a:latin typeface="FreightMicro Pro Book" panose="02000603020000020004" pitchFamily="2" charset="0"/>
               </a:defRPr>
             </a:lvl1pPr>
           </a:lstStyle>
           <a:p>
             <a:r>
-              <a:rPr lang="en-US" dirty="0"/>
+              <a:rPr lang="en-US"/>
               <a:t>Michael Ball | UC Berkeley | https://c88c.org | © CC BY-NC-SA</a:t>
             </a:r>
           </a:p>
@@ -7155,7 +8555,7 @@
     </p:spTree>
     <p:extLst>
       <p:ext uri="{BB962C8B-B14F-4D97-AF65-F5344CB8AC3E}">
-        <p14:creationId xmlns:p14="http://schemas.microsoft.com/office/powerpoint/2010/main" val="1136701635"/>
+        <p14:creationId xmlns:p14="http://schemas.microsoft.com/office/powerpoint/2010/main" val="2125820631"/>
       </p:ext>
     </p:extLst>
   </p:cSld>
@@ -7166,6 +8566,546 @@
 </file>
 
 <file path=ppt/slideLayouts/slideLayout6.xml><?xml version="1.0" encoding="utf-8"?>
+<p:sldLayout xmlns:a="http://schemas.openxmlformats.org/drawingml/2006/main" xmlns:r="http://schemas.openxmlformats.org/officeDocument/2006/relationships" xmlns:p="http://schemas.openxmlformats.org/presentationml/2006/main" preserve="1" userDrawn="1">
+  <p:cSld name="Comments + Code">
+    <p:spTree>
+      <p:nvGrpSpPr>
+        <p:cNvPr id="1" name=""/>
+        <p:cNvGrpSpPr/>
+        <p:nvPr/>
+      </p:nvGrpSpPr>
+      <p:grpSpPr>
+        <a:xfrm>
+          <a:off x="0" y="0"/>
+          <a:ext cx="0" cy="0"/>
+          <a:chOff x="0" y="0"/>
+          <a:chExt cx="0" cy="0"/>
+        </a:xfrm>
+      </p:grpSpPr>
+      <p:sp>
+        <p:nvSpPr>
+          <p:cNvPr id="2" name="Title 1">
+            <a:extLst>
+              <a:ext uri="{FF2B5EF4-FFF2-40B4-BE49-F238E27FC236}">
+                <a16:creationId xmlns:a16="http://schemas.microsoft.com/office/drawing/2014/main" id="{5639E935-D3CA-F2F6-7481-6CC2EA5CE39E}"/>
+              </a:ext>
+            </a:extLst>
+          </p:cNvPr>
+          <p:cNvSpPr>
+            <a:spLocks noGrp="1"/>
+          </p:cNvSpPr>
+          <p:nvPr>
+            <p:ph type="title"/>
+          </p:nvPr>
+        </p:nvSpPr>
+        <p:spPr/>
+        <p:txBody>
+          <a:bodyPr/>
+          <a:lstStyle/>
+          <a:p>
+            <a:r>
+              <a:rPr lang="en-US"/>
+              <a:t>Click to edit Master title style</a:t>
+            </a:r>
+          </a:p>
+        </p:txBody>
+      </p:sp>
+      <p:sp>
+        <p:nvSpPr>
+          <p:cNvPr id="4" name="Content Placeholder 2">
+            <a:extLst>
+              <a:ext uri="{FF2B5EF4-FFF2-40B4-BE49-F238E27FC236}">
+                <a16:creationId xmlns:a16="http://schemas.microsoft.com/office/drawing/2014/main" id="{3B82928C-C2C6-56F3-58DC-18D2AB8BF666}"/>
+              </a:ext>
+            </a:extLst>
+          </p:cNvPr>
+          <p:cNvSpPr>
+            <a:spLocks noGrp="1"/>
+          </p:cNvSpPr>
+          <p:nvPr>
+            <p:ph idx="1"/>
+          </p:nvPr>
+        </p:nvSpPr>
+        <p:spPr>
+          <a:xfrm>
+            <a:off x="533400" y="1066800"/>
+            <a:ext cx="10972800" cy="2514600"/>
+          </a:xfrm>
+        </p:spPr>
+        <p:txBody>
+          <a:bodyPr/>
+          <a:lstStyle>
+            <a:lvl1pPr>
+              <a:defRPr sz="2200" b="0" i="0" baseline="0">
+                <a:latin typeface="Open Sans Light" panose="020B0606030504020204" pitchFamily="34" charset="0"/>
+                <a:ea typeface="Open Sans Light" panose="020B0606030504020204" pitchFamily="34" charset="0"/>
+                <a:cs typeface="Open Sans Light" panose="020B0606030504020204" pitchFamily="34" charset="0"/>
+              </a:defRPr>
+            </a:lvl1pPr>
+            <a:lvl2pPr>
+              <a:defRPr sz="2200" b="0" i="0" baseline="0">
+                <a:latin typeface="Open Sans Light" panose="020B0606030504020204" pitchFamily="34" charset="0"/>
+                <a:ea typeface="Open Sans Light" panose="020B0606030504020204" pitchFamily="34" charset="0"/>
+                <a:cs typeface="Open Sans Light" panose="020B0606030504020204" pitchFamily="34" charset="0"/>
+              </a:defRPr>
+            </a:lvl2pPr>
+            <a:lvl3pPr>
+              <a:defRPr sz="2000" b="0" i="0" baseline="0">
+                <a:latin typeface="Open Sans Light" panose="020B0606030504020204" pitchFamily="34" charset="0"/>
+                <a:ea typeface="Open Sans Light" panose="020B0606030504020204" pitchFamily="34" charset="0"/>
+                <a:cs typeface="Open Sans Light" panose="020B0606030504020204" pitchFamily="34" charset="0"/>
+              </a:defRPr>
+            </a:lvl3pPr>
+            <a:lvl4pPr>
+              <a:defRPr sz="2000" b="0" i="0" baseline="0">
+                <a:latin typeface="Open Sans Light" panose="020B0606030504020204" pitchFamily="34" charset="0"/>
+                <a:ea typeface="Open Sans Light" panose="020B0606030504020204" pitchFamily="34" charset="0"/>
+                <a:cs typeface="Open Sans Light" panose="020B0606030504020204" pitchFamily="34" charset="0"/>
+              </a:defRPr>
+            </a:lvl4pPr>
+            <a:lvl5pPr>
+              <a:defRPr sz="1800" b="0" i="0" baseline="0">
+                <a:latin typeface="Open Sans Light" panose="020B0606030504020204" pitchFamily="34" charset="0"/>
+                <a:ea typeface="Open Sans Light" panose="020B0606030504020204" pitchFamily="34" charset="0"/>
+                <a:cs typeface="Open Sans Light" panose="020B0606030504020204" pitchFamily="34" charset="0"/>
+              </a:defRPr>
+            </a:lvl5pPr>
+          </a:lstStyle>
+          <a:p>
+            <a:pPr lvl="0"/>
+            <a:r>
+              <a:rPr lang="en-US"/>
+              <a:t>Click to edit Master text styles</a:t>
+            </a:r>
+          </a:p>
+          <a:p>
+            <a:pPr lvl="1"/>
+            <a:r>
+              <a:rPr lang="en-US"/>
+              <a:t>Second level</a:t>
+            </a:r>
+          </a:p>
+          <a:p>
+            <a:pPr lvl="2"/>
+            <a:r>
+              <a:rPr lang="en-US"/>
+              <a:t>Third level</a:t>
+            </a:r>
+          </a:p>
+          <a:p>
+            <a:pPr lvl="3"/>
+            <a:r>
+              <a:rPr lang="en-US"/>
+              <a:t>Fourth level</a:t>
+            </a:r>
+          </a:p>
+          <a:p>
+            <a:pPr lvl="4"/>
+            <a:r>
+              <a:rPr lang="en-US"/>
+              <a:t>Fifth level</a:t>
+            </a:r>
+            <a:endParaRPr lang="en-US" dirty="0"/>
+          </a:p>
+        </p:txBody>
+      </p:sp>
+      <p:sp>
+        <p:nvSpPr>
+          <p:cNvPr id="7" name="Text Placeholder 6">
+            <a:extLst>
+              <a:ext uri="{FF2B5EF4-FFF2-40B4-BE49-F238E27FC236}">
+                <a16:creationId xmlns:a16="http://schemas.microsoft.com/office/drawing/2014/main" id="{A0B3683A-E9D6-DD15-0B31-95D169D29D33}"/>
+              </a:ext>
+            </a:extLst>
+          </p:cNvPr>
+          <p:cNvSpPr>
+            <a:spLocks noGrp="1"/>
+          </p:cNvSpPr>
+          <p:nvPr>
+            <p:ph type="body" sz="quarter" idx="11" hasCustomPrompt="1"/>
+          </p:nvPr>
+        </p:nvSpPr>
+        <p:spPr>
+          <a:xfrm>
+            <a:off x="533400" y="3733800"/>
+            <a:ext cx="10972800" cy="2514600"/>
+          </a:xfrm>
+        </p:spPr>
+        <p:txBody>
+          <a:bodyPr/>
+          <a:lstStyle>
+            <a:lvl1pPr marL="0" indent="0">
+              <a:buNone/>
+              <a:defRPr sz="2400" b="0" i="0">
+                <a:latin typeface="Source Code Pro Medium" panose="020B0309030403020204" pitchFamily="34" charset="0"/>
+                <a:ea typeface="Source Code Pro Medium" panose="020B0309030403020204" pitchFamily="34" charset="0"/>
+              </a:defRPr>
+            </a:lvl1pPr>
+          </a:lstStyle>
+          <a:p>
+            <a:r>
+              <a:rPr lang="en-US" b="0" i="0" dirty="0">
+                <a:latin typeface="Source Code Pro" panose="020B0509030403020204" pitchFamily="49" charset="0"/>
+                <a:ea typeface="Source Code Pro" panose="020B0509030403020204" pitchFamily="49" charset="0"/>
+              </a:rPr>
+              <a:t>Python Code:</a:t>
+            </a:r>
+          </a:p>
+          <a:p>
+            <a:r>
+              <a:rPr lang="en-US" b="0" i="0" dirty="0">
+                <a:latin typeface="Source Code Pro" panose="020B0509030403020204" pitchFamily="49" charset="0"/>
+                <a:ea typeface="Source Code Pro" panose="020B0509030403020204" pitchFamily="49" charset="0"/>
+              </a:rPr>
+              <a:t>&gt;&gt;&gt; </a:t>
+            </a:r>
+          </a:p>
+          <a:p>
+            <a:r>
+              <a:rPr lang="en-US" b="0" i="0" dirty="0">
+                <a:latin typeface="Source Code Pro" panose="020B0509030403020204" pitchFamily="49" charset="0"/>
+                <a:ea typeface="Source Code Pro" panose="020B0509030403020204" pitchFamily="49" charset="0"/>
+              </a:rPr>
+              <a:t>Terminal Commands:</a:t>
+            </a:r>
+            <a:br>
+              <a:rPr lang="en-US" b="0" i="0" dirty="0">
+                <a:latin typeface="Source Code Pro" panose="020B0509030403020204" pitchFamily="49" charset="0"/>
+                <a:ea typeface="Source Code Pro" panose="020B0509030403020204" pitchFamily="49" charset="0"/>
+              </a:rPr>
+            </a:br>
+            <a:r>
+              <a:rPr lang="en-US" b="0" i="0" dirty="0">
+                <a:latin typeface="Source Code Pro" panose="020B0509030403020204" pitchFamily="49" charset="0"/>
+                <a:ea typeface="Source Code Pro" panose="020B0509030403020204" pitchFamily="49" charset="0"/>
+              </a:rPr>
+              <a:t>$ …</a:t>
+            </a:r>
+          </a:p>
+          <a:p>
+            <a:pPr lvl="0"/>
+            <a:endParaRPr lang="en-US" dirty="0"/>
+          </a:p>
+        </p:txBody>
+      </p:sp>
+      <p:sp>
+        <p:nvSpPr>
+          <p:cNvPr id="6" name="Footer Placeholder 5">
+            <a:extLst>
+              <a:ext uri="{FF2B5EF4-FFF2-40B4-BE49-F238E27FC236}">
+                <a16:creationId xmlns:a16="http://schemas.microsoft.com/office/drawing/2014/main" id="{13D56C03-6D79-D18C-760B-B6B4E561C84D}"/>
+              </a:ext>
+            </a:extLst>
+          </p:cNvPr>
+          <p:cNvSpPr>
+            <a:spLocks noGrp="1"/>
+          </p:cNvSpPr>
+          <p:nvPr>
+            <p:ph type="ftr" sz="quarter" idx="12"/>
+          </p:nvPr>
+        </p:nvSpPr>
+        <p:spPr/>
+        <p:txBody>
+          <a:bodyPr/>
+          <a:lstStyle>
+            <a:lvl1pPr>
+              <a:defRPr b="0" i="0">
+                <a:latin typeface="FreightMicro Pro Book" panose="02000603020000020004" pitchFamily="2" charset="0"/>
+              </a:defRPr>
+            </a:lvl1pPr>
+          </a:lstStyle>
+          <a:p>
+            <a:r>
+              <a:rPr lang="en-US"/>
+              <a:t>Michael Ball | UC Berkeley | https://c88c.org | © CC BY-NC-SA</a:t>
+            </a:r>
+          </a:p>
+        </p:txBody>
+      </p:sp>
+    </p:spTree>
+    <p:extLst>
+      <p:ext uri="{BB962C8B-B14F-4D97-AF65-F5344CB8AC3E}">
+        <p14:creationId xmlns:p14="http://schemas.microsoft.com/office/powerpoint/2010/main" val="1958326434"/>
+      </p:ext>
+    </p:extLst>
+  </p:cSld>
+  <p:clrMapOvr>
+    <a:masterClrMapping/>
+  </p:clrMapOvr>
+</p:sldLayout>
+</file>
+
+<file path=ppt/slideLayouts/slideLayout7.xml><?xml version="1.0" encoding="utf-8"?>
+<p:sldLayout xmlns:a="http://schemas.openxmlformats.org/drawingml/2006/main" xmlns:r="http://schemas.openxmlformats.org/officeDocument/2006/relationships" xmlns:p="http://schemas.openxmlformats.org/presentationml/2006/main" preserve="1" userDrawn="1">
+  <p:cSld name="Code + Comments">
+    <p:spTree>
+      <p:nvGrpSpPr>
+        <p:cNvPr id="1" name=""/>
+        <p:cNvGrpSpPr/>
+        <p:nvPr/>
+      </p:nvGrpSpPr>
+      <p:grpSpPr>
+        <a:xfrm>
+          <a:off x="0" y="0"/>
+          <a:ext cx="0" cy="0"/>
+          <a:chOff x="0" y="0"/>
+          <a:chExt cx="0" cy="0"/>
+        </a:xfrm>
+      </p:grpSpPr>
+      <p:sp>
+        <p:nvSpPr>
+          <p:cNvPr id="2" name="Title 1">
+            <a:extLst>
+              <a:ext uri="{FF2B5EF4-FFF2-40B4-BE49-F238E27FC236}">
+                <a16:creationId xmlns:a16="http://schemas.microsoft.com/office/drawing/2014/main" id="{5639E935-D3CA-F2F6-7481-6CC2EA5CE39E}"/>
+              </a:ext>
+            </a:extLst>
+          </p:cNvPr>
+          <p:cNvSpPr>
+            <a:spLocks noGrp="1"/>
+          </p:cNvSpPr>
+          <p:nvPr>
+            <p:ph type="title"/>
+          </p:nvPr>
+        </p:nvSpPr>
+        <p:spPr/>
+        <p:txBody>
+          <a:bodyPr/>
+          <a:lstStyle/>
+          <a:p>
+            <a:r>
+              <a:rPr lang="en-US"/>
+              <a:t>Click to edit Master title style</a:t>
+            </a:r>
+          </a:p>
+        </p:txBody>
+      </p:sp>
+      <p:sp>
+        <p:nvSpPr>
+          <p:cNvPr id="4" name="Content Placeholder 2">
+            <a:extLst>
+              <a:ext uri="{FF2B5EF4-FFF2-40B4-BE49-F238E27FC236}">
+                <a16:creationId xmlns:a16="http://schemas.microsoft.com/office/drawing/2014/main" id="{3B82928C-C2C6-56F3-58DC-18D2AB8BF666}"/>
+              </a:ext>
+            </a:extLst>
+          </p:cNvPr>
+          <p:cNvSpPr>
+            <a:spLocks noGrp="1"/>
+          </p:cNvSpPr>
+          <p:nvPr>
+            <p:ph idx="1"/>
+          </p:nvPr>
+        </p:nvSpPr>
+        <p:spPr>
+          <a:xfrm>
+            <a:off x="304800" y="3733800"/>
+            <a:ext cx="11430000" cy="2514600"/>
+          </a:xfrm>
+        </p:spPr>
+        <p:txBody>
+          <a:bodyPr/>
+          <a:lstStyle>
+            <a:lvl1pPr>
+              <a:defRPr sz="2200" b="0" i="0" baseline="0">
+                <a:latin typeface="Open Sans Light" panose="020B0606030504020204" pitchFamily="34" charset="0"/>
+                <a:ea typeface="Open Sans Light" panose="020B0606030504020204" pitchFamily="34" charset="0"/>
+                <a:cs typeface="Open Sans Light" panose="020B0606030504020204" pitchFamily="34" charset="0"/>
+              </a:defRPr>
+            </a:lvl1pPr>
+            <a:lvl2pPr>
+              <a:defRPr sz="2200" b="0" i="0" baseline="0">
+                <a:latin typeface="Open Sans Light" panose="020B0606030504020204" pitchFamily="34" charset="0"/>
+                <a:ea typeface="Open Sans Light" panose="020B0606030504020204" pitchFamily="34" charset="0"/>
+                <a:cs typeface="Open Sans Light" panose="020B0606030504020204" pitchFamily="34" charset="0"/>
+              </a:defRPr>
+            </a:lvl2pPr>
+            <a:lvl3pPr>
+              <a:defRPr sz="2000" b="0" i="0" baseline="0">
+                <a:latin typeface="Open Sans Light" panose="020B0606030504020204" pitchFamily="34" charset="0"/>
+                <a:ea typeface="Open Sans Light" panose="020B0606030504020204" pitchFamily="34" charset="0"/>
+                <a:cs typeface="Open Sans Light" panose="020B0606030504020204" pitchFamily="34" charset="0"/>
+              </a:defRPr>
+            </a:lvl3pPr>
+            <a:lvl4pPr>
+              <a:defRPr sz="2000" b="0" i="0" baseline="0">
+                <a:latin typeface="Open Sans Light" panose="020B0606030504020204" pitchFamily="34" charset="0"/>
+                <a:ea typeface="Open Sans Light" panose="020B0606030504020204" pitchFamily="34" charset="0"/>
+                <a:cs typeface="Open Sans Light" panose="020B0606030504020204" pitchFamily="34" charset="0"/>
+              </a:defRPr>
+            </a:lvl4pPr>
+            <a:lvl5pPr>
+              <a:defRPr sz="1800" b="0" i="0" baseline="0">
+                <a:latin typeface="Open Sans Light" panose="020B0606030504020204" pitchFamily="34" charset="0"/>
+                <a:ea typeface="Open Sans Light" panose="020B0606030504020204" pitchFamily="34" charset="0"/>
+                <a:cs typeface="Open Sans Light" panose="020B0606030504020204" pitchFamily="34" charset="0"/>
+              </a:defRPr>
+            </a:lvl5pPr>
+          </a:lstStyle>
+          <a:p>
+            <a:pPr lvl="0"/>
+            <a:r>
+              <a:rPr lang="en-US"/>
+              <a:t>Click to edit Master text styles</a:t>
+            </a:r>
+          </a:p>
+          <a:p>
+            <a:pPr lvl="1"/>
+            <a:r>
+              <a:rPr lang="en-US"/>
+              <a:t>Second level</a:t>
+            </a:r>
+          </a:p>
+          <a:p>
+            <a:pPr lvl="2"/>
+            <a:r>
+              <a:rPr lang="en-US"/>
+              <a:t>Third level</a:t>
+            </a:r>
+          </a:p>
+          <a:p>
+            <a:pPr lvl="3"/>
+            <a:r>
+              <a:rPr lang="en-US"/>
+              <a:t>Fourth level</a:t>
+            </a:r>
+          </a:p>
+          <a:p>
+            <a:pPr lvl="4"/>
+            <a:r>
+              <a:rPr lang="en-US"/>
+              <a:t>Fifth level</a:t>
+            </a:r>
+            <a:endParaRPr lang="en-US" dirty="0"/>
+          </a:p>
+        </p:txBody>
+      </p:sp>
+      <p:sp>
+        <p:nvSpPr>
+          <p:cNvPr id="7" name="Text Placeholder 6">
+            <a:extLst>
+              <a:ext uri="{FF2B5EF4-FFF2-40B4-BE49-F238E27FC236}">
+                <a16:creationId xmlns:a16="http://schemas.microsoft.com/office/drawing/2014/main" id="{A0B3683A-E9D6-DD15-0B31-95D169D29D33}"/>
+              </a:ext>
+            </a:extLst>
+          </p:cNvPr>
+          <p:cNvSpPr>
+            <a:spLocks noGrp="1"/>
+          </p:cNvSpPr>
+          <p:nvPr>
+            <p:ph type="body" sz="quarter" idx="11" hasCustomPrompt="1"/>
+          </p:nvPr>
+        </p:nvSpPr>
+        <p:spPr>
+          <a:xfrm>
+            <a:off x="304800" y="1049866"/>
+            <a:ext cx="11430000" cy="2607733"/>
+          </a:xfrm>
+        </p:spPr>
+        <p:txBody>
+          <a:bodyPr/>
+          <a:lstStyle>
+            <a:lvl1pPr marL="0" indent="0">
+              <a:buNone/>
+              <a:defRPr sz="2400" b="0" i="0">
+                <a:latin typeface="Source Code Pro Medium" panose="020B0309030403020204" pitchFamily="34" charset="0"/>
+                <a:ea typeface="Source Code Pro Medium" panose="020B0309030403020204" pitchFamily="34" charset="0"/>
+              </a:defRPr>
+            </a:lvl1pPr>
+          </a:lstStyle>
+          <a:p>
+            <a:r>
+              <a:rPr lang="en-US" b="0" i="0" dirty="0">
+                <a:latin typeface="Source Code Pro" panose="020B0509030403020204" pitchFamily="49" charset="0"/>
+                <a:ea typeface="Source Code Pro" panose="020B0509030403020204" pitchFamily="49" charset="0"/>
+              </a:rPr>
+              <a:t>Python Code:</a:t>
+            </a:r>
+          </a:p>
+          <a:p>
+            <a:r>
+              <a:rPr lang="en-US" b="0" i="0" dirty="0">
+                <a:latin typeface="Source Code Pro" panose="020B0509030403020204" pitchFamily="49" charset="0"/>
+                <a:ea typeface="Source Code Pro" panose="020B0509030403020204" pitchFamily="49" charset="0"/>
+              </a:rPr>
+              <a:t>&gt;&gt;&gt; </a:t>
+            </a:r>
+          </a:p>
+          <a:p>
+            <a:r>
+              <a:rPr lang="en-US" b="0" i="0" dirty="0">
+                <a:latin typeface="Source Code Pro" panose="020B0509030403020204" pitchFamily="49" charset="0"/>
+                <a:ea typeface="Source Code Pro" panose="020B0509030403020204" pitchFamily="49" charset="0"/>
+              </a:rPr>
+              <a:t>Terminal Commands:</a:t>
+            </a:r>
+            <a:br>
+              <a:rPr lang="en-US" b="0" i="0" dirty="0">
+                <a:latin typeface="Source Code Pro" panose="020B0509030403020204" pitchFamily="49" charset="0"/>
+                <a:ea typeface="Source Code Pro" panose="020B0509030403020204" pitchFamily="49" charset="0"/>
+              </a:rPr>
+            </a:br>
+            <a:r>
+              <a:rPr lang="en-US" b="0" i="0" dirty="0">
+                <a:latin typeface="Source Code Pro" panose="020B0509030403020204" pitchFamily="49" charset="0"/>
+                <a:ea typeface="Source Code Pro" panose="020B0509030403020204" pitchFamily="49" charset="0"/>
+              </a:rPr>
+              <a:t>$ …</a:t>
+            </a:r>
+          </a:p>
+          <a:p>
+            <a:pPr lvl="0"/>
+            <a:endParaRPr lang="en-US" dirty="0"/>
+          </a:p>
+        </p:txBody>
+      </p:sp>
+      <p:sp>
+        <p:nvSpPr>
+          <p:cNvPr id="6" name="Footer Placeholder 5">
+            <a:extLst>
+              <a:ext uri="{FF2B5EF4-FFF2-40B4-BE49-F238E27FC236}">
+                <a16:creationId xmlns:a16="http://schemas.microsoft.com/office/drawing/2014/main" id="{13D56C03-6D79-D18C-760B-B6B4E561C84D}"/>
+              </a:ext>
+            </a:extLst>
+          </p:cNvPr>
+          <p:cNvSpPr>
+            <a:spLocks noGrp="1"/>
+          </p:cNvSpPr>
+          <p:nvPr>
+            <p:ph type="ftr" sz="quarter" idx="12"/>
+          </p:nvPr>
+        </p:nvSpPr>
+        <p:spPr/>
+        <p:txBody>
+          <a:bodyPr/>
+          <a:lstStyle>
+            <a:lvl1pPr>
+              <a:defRPr b="0" i="0">
+                <a:latin typeface="FreightMicro Pro Book" panose="02000603020000020004" pitchFamily="2" charset="0"/>
+              </a:defRPr>
+            </a:lvl1pPr>
+          </a:lstStyle>
+          <a:p>
+            <a:r>
+              <a:rPr lang="en-US"/>
+              <a:t>Michael Ball | UC Berkeley | https://c88c.org | © CC BY-NC-SA</a:t>
+            </a:r>
+          </a:p>
+        </p:txBody>
+      </p:sp>
+    </p:spTree>
+    <p:extLst>
+      <p:ext uri="{BB962C8B-B14F-4D97-AF65-F5344CB8AC3E}">
+        <p14:creationId xmlns:p14="http://schemas.microsoft.com/office/powerpoint/2010/main" val="3037901740"/>
+      </p:ext>
+    </p:extLst>
+  </p:cSld>
+  <p:clrMapOvr>
+    <a:masterClrMapping/>
+  </p:clrMapOvr>
+</p:sldLayout>
+</file>
+
+<file path=ppt/slideLayouts/slideLayout8.xml><?xml version="1.0" encoding="utf-8"?>
 <p:sldLayout xmlns:a="http://schemas.openxmlformats.org/drawingml/2006/main" xmlns:r="http://schemas.openxmlformats.org/officeDocument/2006/relationships" xmlns:p="http://schemas.openxmlformats.org/presentationml/2006/main" type="twoObj" preserve="1">
   <p:cSld name="Two Content">
     <p:spTree>
@@ -7202,9 +9142,10 @@
           </a:lstStyle>
           <a:p>
             <a:r>
-              <a:rPr lang="en-US" dirty="0"/>
+              <a:rPr lang="en-US"/>
               <a:t>Click to edit Master title style</a:t>
             </a:r>
+            <a:endParaRPr lang="en-US" dirty="0"/>
           </a:p>
         </p:txBody>
       </p:sp>
@@ -7228,19 +9169,19 @@
           <a:bodyPr/>
           <a:lstStyle>
             <a:lvl1pPr>
-              <a:defRPr sz="2800"/>
+              <a:defRPr sz="2200"/>
             </a:lvl1pPr>
             <a:lvl2pPr>
-              <a:defRPr sz="2800"/>
+              <a:defRPr sz="2200"/>
             </a:lvl2pPr>
             <a:lvl3pPr>
-              <a:defRPr sz="2800"/>
+              <a:defRPr sz="2200"/>
             </a:lvl3pPr>
             <a:lvl4pPr>
-              <a:defRPr sz="2800"/>
+              <a:defRPr sz="2000"/>
             </a:lvl4pPr>
             <a:lvl5pPr>
-              <a:defRPr sz="2400"/>
+              <a:defRPr sz="1800"/>
             </a:lvl5pPr>
             <a:lvl6pPr>
               <a:defRPr sz="760"/>
@@ -7258,37 +9199,38 @@
           <a:p>
             <a:pPr lvl="0"/>
             <a:r>
-              <a:rPr lang="en-US" dirty="0"/>
+              <a:rPr lang="en-US"/>
               <a:t>Click to edit Master text styles</a:t>
             </a:r>
           </a:p>
           <a:p>
             <a:pPr lvl="1"/>
             <a:r>
-              <a:rPr lang="en-US" dirty="0"/>
+              <a:rPr lang="en-US"/>
               <a:t>Second level</a:t>
             </a:r>
           </a:p>
           <a:p>
             <a:pPr lvl="2"/>
             <a:r>
-              <a:rPr lang="en-US" dirty="0"/>
+              <a:rPr lang="en-US"/>
               <a:t>Third level</a:t>
             </a:r>
           </a:p>
           <a:p>
             <a:pPr lvl="3"/>
             <a:r>
-              <a:rPr lang="en-US" dirty="0"/>
+              <a:rPr lang="en-US"/>
               <a:t>Fourth level</a:t>
             </a:r>
           </a:p>
           <a:p>
             <a:pPr lvl="4"/>
             <a:r>
-              <a:rPr lang="en-US" dirty="0"/>
+              <a:rPr lang="en-US"/>
               <a:t>Fifth level</a:t>
             </a:r>
+            <a:endParaRPr lang="en-US" dirty="0"/>
           </a:p>
         </p:txBody>
       </p:sp>
@@ -7312,19 +9254,19 @@
           <a:bodyPr/>
           <a:lstStyle>
             <a:lvl1pPr>
-              <a:defRPr sz="2800"/>
+              <a:defRPr sz="2200"/>
             </a:lvl1pPr>
             <a:lvl2pPr>
-              <a:defRPr sz="2800"/>
+              <a:defRPr sz="2200"/>
             </a:lvl2pPr>
             <a:lvl3pPr>
-              <a:defRPr sz="2800"/>
+              <a:defRPr sz="2000"/>
             </a:lvl3pPr>
             <a:lvl4pPr>
-              <a:defRPr sz="2800"/>
+              <a:defRPr sz="2000"/>
             </a:lvl4pPr>
             <a:lvl5pPr>
-              <a:defRPr sz="2400"/>
+              <a:defRPr sz="1800"/>
             </a:lvl5pPr>
             <a:lvl6pPr>
               <a:defRPr sz="760"/>
@@ -7342,37 +9284,38 @@
           <a:p>
             <a:pPr lvl="0"/>
             <a:r>
-              <a:rPr lang="en-US" dirty="0"/>
+              <a:rPr lang="en-US"/>
               <a:t>Click to edit Master text styles</a:t>
             </a:r>
           </a:p>
           <a:p>
             <a:pPr lvl="1"/>
             <a:r>
-              <a:rPr lang="en-US" dirty="0"/>
+              <a:rPr lang="en-US"/>
               <a:t>Second level</a:t>
             </a:r>
           </a:p>
           <a:p>
             <a:pPr lvl="2"/>
             <a:r>
-              <a:rPr lang="en-US" dirty="0"/>
+              <a:rPr lang="en-US"/>
               <a:t>Third level</a:t>
             </a:r>
           </a:p>
           <a:p>
             <a:pPr lvl="3"/>
             <a:r>
-              <a:rPr lang="en-US" dirty="0"/>
+              <a:rPr lang="en-US"/>
               <a:t>Fourth level</a:t>
             </a:r>
           </a:p>
           <a:p>
             <a:pPr lvl="4"/>
             <a:r>
-              <a:rPr lang="en-US" dirty="0"/>
+              <a:rPr lang="en-US"/>
               <a:t>Fifth level</a:t>
             </a:r>
+            <a:endParaRPr lang="en-US" dirty="0"/>
           </a:p>
         </p:txBody>
       </p:sp>
@@ -7398,7 +9341,7 @@
           <a:lstStyle>
             <a:lvl1pPr>
               <a:defRPr b="0" i="0">
-                <a:latin typeface="FreightMicro Pro Medium" panose="02000603020000020004" pitchFamily="2" charset="0"/>
+                <a:latin typeface="FreightMicro Pro Book" panose="02000603020000020004" pitchFamily="2" charset="0"/>
               </a:defRPr>
             </a:lvl1pPr>
           </a:lstStyle>
@@ -7413,7 +9356,7 @@
     </p:spTree>
     <p:extLst>
       <p:ext uri="{BB962C8B-B14F-4D97-AF65-F5344CB8AC3E}">
-        <p14:creationId xmlns:p14="http://schemas.microsoft.com/office/powerpoint/2010/main" val="1779479111"/>
+        <p14:creationId xmlns:p14="http://schemas.microsoft.com/office/powerpoint/2010/main" val="2801389163"/>
       </p:ext>
     </p:extLst>
   </p:cSld>
@@ -7423,7 +9366,7 @@
 </p:sldLayout>
 </file>
 
-<file path=ppt/slideLayouts/slideLayout7.xml><?xml version="1.0" encoding="utf-8"?>
+<file path=ppt/slideLayouts/slideLayout9.xml><?xml version="1.0" encoding="utf-8"?>
 <p:sldLayout xmlns:a="http://schemas.openxmlformats.org/drawingml/2006/main" xmlns:r="http://schemas.openxmlformats.org/officeDocument/2006/relationships" xmlns:p="http://schemas.openxmlformats.org/presentationml/2006/main" preserve="1" userDrawn="1">
   <p:cSld name="Comparison">
     <p:spTree>
@@ -7453,7 +9396,7 @@
         <p:spPr>
           <a:xfrm>
             <a:off x="533400" y="1143000"/>
-            <a:ext cx="5463117" cy="639762"/>
+            <a:ext cx="5463117" cy="639763"/>
           </a:xfrm>
         </p:spPr>
         <p:txBody>
@@ -7463,35 +9406,35 @@
               <a:buNone/>
               <a:defRPr sz="1013" b="0"/>
             </a:lvl1pPr>
-            <a:lvl2pPr marL="192881" indent="0">
+            <a:lvl2pPr marL="192877" indent="0">
               <a:buNone/>
               <a:defRPr sz="844" b="1"/>
             </a:lvl2pPr>
-            <a:lvl3pPr marL="385763" indent="0">
+            <a:lvl3pPr marL="385753" indent="0">
               <a:buNone/>
               <a:defRPr sz="760" b="1"/>
             </a:lvl3pPr>
-            <a:lvl4pPr marL="578644" indent="0">
+            <a:lvl4pPr marL="578630" indent="0">
               <a:buNone/>
               <a:defRPr sz="675" b="1"/>
             </a:lvl4pPr>
-            <a:lvl5pPr marL="771525" indent="0">
+            <a:lvl5pPr marL="771506" indent="0">
               <a:buNone/>
               <a:defRPr sz="675" b="1"/>
             </a:lvl5pPr>
-            <a:lvl6pPr marL="964406" indent="0">
+            <a:lvl6pPr marL="964383" indent="0">
               <a:buNone/>
               <a:defRPr sz="675" b="1"/>
             </a:lvl6pPr>
-            <a:lvl7pPr marL="1157288" indent="0">
+            <a:lvl7pPr marL="1157259" indent="0">
               <a:buNone/>
               <a:defRPr sz="675" b="1"/>
             </a:lvl7pPr>
-            <a:lvl8pPr marL="1350169" indent="0">
+            <a:lvl8pPr marL="1350136" indent="0">
               <a:buNone/>
               <a:defRPr sz="675" b="1"/>
             </a:lvl8pPr>
-            <a:lvl9pPr marL="1543050" indent="0">
+            <a:lvl9pPr marL="1543012" indent="0">
               <a:buNone/>
               <a:defRPr sz="675" b="1"/>
             </a:lvl9pPr>
@@ -7499,7 +9442,7 @@
           <a:p>
             <a:pPr lvl="0"/>
             <a:r>
-              <a:rPr lang="en-US" dirty="0"/>
+              <a:rPr lang="en-US"/>
               <a:t>Click to edit Master text styles</a:t>
             </a:r>
           </a:p>
@@ -7518,7 +9461,7 @@
         <p:spPr>
           <a:xfrm>
             <a:off x="531284" y="1782762"/>
-            <a:ext cx="5463117" cy="4465638"/>
+            <a:ext cx="5463117" cy="4465639"/>
           </a:xfrm>
         </p:spPr>
         <p:txBody>
@@ -7555,37 +9498,38 @@
           <a:p>
             <a:pPr lvl="0"/>
             <a:r>
-              <a:rPr lang="en-US" dirty="0"/>
+              <a:rPr lang="en-US"/>
               <a:t>Click to edit Master text styles</a:t>
             </a:r>
           </a:p>
           <a:p>
             <a:pPr lvl="1"/>
             <a:r>
-              <a:rPr lang="en-US" dirty="0"/>
+              <a:rPr lang="en-US"/>
               <a:t>Second level</a:t>
             </a:r>
           </a:p>
           <a:p>
             <a:pPr lvl="2"/>
             <a:r>
-              <a:rPr lang="en-US" dirty="0"/>
+              <a:rPr lang="en-US"/>
               <a:t>Third level</a:t>
             </a:r>
           </a:p>
           <a:p>
             <a:pPr lvl="3"/>
             <a:r>
-              <a:rPr lang="en-US" dirty="0"/>
+              <a:rPr lang="en-US"/>
               <a:t>Fourth level</a:t>
             </a:r>
           </a:p>
           <a:p>
             <a:pPr lvl="4"/>
             <a:r>
-              <a:rPr lang="en-US" dirty="0"/>
+              <a:rPr lang="en-US"/>
               <a:t>Fifth level</a:t>
             </a:r>
+            <a:endParaRPr lang="en-US" dirty="0"/>
           </a:p>
         </p:txBody>
       </p:sp>
@@ -7602,7 +9546,7 @@
         <p:spPr>
           <a:xfrm>
             <a:off x="6193368" y="1143000"/>
-            <a:ext cx="5463117" cy="639762"/>
+            <a:ext cx="5463117" cy="639763"/>
           </a:xfrm>
         </p:spPr>
         <p:txBody>
@@ -7612,35 +9556,35 @@
               <a:buNone/>
               <a:defRPr sz="1013" b="0"/>
             </a:lvl1pPr>
-            <a:lvl2pPr marL="192881" indent="0">
+            <a:lvl2pPr marL="192877" indent="0">
               <a:buNone/>
               <a:defRPr sz="844" b="1"/>
             </a:lvl2pPr>
-            <a:lvl3pPr marL="385763" indent="0">
+            <a:lvl3pPr marL="385753" indent="0">
               <a:buNone/>
               <a:defRPr sz="760" b="1"/>
             </a:lvl3pPr>
-            <a:lvl4pPr marL="578644" indent="0">
+            <a:lvl4pPr marL="578630" indent="0">
               <a:buNone/>
               <a:defRPr sz="675" b="1"/>
             </a:lvl4pPr>
-            <a:lvl5pPr marL="771525" indent="0">
+            <a:lvl5pPr marL="771506" indent="0">
               <a:buNone/>
               <a:defRPr sz="675" b="1"/>
             </a:lvl5pPr>
-            <a:lvl6pPr marL="964406" indent="0">
+            <a:lvl6pPr marL="964383" indent="0">
               <a:buNone/>
               <a:defRPr sz="675" b="1"/>
             </a:lvl6pPr>
-            <a:lvl7pPr marL="1157288" indent="0">
+            <a:lvl7pPr marL="1157259" indent="0">
               <a:buNone/>
               <a:defRPr sz="675" b="1"/>
             </a:lvl7pPr>
-            <a:lvl8pPr marL="1350169" indent="0">
+            <a:lvl8pPr marL="1350136" indent="0">
               <a:buNone/>
               <a:defRPr sz="675" b="1"/>
             </a:lvl8pPr>
-            <a:lvl9pPr marL="1543050" indent="0">
+            <a:lvl9pPr marL="1543012" indent="0">
               <a:buNone/>
               <a:defRPr sz="675" b="1"/>
             </a:lvl9pPr>
@@ -7648,7 +9592,7 @@
           <a:p>
             <a:pPr lvl="0"/>
             <a:r>
-              <a:rPr lang="en-US" dirty="0"/>
+              <a:rPr lang="en-US"/>
               <a:t>Click to edit Master text styles</a:t>
             </a:r>
           </a:p>
@@ -7667,7 +9611,7 @@
         <p:spPr>
           <a:xfrm>
             <a:off x="6193368" y="1782762"/>
-            <a:ext cx="5463117" cy="4465638"/>
+            <a:ext cx="5463117" cy="4465639"/>
           </a:xfrm>
         </p:spPr>
         <p:txBody>
@@ -7704,37 +9648,38 @@
           <a:p>
             <a:pPr lvl="0"/>
             <a:r>
-              <a:rPr lang="en-US" dirty="0"/>
+              <a:rPr lang="en-US"/>
               <a:t>Click to edit Master text styles</a:t>
             </a:r>
           </a:p>
           <a:p>
             <a:pPr lvl="1"/>
             <a:r>
-              <a:rPr lang="en-US" dirty="0"/>
+              <a:rPr lang="en-US"/>
               <a:t>Second level</a:t>
             </a:r>
           </a:p>
           <a:p>
             <a:pPr lvl="2"/>
             <a:r>
-              <a:rPr lang="en-US" dirty="0"/>
+              <a:rPr lang="en-US"/>
               <a:t>Third level</a:t>
             </a:r>
           </a:p>
           <a:p>
             <a:pPr lvl="3"/>
             <a:r>
-              <a:rPr lang="en-US" dirty="0"/>
+              <a:rPr lang="en-US"/>
               <a:t>Fourth level</a:t>
             </a:r>
           </a:p>
           <a:p>
             <a:pPr lvl="4"/>
             <a:r>
-              <a:rPr lang="en-US" dirty="0"/>
+              <a:rPr lang="en-US"/>
               <a:t>Fifth level</a:t>
             </a:r>
+            <a:endParaRPr lang="en-US" dirty="0"/>
           </a:p>
         </p:txBody>
       </p:sp>
@@ -7769,9 +9714,10 @@
           </a:lstStyle>
           <a:p>
             <a:r>
-              <a:rPr lang="en-US" dirty="0"/>
+              <a:rPr lang="en-US"/>
               <a:t>Click to edit Master title style</a:t>
             </a:r>
+            <a:endParaRPr lang="en-US" dirty="0"/>
           </a:p>
         </p:txBody>
       </p:sp>
@@ -7797,13 +9743,13 @@
           <a:lstStyle>
             <a:lvl1pPr>
               <a:defRPr b="0" i="0">
-                <a:latin typeface="FreightMicro Pro Medium" panose="02000603020000020004" pitchFamily="2" charset="0"/>
+                <a:latin typeface="FreightMicro Pro Book" panose="02000603020000020004" pitchFamily="2" charset="0"/>
               </a:defRPr>
             </a:lvl1pPr>
           </a:lstStyle>
           <a:p>
             <a:r>
-              <a:rPr lang="en-US" dirty="0"/>
+              <a:rPr lang="en-US"/>
               <a:t>Michael Ball | UC Berkeley | https://c88c.org | © CC BY-NC-SA</a:t>
             </a:r>
           </a:p>
@@ -7812,170 +9758,7 @@
     </p:spTree>
     <p:extLst>
       <p:ext uri="{BB962C8B-B14F-4D97-AF65-F5344CB8AC3E}">
-        <p14:creationId xmlns:p14="http://schemas.microsoft.com/office/powerpoint/2010/main" val="1659253633"/>
-      </p:ext>
-    </p:extLst>
-  </p:cSld>
-  <p:clrMapOvr>
-    <a:masterClrMapping/>
-  </p:clrMapOvr>
-</p:sldLayout>
-</file>
-
-<file path=ppt/slideLayouts/slideLayout8.xml><?xml version="1.0" encoding="utf-8"?>
-<p:sldLayout xmlns:a="http://schemas.openxmlformats.org/drawingml/2006/main" xmlns:r="http://schemas.openxmlformats.org/officeDocument/2006/relationships" xmlns:p="http://schemas.openxmlformats.org/presentationml/2006/main" type="titleOnly" preserve="1">
-  <p:cSld name="Title Only">
-    <p:spTree>
-      <p:nvGrpSpPr>
-        <p:cNvPr id="1" name=""/>
-        <p:cNvGrpSpPr/>
-        <p:nvPr/>
-      </p:nvGrpSpPr>
-      <p:grpSpPr>
-        <a:xfrm>
-          <a:off x="0" y="0"/>
-          <a:ext cx="0" cy="0"/>
-          <a:chOff x="0" y="0"/>
-          <a:chExt cx="0" cy="0"/>
-        </a:xfrm>
-      </p:grpSpPr>
-      <p:sp>
-        <p:nvSpPr>
-          <p:cNvPr id="2" name="Title 1"/>
-          <p:cNvSpPr>
-            <a:spLocks noGrp="1"/>
-          </p:cNvSpPr>
-          <p:nvPr>
-            <p:ph type="title"/>
-          </p:nvPr>
-        </p:nvSpPr>
-        <p:spPr/>
-        <p:txBody>
-          <a:bodyPr/>
-          <a:lstStyle>
-            <a:lvl1pPr>
-              <a:defRPr sz="2800" baseline="0"/>
-            </a:lvl1pPr>
-          </a:lstStyle>
-          <a:p>
-            <a:r>
-              <a:rPr lang="en-US" dirty="0"/>
-              <a:t>Click to edit Master title style</a:t>
-            </a:r>
-          </a:p>
-        </p:txBody>
-      </p:sp>
-      <p:sp>
-        <p:nvSpPr>
-          <p:cNvPr id="4" name="Footer Placeholder 3">
-            <a:extLst>
-              <a:ext uri="{FF2B5EF4-FFF2-40B4-BE49-F238E27FC236}">
-                <a16:creationId xmlns:a16="http://schemas.microsoft.com/office/drawing/2014/main" id="{686DCF39-8489-B440-287B-604AF733C85B}"/>
-              </a:ext>
-            </a:extLst>
-          </p:cNvPr>
-          <p:cNvSpPr>
-            <a:spLocks noGrp="1"/>
-          </p:cNvSpPr>
-          <p:nvPr>
-            <p:ph type="ftr" sz="quarter" idx="10"/>
-          </p:nvPr>
-        </p:nvSpPr>
-        <p:spPr/>
-        <p:txBody>
-          <a:bodyPr/>
-          <a:lstStyle>
-            <a:lvl1pPr>
-              <a:defRPr b="0" i="0">
-                <a:latin typeface="FreightMicro Pro Medium" panose="02000603020000020004" pitchFamily="2" charset="0"/>
-              </a:defRPr>
-            </a:lvl1pPr>
-          </a:lstStyle>
-          <a:p>
-            <a:r>
-              <a:rPr lang="en-US" dirty="0"/>
-              <a:t>Michael Ball | UC Berkeley | https://c88c.org | © CC BY-NC-SA</a:t>
-            </a:r>
-          </a:p>
-        </p:txBody>
-      </p:sp>
-    </p:spTree>
-    <p:extLst>
-      <p:ext uri="{BB962C8B-B14F-4D97-AF65-F5344CB8AC3E}">
-        <p14:creationId xmlns:p14="http://schemas.microsoft.com/office/powerpoint/2010/main" val="821778929"/>
-      </p:ext>
-    </p:extLst>
-  </p:cSld>
-  <p:clrMapOvr>
-    <a:masterClrMapping/>
-  </p:clrMapOvr>
-</p:sldLayout>
-</file>
-
-<file path=ppt/slideLayouts/slideLayout9.xml><?xml version="1.0" encoding="utf-8"?>
-<p:sldLayout xmlns:a="http://schemas.openxmlformats.org/drawingml/2006/main" xmlns:r="http://schemas.openxmlformats.org/officeDocument/2006/relationships" xmlns:p="http://schemas.openxmlformats.org/presentationml/2006/main" type="blank" preserve="1">
-  <p:cSld name="Blank">
-    <p:spTree>
-      <p:nvGrpSpPr>
-        <p:cNvPr id="1" name=""/>
-        <p:cNvGrpSpPr/>
-        <p:nvPr/>
-      </p:nvGrpSpPr>
-      <p:grpSpPr>
-        <a:xfrm>
-          <a:off x="0" y="0"/>
-          <a:ext cx="0" cy="0"/>
-          <a:chOff x="0" y="0"/>
-          <a:chExt cx="0" cy="0"/>
-        </a:xfrm>
-      </p:grpSpPr>
-      <p:sp>
-        <p:nvSpPr>
-          <p:cNvPr id="2" name="TextBox 1">
-            <a:extLst>
-              <a:ext uri="{FF2B5EF4-FFF2-40B4-BE49-F238E27FC236}">
-                <a16:creationId xmlns:a16="http://schemas.microsoft.com/office/drawing/2014/main" id="{E343C895-3A78-DB8C-39DD-188070E30E5A}"/>
-              </a:ext>
-            </a:extLst>
-          </p:cNvPr>
-          <p:cNvSpPr txBox="1"/>
-          <p:nvPr userDrawn="1"/>
-        </p:nvSpPr>
-        <p:spPr>
-          <a:xfrm>
-            <a:off x="3907420" y="6408598"/>
-            <a:ext cx="4377160" cy="276999"/>
-          </a:xfrm>
-          <a:prstGeom prst="rect">
-            <a:avLst/>
-          </a:prstGeom>
-          <a:noFill/>
-        </p:spPr>
-        <p:txBody>
-          <a:bodyPr wrap="none" rtlCol="0">
-            <a:spAutoFit/>
-          </a:bodyPr>
-          <a:lstStyle/>
-          <a:p>
-            <a:pPr algn="ctr"/>
-            <a:r>
-              <a:rPr lang="en-US" sz="1200">
-                <a:solidFill>
-                  <a:schemeClr val="accent3"/>
-                </a:solidFill>
-                <a:latin typeface="Open Sans" panose="020B0606030504020204" pitchFamily="34" charset="0"/>
-                <a:ea typeface="Open Sans" panose="020B0606030504020204" pitchFamily="34" charset="0"/>
-                <a:cs typeface="Open Sans" panose="020B0606030504020204" pitchFamily="34" charset="0"/>
-              </a:rPr>
-              <a:t>Michael Ball | UC Berkeley | https://c88c.org | © CC BY-NC</a:t>
-            </a:r>
-          </a:p>
-        </p:txBody>
-      </p:sp>
-    </p:spTree>
-    <p:extLst>
-      <p:ext uri="{BB962C8B-B14F-4D97-AF65-F5344CB8AC3E}">
-        <p14:creationId xmlns:p14="http://schemas.microsoft.com/office/powerpoint/2010/main" val="2409335106"/>
+        <p14:creationId xmlns:p14="http://schemas.microsoft.com/office/powerpoint/2010/main" val="3325929163"/>
       </p:ext>
     </p:extLst>
   </p:cSld>
@@ -8087,7 +9870,7 @@
         <p:spPr bwMode="auto">
           <a:xfrm>
             <a:off x="533400" y="1066800"/>
-            <a:ext cx="8763000" cy="5257800"/>
+            <a:ext cx="11218333" cy="5257800"/>
           </a:xfrm>
           <a:prstGeom prst="rect">
             <a:avLst/>
@@ -8181,8 +9964,8 @@
         </p:nvSpPr>
         <p:spPr>
           <a:xfrm>
-            <a:off x="4038599" y="6356350"/>
-            <a:ext cx="4348655" cy="365125"/>
+            <a:off x="4038601" y="6457951"/>
+            <a:ext cx="4348655" cy="256116"/>
           </a:xfrm>
           <a:prstGeom prst="rect">
             <a:avLst/>
@@ -8196,15 +9979,15 @@
                 <a:solidFill>
                   <a:schemeClr val="accent3"/>
                 </a:solidFill>
-                <a:latin typeface="FreightMicro Pro Medium" panose="02000603020000020004" pitchFamily="2" charset="0"/>
-                <a:ea typeface="FreightMicro Pro Medium" panose="02000603020000020004" pitchFamily="2" charset="0"/>
-                <a:cs typeface="FreightMicro Pro Medium" panose="02000603020000020004" pitchFamily="2" charset="0"/>
+                <a:latin typeface="FreightMicro Pro Book" panose="02000603020000020004" pitchFamily="2" charset="0"/>
+                <a:ea typeface="FreightMicro Pro Book" panose="02000603020000020004" pitchFamily="2" charset="0"/>
+                <a:cs typeface="FreightMicro Pro Book" panose="02000603020000020004" pitchFamily="2" charset="0"/>
               </a:defRPr>
             </a:lvl1pPr>
           </a:lstStyle>
           <a:p>
             <a:r>
-              <a:rPr lang="en-US"/>
+              <a:rPr lang="en-US" dirty="0"/>
               <a:t>Michael Ball | UC Berkeley | https://c88c.org | © CC BY-NC-SA</a:t>
             </a:r>
           </a:p>
@@ -8213,33 +9996,36 @@
     </p:spTree>
     <p:extLst>
       <p:ext uri="{BB962C8B-B14F-4D97-AF65-F5344CB8AC3E}">
-        <p14:creationId xmlns:p14="http://schemas.microsoft.com/office/powerpoint/2010/main" val="1409923485"/>
+        <p14:creationId xmlns:p14="http://schemas.microsoft.com/office/powerpoint/2010/main" val="2598759891"/>
       </p:ext>
     </p:extLst>
   </p:cSld>
   <p:clrMap bg1="lt1" tx1="dk1" bg2="lt2" tx2="dk2" accent1="accent1" accent2="accent2" accent3="accent3" accent4="accent4" accent5="accent5" accent6="accent6" hlink="hlink" folHlink="folHlink"/>
   <p:sldLayoutIdLst>
-    <p:sldLayoutId id="2147484015" r:id="rId1"/>
-    <p:sldLayoutId id="2147484016" r:id="rId2"/>
-    <p:sldLayoutId id="2147484017" r:id="rId3"/>
-    <p:sldLayoutId id="2147484018" r:id="rId4"/>
-    <p:sldLayoutId id="2147484019" r:id="rId5"/>
-    <p:sldLayoutId id="2147484020" r:id="rId6"/>
-    <p:sldLayoutId id="2147484021" r:id="rId7"/>
-    <p:sldLayoutId id="2147484022" r:id="rId8"/>
-    <p:sldLayoutId id="2147484023" r:id="rId9"/>
-    <p:sldLayoutId id="2147484024" r:id="rId10"/>
-    <p:sldLayoutId id="2147484025" r:id="rId11"/>
-    <p:sldLayoutId id="2147484026" r:id="rId12"/>
-    <p:sldLayoutId id="2147484027" r:id="rId13"/>
-    <p:sldLayoutId id="2147484028" r:id="rId14"/>
-    <p:sldLayoutId id="2147484029" r:id="rId15"/>
-    <p:sldLayoutId id="2147484030" r:id="rId16"/>
-    <p:sldLayoutId id="2147484031" r:id="rId17"/>
-    <p:sldLayoutId id="2147484032" r:id="rId18"/>
-    <p:sldLayoutId id="2147484033" r:id="rId19"/>
+    <p:sldLayoutId id="2147484035" r:id="rId1"/>
+    <p:sldLayoutId id="2147484036" r:id="rId2"/>
+    <p:sldLayoutId id="2147484037" r:id="rId3"/>
+    <p:sldLayoutId id="2147484038" r:id="rId4"/>
+    <p:sldLayoutId id="2147484039" r:id="rId5"/>
+    <p:sldLayoutId id="2147484040" r:id="rId6"/>
+    <p:sldLayoutId id="2147484041" r:id="rId7"/>
+    <p:sldLayoutId id="2147484042" r:id="rId8"/>
+    <p:sldLayoutId id="2147484043" r:id="rId9"/>
+    <p:sldLayoutId id="2147484044" r:id="rId10"/>
+    <p:sldLayoutId id="2147484045" r:id="rId11"/>
+    <p:sldLayoutId id="2147484046" r:id="rId12"/>
+    <p:sldLayoutId id="2147484047" r:id="rId13"/>
+    <p:sldLayoutId id="2147484048" r:id="rId14"/>
+    <p:sldLayoutId id="2147484049" r:id="rId15"/>
+    <p:sldLayoutId id="2147484050" r:id="rId16"/>
+    <p:sldLayoutId id="2147484051" r:id="rId17"/>
+    <p:sldLayoutId id="2147484052" r:id="rId18"/>
+    <p:sldLayoutId id="2147484053" r:id="rId19"/>
+    <p:sldLayoutId id="2147484054" r:id="rId20"/>
+    <p:sldLayoutId id="2147484055" r:id="rId21"/>
+    <p:sldLayoutId id="2147484056" r:id="rId22"/>
   </p:sldLayoutIdLst>
-  <p:hf sldNum="0" hdr="0"/>
+  <p:hf sldNum="0" hdr="0" dt="0"/>
   <p:txStyles>
     <p:titleStyle>
       <a:lvl1pPr algn="l" rtl="0" eaLnBrk="1" fontAlgn="base" hangingPunct="1">
@@ -8256,9 +10042,9 @@
           <a:solidFill>
             <a:schemeClr val="bg1"/>
           </a:solidFill>
-          <a:latin typeface="FreightMicro Pro Medium" panose="02000603020000020004" pitchFamily="2" charset="0"/>
+          <a:latin typeface="FreightMicro Pro Book" panose="02000603020000020004" pitchFamily="2" charset="0"/>
           <a:ea typeface="ＭＳ Ｐゴシック" charset="-128"/>
-          <a:cs typeface="FreightMicro Pro Medium" panose="02000603020000020004" pitchFamily="2" charset="0"/>
+          <a:cs typeface="FreightMicro Pro Book" panose="02000603020000020004" pitchFamily="2" charset="0"/>
         </a:defRPr>
       </a:lvl1pPr>
       <a:lvl2pPr algn="l" rtl="0" eaLnBrk="1" fontAlgn="base" hangingPunct="1">
@@ -8271,7 +10057,7 @@
         <a:spcAft>
           <a:spcPct val="0"/>
         </a:spcAft>
-        <a:defRPr sz="1350" b="1">
+        <a:defRPr sz="1351" b="1">
           <a:solidFill>
             <a:srgbClr val="0332B7"/>
           </a:solidFill>
@@ -8290,7 +10076,7 @@
         <a:spcAft>
           <a:spcPct val="0"/>
         </a:spcAft>
-        <a:defRPr sz="1350" b="1">
+        <a:defRPr sz="1351" b="1">
           <a:solidFill>
             <a:srgbClr val="0332B7"/>
           </a:solidFill>
@@ -8309,7 +10095,7 @@
         <a:spcAft>
           <a:spcPct val="0"/>
         </a:spcAft>
-        <a:defRPr sz="1350" b="1">
+        <a:defRPr sz="1351" b="1">
           <a:solidFill>
             <a:srgbClr val="0332B7"/>
           </a:solidFill>
@@ -8328,7 +10114,7 @@
         <a:spcAft>
           <a:spcPct val="0"/>
         </a:spcAft>
-        <a:defRPr sz="1350" b="1">
+        <a:defRPr sz="1351" b="1">
           <a:solidFill>
             <a:srgbClr val="0332B7"/>
           </a:solidFill>
@@ -8337,7 +10123,7 @@
           <a:cs typeface="ＭＳ Ｐゴシック" charset="-128"/>
         </a:defRPr>
       </a:lvl5pPr>
-      <a:lvl6pPr marL="192881" algn="l" rtl="0" eaLnBrk="1" fontAlgn="base" hangingPunct="1">
+      <a:lvl6pPr marL="192877" algn="l" rtl="0" eaLnBrk="1" fontAlgn="base" hangingPunct="1">
         <a:lnSpc>
           <a:spcPct val="90000"/>
         </a:lnSpc>
@@ -8347,14 +10133,14 @@
         <a:spcAft>
           <a:spcPct val="0"/>
         </a:spcAft>
-        <a:defRPr sz="1350" b="1">
+        <a:defRPr sz="1351" b="1">
           <a:solidFill>
             <a:srgbClr val="0332B7"/>
           </a:solidFill>
           <a:latin typeface="Arial" charset="0"/>
         </a:defRPr>
       </a:lvl6pPr>
-      <a:lvl7pPr marL="385763" algn="l" rtl="0" eaLnBrk="1" fontAlgn="base" hangingPunct="1">
+      <a:lvl7pPr marL="385753" algn="l" rtl="0" eaLnBrk="1" fontAlgn="base" hangingPunct="1">
         <a:lnSpc>
           <a:spcPct val="90000"/>
         </a:lnSpc>
@@ -8364,14 +10150,14 @@
         <a:spcAft>
           <a:spcPct val="0"/>
         </a:spcAft>
-        <a:defRPr sz="1350" b="1">
+        <a:defRPr sz="1351" b="1">
           <a:solidFill>
             <a:srgbClr val="0332B7"/>
           </a:solidFill>
           <a:latin typeface="Arial" charset="0"/>
         </a:defRPr>
       </a:lvl7pPr>
-      <a:lvl8pPr marL="578644" algn="l" rtl="0" eaLnBrk="1" fontAlgn="base" hangingPunct="1">
+      <a:lvl8pPr marL="578630" algn="l" rtl="0" eaLnBrk="1" fontAlgn="base" hangingPunct="1">
         <a:lnSpc>
           <a:spcPct val="90000"/>
         </a:lnSpc>
@@ -8381,14 +10167,14 @@
         <a:spcAft>
           <a:spcPct val="0"/>
         </a:spcAft>
-        <a:defRPr sz="1350" b="1">
+        <a:defRPr sz="1351" b="1">
           <a:solidFill>
             <a:srgbClr val="0332B7"/>
           </a:solidFill>
           <a:latin typeface="Arial" charset="0"/>
         </a:defRPr>
       </a:lvl8pPr>
-      <a:lvl9pPr marL="771525" algn="l" rtl="0" eaLnBrk="1" fontAlgn="base" hangingPunct="1">
+      <a:lvl9pPr marL="771506" algn="l" rtl="0" eaLnBrk="1" fontAlgn="base" hangingPunct="1">
         <a:lnSpc>
           <a:spcPct val="90000"/>
         </a:lnSpc>
@@ -8398,7 +10184,7 @@
         <a:spcAft>
           <a:spcPct val="0"/>
         </a:spcAft>
-        <a:defRPr sz="1350" b="1">
+        <a:defRPr sz="1351" b="1">
           <a:solidFill>
             <a:srgbClr val="0332B7"/>
           </a:solidFill>
@@ -8407,7 +10193,7 @@
       </a:lvl9pPr>
     </p:titleStyle>
     <p:bodyStyle>
-      <a:lvl1pPr marL="120551" indent="-120551" algn="l" rtl="0" eaLnBrk="1" fontAlgn="base" hangingPunct="1">
+      <a:lvl1pPr marL="137160" indent="-137160" algn="l" rtl="0" eaLnBrk="1" fontAlgn="base" hangingPunct="1">
         <a:lnSpc>
           <a:spcPct val="100000"/>
         </a:lnSpc>
@@ -8420,16 +10206,16 @@
         <a:buSzPct val="85000"/>
         <a:buFont typeface="Arial" panose="020B0604020202020204" pitchFamily="34" charset="0"/>
         <a:buChar char="•"/>
-        <a:defRPr sz="3200" b="0" i="0" cap="none" baseline="0">
+        <a:defRPr sz="2400" b="0" i="0" cap="none" baseline="0">
           <a:solidFill>
             <a:schemeClr val="tx1"/>
           </a:solidFill>
-          <a:latin typeface="Open Sans" panose="020B0606030504020204" pitchFamily="34" charset="0"/>
-          <a:ea typeface="Open Sans" panose="020B0606030504020204" pitchFamily="34" charset="0"/>
-          <a:cs typeface="Open Sans" panose="020B0606030504020204" pitchFamily="34" charset="0"/>
+          <a:latin typeface="Open Sans Light" panose="020B0606030504020204" pitchFamily="34" charset="0"/>
+          <a:ea typeface="Open Sans Light" panose="020B0606030504020204" pitchFamily="34" charset="0"/>
+          <a:cs typeface="Open Sans Light" panose="020B0606030504020204" pitchFamily="34" charset="0"/>
         </a:defRPr>
       </a:lvl1pPr>
-      <a:lvl2pPr marL="289322" indent="-96441" algn="l" rtl="0" eaLnBrk="1" fontAlgn="base" hangingPunct="1">
+      <a:lvl2pPr marL="274320" indent="-137160" algn="l" rtl="0" eaLnBrk="1" fontAlgn="base" hangingPunct="1">
         <a:lnSpc>
           <a:spcPct val="100000"/>
         </a:lnSpc>
@@ -8442,16 +10228,16 @@
         <a:buSzPct val="85000"/>
         <a:buFont typeface="Arial" panose="020B0604020202020204" pitchFamily="34" charset="0"/>
         <a:buChar char="•"/>
-        <a:defRPr sz="3200" b="0" i="0" cap="none" baseline="0">
+        <a:defRPr sz="2400" b="0" i="0" cap="none" baseline="0">
           <a:solidFill>
             <a:schemeClr val="tx1"/>
           </a:solidFill>
-          <a:latin typeface="Open Sans" panose="020B0606030504020204" pitchFamily="34" charset="0"/>
-          <a:ea typeface="Open Sans" panose="020B0606030504020204" pitchFamily="34" charset="0"/>
-          <a:cs typeface="Open Sans" panose="020B0606030504020204" pitchFamily="34" charset="0"/>
+          <a:latin typeface="Open Sans Light" panose="020B0606030504020204" pitchFamily="34" charset="0"/>
+          <a:ea typeface="Open Sans Light" panose="020B0606030504020204" pitchFamily="34" charset="0"/>
+          <a:cs typeface="Open Sans Light" panose="020B0606030504020204" pitchFamily="34" charset="0"/>
         </a:defRPr>
       </a:lvl2pPr>
-      <a:lvl3pPr marL="482204" indent="-96441" algn="l" rtl="0" eaLnBrk="1" fontAlgn="base" hangingPunct="1">
+      <a:lvl3pPr marL="411480" indent="-137160" algn="l" rtl="0" eaLnBrk="1" fontAlgn="base" hangingPunct="1">
         <a:lnSpc>
           <a:spcPct val="100000"/>
         </a:lnSpc>
@@ -8464,16 +10250,16 @@
         <a:buSzPct val="85000"/>
         <a:buFont typeface="Arial" panose="020B0604020202020204" pitchFamily="34" charset="0"/>
         <a:buChar char="•"/>
-        <a:defRPr sz="3200" b="0" i="0" cap="none" baseline="0">
+        <a:defRPr sz="2200" b="0" i="0" cap="none" baseline="0">
           <a:solidFill>
             <a:schemeClr val="tx1"/>
           </a:solidFill>
-          <a:latin typeface="Open Sans" panose="020B0606030504020204" pitchFamily="34" charset="0"/>
-          <a:ea typeface="Open Sans" panose="020B0606030504020204" pitchFamily="34" charset="0"/>
-          <a:cs typeface="Open Sans" panose="020B0606030504020204" pitchFamily="34" charset="0"/>
+          <a:latin typeface="Open Sans Light" panose="020B0606030504020204" pitchFamily="34" charset="0"/>
+          <a:ea typeface="Open Sans Light" panose="020B0606030504020204" pitchFamily="34" charset="0"/>
+          <a:cs typeface="Open Sans Light" panose="020B0606030504020204" pitchFamily="34" charset="0"/>
         </a:defRPr>
       </a:lvl3pPr>
-      <a:lvl4pPr marL="650975" indent="-72331" algn="l" rtl="0" eaLnBrk="1" fontAlgn="base" hangingPunct="1">
+      <a:lvl4pPr marL="548640" indent="-137160" algn="l" rtl="0" eaLnBrk="1" fontAlgn="base" hangingPunct="1">
         <a:lnSpc>
           <a:spcPct val="100000"/>
         </a:lnSpc>
@@ -8486,16 +10272,16 @@
         <a:buSzPct val="85000"/>
         <a:buFont typeface="Arial" panose="020B0604020202020204" pitchFamily="34" charset="0"/>
         <a:buChar char="•"/>
-        <a:defRPr sz="3200" b="0" i="0" cap="none" baseline="0">
+        <a:defRPr sz="2000" b="0" i="0" cap="none" baseline="0">
           <a:solidFill>
             <a:schemeClr val="tx1"/>
           </a:solidFill>
-          <a:latin typeface="Open Sans" panose="020B0606030504020204" pitchFamily="34" charset="0"/>
-          <a:ea typeface="Open Sans" panose="020B0606030504020204" pitchFamily="34" charset="0"/>
-          <a:cs typeface="Open Sans" panose="020B0606030504020204" pitchFamily="34" charset="0"/>
+          <a:latin typeface="Open Sans Light" panose="020B0606030504020204" pitchFamily="34" charset="0"/>
+          <a:ea typeface="Open Sans Light" panose="020B0606030504020204" pitchFamily="34" charset="0"/>
+          <a:cs typeface="Open Sans Light" panose="020B0606030504020204" pitchFamily="34" charset="0"/>
         </a:defRPr>
       </a:lvl4pPr>
-      <a:lvl5pPr marL="843856" indent="-72331" algn="l" rtl="0" eaLnBrk="1" fontAlgn="base" hangingPunct="1">
+      <a:lvl5pPr marL="685800" indent="-137160" algn="l" rtl="0" eaLnBrk="1" fontAlgn="base" hangingPunct="1">
         <a:lnSpc>
           <a:spcPct val="100000"/>
         </a:lnSpc>
@@ -8508,16 +10294,16 @@
         <a:buSzPct val="85000"/>
         <a:buFont typeface="Arial" panose="020B0604020202020204" pitchFamily="34" charset="0"/>
         <a:buChar char="•"/>
-        <a:defRPr sz="2800" b="0" i="0" cap="none" baseline="0">
+        <a:defRPr sz="1800" b="0" i="0" cap="none" baseline="0">
           <a:solidFill>
             <a:schemeClr val="tx1"/>
           </a:solidFill>
-          <a:latin typeface="Open Sans" panose="020B0606030504020204" pitchFamily="34" charset="0"/>
-          <a:ea typeface="Open Sans" panose="020B0606030504020204" pitchFamily="34" charset="0"/>
-          <a:cs typeface="Open Sans" panose="020B0606030504020204" pitchFamily="34" charset="0"/>
+          <a:latin typeface="Open Sans Light" panose="020B0606030504020204" pitchFamily="34" charset="0"/>
+          <a:ea typeface="Open Sans Light" panose="020B0606030504020204" pitchFamily="34" charset="0"/>
+          <a:cs typeface="Open Sans Light" panose="020B0606030504020204" pitchFamily="34" charset="0"/>
         </a:defRPr>
       </a:lvl5pPr>
-      <a:lvl6pPr marL="1036737" indent="-72331" algn="l" rtl="0" eaLnBrk="1" fontAlgn="base" hangingPunct="1">
+      <a:lvl6pPr marL="1036711" indent="-72329" algn="l" rtl="0" eaLnBrk="1" fontAlgn="base" hangingPunct="1">
         <a:lnSpc>
           <a:spcPct val="90000"/>
         </a:lnSpc>
@@ -8537,7 +10323,7 @@
           <a:ea typeface="ＭＳ Ｐゴシック" charset="-128"/>
         </a:defRPr>
       </a:lvl6pPr>
-      <a:lvl7pPr marL="1229618" indent="-72331" algn="l" rtl="0" eaLnBrk="1" fontAlgn="base" hangingPunct="1">
+      <a:lvl7pPr marL="1229588" indent="-72329" algn="l" rtl="0" eaLnBrk="1" fontAlgn="base" hangingPunct="1">
         <a:lnSpc>
           <a:spcPct val="90000"/>
         </a:lnSpc>
@@ -8557,7 +10343,7 @@
           <a:ea typeface="ＭＳ Ｐゴシック" charset="-128"/>
         </a:defRPr>
       </a:lvl7pPr>
-      <a:lvl8pPr marL="1422500" indent="-72331" algn="l" rtl="0" eaLnBrk="1" fontAlgn="base" hangingPunct="1">
+      <a:lvl8pPr marL="1422464" indent="-72329" algn="l" rtl="0" eaLnBrk="1" fontAlgn="base" hangingPunct="1">
         <a:lnSpc>
           <a:spcPct val="90000"/>
         </a:lnSpc>
@@ -8577,7 +10363,7 @@
           <a:ea typeface="ＭＳ Ｐゴシック" charset="-128"/>
         </a:defRPr>
       </a:lvl8pPr>
-      <a:lvl9pPr marL="1615381" indent="-72331" algn="l" rtl="0" eaLnBrk="1" fontAlgn="base" hangingPunct="1">
+      <a:lvl9pPr marL="1615341" indent="-72329" algn="l" rtl="0" eaLnBrk="1" fontAlgn="base" hangingPunct="1">
         <a:lnSpc>
           <a:spcPct val="90000"/>
         </a:lnSpc>
@@ -8602,7 +10388,7 @@
       <a:defPPr>
         <a:defRPr lang="en-US"/>
       </a:defPPr>
-      <a:lvl1pPr marL="0" algn="l" defTabSz="192881" rtl="0" eaLnBrk="1" latinLnBrk="0" hangingPunct="1">
+      <a:lvl1pPr marL="0" algn="l" defTabSz="192877" rtl="0" eaLnBrk="1" latinLnBrk="0" hangingPunct="1">
         <a:defRPr sz="760" kern="1200">
           <a:solidFill>
             <a:schemeClr val="tx1"/>
@@ -8612,7 +10398,7 @@
           <a:cs typeface="+mn-cs"/>
         </a:defRPr>
       </a:lvl1pPr>
-      <a:lvl2pPr marL="192881" algn="l" defTabSz="192881" rtl="0" eaLnBrk="1" latinLnBrk="0" hangingPunct="1">
+      <a:lvl2pPr marL="192877" algn="l" defTabSz="192877" rtl="0" eaLnBrk="1" latinLnBrk="0" hangingPunct="1">
         <a:defRPr sz="760" kern="1200">
           <a:solidFill>
             <a:schemeClr val="tx1"/>
@@ -8622,7 +10408,7 @@
           <a:cs typeface="+mn-cs"/>
         </a:defRPr>
       </a:lvl2pPr>
-      <a:lvl3pPr marL="385763" algn="l" defTabSz="192881" rtl="0" eaLnBrk="1" latinLnBrk="0" hangingPunct="1">
+      <a:lvl3pPr marL="385753" algn="l" defTabSz="192877" rtl="0" eaLnBrk="1" latinLnBrk="0" hangingPunct="1">
         <a:defRPr sz="760" kern="1200">
           <a:solidFill>
             <a:schemeClr val="tx1"/>
@@ -8632,7 +10418,7 @@
           <a:cs typeface="+mn-cs"/>
         </a:defRPr>
       </a:lvl3pPr>
-      <a:lvl4pPr marL="578644" algn="l" defTabSz="192881" rtl="0" eaLnBrk="1" latinLnBrk="0" hangingPunct="1">
+      <a:lvl4pPr marL="578630" algn="l" defTabSz="192877" rtl="0" eaLnBrk="1" latinLnBrk="0" hangingPunct="1">
         <a:defRPr sz="760" kern="1200">
           <a:solidFill>
             <a:schemeClr val="tx1"/>
@@ -8642,7 +10428,7 @@
           <a:cs typeface="+mn-cs"/>
         </a:defRPr>
       </a:lvl4pPr>
-      <a:lvl5pPr marL="771525" algn="l" defTabSz="192881" rtl="0" eaLnBrk="1" latinLnBrk="0" hangingPunct="1">
+      <a:lvl5pPr marL="771506" algn="l" defTabSz="192877" rtl="0" eaLnBrk="1" latinLnBrk="0" hangingPunct="1">
         <a:defRPr sz="760" kern="1200">
           <a:solidFill>
             <a:schemeClr val="tx1"/>
@@ -8652,7 +10438,7 @@
           <a:cs typeface="+mn-cs"/>
         </a:defRPr>
       </a:lvl5pPr>
-      <a:lvl6pPr marL="964406" algn="l" defTabSz="192881" rtl="0" eaLnBrk="1" latinLnBrk="0" hangingPunct="1">
+      <a:lvl6pPr marL="964383" algn="l" defTabSz="192877" rtl="0" eaLnBrk="1" latinLnBrk="0" hangingPunct="1">
         <a:defRPr sz="760" kern="1200">
           <a:solidFill>
             <a:schemeClr val="tx1"/>
@@ -8662,7 +10448,7 @@
           <a:cs typeface="+mn-cs"/>
         </a:defRPr>
       </a:lvl6pPr>
-      <a:lvl7pPr marL="1157288" algn="l" defTabSz="192881" rtl="0" eaLnBrk="1" latinLnBrk="0" hangingPunct="1">
+      <a:lvl7pPr marL="1157259" algn="l" defTabSz="192877" rtl="0" eaLnBrk="1" latinLnBrk="0" hangingPunct="1">
         <a:defRPr sz="760" kern="1200">
           <a:solidFill>
             <a:schemeClr val="tx1"/>
@@ -8672,7 +10458,7 @@
           <a:cs typeface="+mn-cs"/>
         </a:defRPr>
       </a:lvl7pPr>
-      <a:lvl8pPr marL="1350169" algn="l" defTabSz="192881" rtl="0" eaLnBrk="1" latinLnBrk="0" hangingPunct="1">
+      <a:lvl8pPr marL="1350136" algn="l" defTabSz="192877" rtl="0" eaLnBrk="1" latinLnBrk="0" hangingPunct="1">
         <a:defRPr sz="760" kern="1200">
           <a:solidFill>
             <a:schemeClr val="tx1"/>
@@ -8682,7 +10468,7 @@
           <a:cs typeface="+mn-cs"/>
         </a:defRPr>
       </a:lvl8pPr>
-      <a:lvl9pPr marL="1543050" algn="l" defTabSz="192881" rtl="0" eaLnBrk="1" latinLnBrk="0" hangingPunct="1">
+      <a:lvl9pPr marL="1543012" algn="l" defTabSz="192877" rtl="0" eaLnBrk="1" latinLnBrk="0" hangingPunct="1">
         <a:defRPr sz="760" kern="1200">
           <a:solidFill>
             <a:schemeClr val="tx1"/>
@@ -10348,8 +12134,8 @@
         </p:blipFill>
         <p:spPr>
           <a:xfrm>
-            <a:off x="3429000" y="2362200"/>
-            <a:ext cx="3797300" cy="3339794"/>
+            <a:off x="5088731" y="2768600"/>
+            <a:ext cx="2108200" cy="1854200"/>
           </a:xfrm>
         </p:spPr>
       </p:pic>
@@ -10434,12 +12220,7 @@
             <p:ph type="title"/>
           </p:nvPr>
         </p:nvSpPr>
-        <p:spPr>
-          <a:xfrm>
-            <a:off x="0" y="0"/>
-            <a:ext cx="12192000" cy="914400"/>
-          </a:xfrm>
-        </p:spPr>
+        <p:spPr/>
         <p:txBody>
           <a:bodyPr/>
           <a:lstStyle/>
@@ -10467,12 +12248,7 @@
             <p:ph idx="1"/>
           </p:nvPr>
         </p:nvSpPr>
-        <p:spPr>
-          <a:xfrm>
-            <a:off x="533400" y="1066800"/>
-            <a:ext cx="8763000" cy="5257800"/>
-          </a:xfrm>
-        </p:spPr>
+        <p:spPr/>
         <p:txBody>
           <a:bodyPr/>
           <a:lstStyle/>
@@ -12043,12 +13819,7 @@
             <p:ph type="ctrTitle"/>
           </p:nvPr>
         </p:nvSpPr>
-        <p:spPr>
-          <a:xfrm>
-            <a:off x="1866900" y="2170185"/>
-            <a:ext cx="8458200" cy="1470025"/>
-          </a:xfrm>
-        </p:spPr>
+        <p:spPr/>
         <p:txBody>
           <a:bodyPr/>
           <a:lstStyle/>
@@ -12229,7 +14000,7 @@
 </file>
 
 <file path=ppt/theme/theme1.xml><?xml version="1.0" encoding="utf-8"?>
-<a:theme xmlns:a="http://schemas.openxmlformats.org/drawingml/2006/main" name="1_Main C88C">
+<a:theme xmlns:a="http://schemas.openxmlformats.org/drawingml/2006/main" name="3_Main C88C">
   <a:themeElements>
     <a:clrScheme name="UC Berkeley C88C">
       <a:dk1>
@@ -12861,7 +14632,7 @@
   </a:extraClrSchemeLst>
   <a:extLst>
     <a:ext uri="{05A4C25C-085E-4340-85A3-A5531E510DB2}">
-      <thm15:themeFamily xmlns:thm15="http://schemas.microsoft.com/office/thememl/2012/main" name="C88C" id="{C5573598-C838-DB42-8057-7BDB89560B2A}" vid="{9FB56D42-AF32-0A48-8C88-A60776868E7B}"/>
+      <thm15:themeFamily xmlns:thm15="http://schemas.microsoft.com/office/thememl/2012/main" name="C88C.potx" id="{60C739C7-D456-6A4F-BBEC-3282AC96DFC2}" vid="{649004B0-456A-9B40-8F2C-9815F0B16FED}"/>
     </a:ext>
   </a:extLst>
 </a:theme>
